--- a/figures/figs.pptx
+++ b/figures/figs.pptx
@@ -4,10 +4,17 @@
   <p:sldMasterIdLst>
     <p:sldMasterId id="2147483648" r:id="rId1"/>
   </p:sldMasterIdLst>
+  <p:notesMasterIdLst>
+    <p:notesMasterId r:id="rId9"/>
+  </p:notesMasterIdLst>
   <p:sldIdLst>
     <p:sldId id="262" r:id="rId2"/>
-    <p:sldId id="264" r:id="rId3"/>
-    <p:sldId id="263" r:id="rId4"/>
+    <p:sldId id="267" r:id="rId3"/>
+    <p:sldId id="264" r:id="rId4"/>
+    <p:sldId id="268" r:id="rId5"/>
+    <p:sldId id="265" r:id="rId6"/>
+    <p:sldId id="266" r:id="rId7"/>
+    <p:sldId id="263" r:id="rId8"/>
   </p:sldIdLst>
   <p:sldSz cx="12192000" cy="6858000"/>
   <p:notesSz cx="6858000" cy="9144000"/>
@@ -112,6 +119,440 @@
     </p:ext>
   </p:extLst>
 </p:presentation>
+</file>
+
+<file path=ppt/notesMasters/notesMaster1.xml><?xml version="1.0" encoding="utf-8"?>
+<p:notesMaster xmlns:a="http://schemas.openxmlformats.org/drawingml/2006/main" xmlns:r="http://schemas.openxmlformats.org/officeDocument/2006/relationships" xmlns:p="http://schemas.openxmlformats.org/presentationml/2006/main">
+  <p:cSld>
+    <p:bg>
+      <p:bgRef idx="1001">
+        <a:schemeClr val="bg1"/>
+      </p:bgRef>
+    </p:bg>
+    <p:spTree>
+      <p:nvGrpSpPr>
+        <p:cNvPr id="1" name=""/>
+        <p:cNvGrpSpPr/>
+        <p:nvPr/>
+      </p:nvGrpSpPr>
+      <p:grpSpPr>
+        <a:xfrm>
+          <a:off x="0" y="0"/>
+          <a:ext cx="0" cy="0"/>
+          <a:chOff x="0" y="0"/>
+          <a:chExt cx="0" cy="0"/>
+        </a:xfrm>
+      </p:grpSpPr>
+      <p:sp>
+        <p:nvSpPr>
+          <p:cNvPr id="2" name="Header Placeholder 1"/>
+          <p:cNvSpPr>
+            <a:spLocks noGrp="1"/>
+          </p:cNvSpPr>
+          <p:nvPr>
+            <p:ph type="hdr" sz="quarter"/>
+          </p:nvPr>
+        </p:nvSpPr>
+        <p:spPr>
+          <a:xfrm>
+            <a:off x="0" y="0"/>
+            <a:ext cx="2971800" cy="458788"/>
+          </a:xfrm>
+          <a:prstGeom prst="rect">
+            <a:avLst/>
+          </a:prstGeom>
+        </p:spPr>
+        <p:txBody>
+          <a:bodyPr vert="horz" lIns="91440" tIns="45720" rIns="91440" bIns="45720" rtlCol="0"/>
+          <a:lstStyle>
+            <a:lvl1pPr algn="l">
+              <a:defRPr sz="1200"/>
+            </a:lvl1pPr>
+          </a:lstStyle>
+          <a:p>
+            <a:endParaRPr lang="en-US"/>
+          </a:p>
+        </p:txBody>
+      </p:sp>
+      <p:sp>
+        <p:nvSpPr>
+          <p:cNvPr id="3" name="Date Placeholder 2"/>
+          <p:cNvSpPr>
+            <a:spLocks noGrp="1"/>
+          </p:cNvSpPr>
+          <p:nvPr>
+            <p:ph type="dt" idx="1"/>
+          </p:nvPr>
+        </p:nvSpPr>
+        <p:spPr>
+          <a:xfrm>
+            <a:off x="3884613" y="0"/>
+            <a:ext cx="2971800" cy="458788"/>
+          </a:xfrm>
+          <a:prstGeom prst="rect">
+            <a:avLst/>
+          </a:prstGeom>
+        </p:spPr>
+        <p:txBody>
+          <a:bodyPr vert="horz" lIns="91440" tIns="45720" rIns="91440" bIns="45720" rtlCol="0"/>
+          <a:lstStyle>
+            <a:lvl1pPr algn="r">
+              <a:defRPr sz="1200"/>
+            </a:lvl1pPr>
+          </a:lstStyle>
+          <a:p>
+            <a:fld id="{5175200B-FC6B-214E-B0EB-3E18F366E091}" type="datetimeFigureOut">
+              <a:rPr lang="en-US" smtClean="0"/>
+              <a:t>11/2/17</a:t>
+            </a:fld>
+            <a:endParaRPr lang="en-US"/>
+          </a:p>
+        </p:txBody>
+      </p:sp>
+      <p:sp>
+        <p:nvSpPr>
+          <p:cNvPr id="4" name="Slide Image Placeholder 3"/>
+          <p:cNvSpPr>
+            <a:spLocks noGrp="1" noRot="1" noChangeAspect="1"/>
+          </p:cNvSpPr>
+          <p:nvPr>
+            <p:ph type="sldImg" idx="2"/>
+          </p:nvPr>
+        </p:nvSpPr>
+        <p:spPr>
+          <a:xfrm>
+            <a:off x="685800" y="1143000"/>
+            <a:ext cx="5486400" cy="3086100"/>
+          </a:xfrm>
+          <a:prstGeom prst="rect">
+            <a:avLst/>
+          </a:prstGeom>
+          <a:noFill/>
+          <a:ln w="12700">
+            <a:solidFill>
+              <a:prstClr val="black"/>
+            </a:solidFill>
+          </a:ln>
+        </p:spPr>
+        <p:txBody>
+          <a:bodyPr vert="horz" lIns="91440" tIns="45720" rIns="91440" bIns="45720" rtlCol="0" anchor="ctr"/>
+          <a:lstStyle/>
+          <a:p>
+            <a:endParaRPr lang="en-US"/>
+          </a:p>
+        </p:txBody>
+      </p:sp>
+      <p:sp>
+        <p:nvSpPr>
+          <p:cNvPr id="5" name="Notes Placeholder 4"/>
+          <p:cNvSpPr>
+            <a:spLocks noGrp="1"/>
+          </p:cNvSpPr>
+          <p:nvPr>
+            <p:ph type="body" sz="quarter" idx="3"/>
+          </p:nvPr>
+        </p:nvSpPr>
+        <p:spPr>
+          <a:xfrm>
+            <a:off x="685800" y="4400550"/>
+            <a:ext cx="5486400" cy="3600450"/>
+          </a:xfrm>
+          <a:prstGeom prst="rect">
+            <a:avLst/>
+          </a:prstGeom>
+        </p:spPr>
+        <p:txBody>
+          <a:bodyPr vert="horz" lIns="91440" tIns="45720" rIns="91440" bIns="45720" rtlCol="0"/>
+          <a:lstStyle/>
+          <a:p>
+            <a:pPr lvl="0"/>
+            <a:r>
+              <a:rPr lang="en-US" smtClean="0"/>
+              <a:t>Click to edit Master text styles</a:t>
+            </a:r>
+          </a:p>
+          <a:p>
+            <a:pPr lvl="1"/>
+            <a:r>
+              <a:rPr lang="en-US" smtClean="0"/>
+              <a:t>Second level</a:t>
+            </a:r>
+          </a:p>
+          <a:p>
+            <a:pPr lvl="2"/>
+            <a:r>
+              <a:rPr lang="en-US" smtClean="0"/>
+              <a:t>Third level</a:t>
+            </a:r>
+          </a:p>
+          <a:p>
+            <a:pPr lvl="3"/>
+            <a:r>
+              <a:rPr lang="en-US" smtClean="0"/>
+              <a:t>Fourth level</a:t>
+            </a:r>
+          </a:p>
+          <a:p>
+            <a:pPr lvl="4"/>
+            <a:r>
+              <a:rPr lang="en-US" smtClean="0"/>
+              <a:t>Fifth level</a:t>
+            </a:r>
+            <a:endParaRPr lang="en-US"/>
+          </a:p>
+        </p:txBody>
+      </p:sp>
+      <p:sp>
+        <p:nvSpPr>
+          <p:cNvPr id="6" name="Footer Placeholder 5"/>
+          <p:cNvSpPr>
+            <a:spLocks noGrp="1"/>
+          </p:cNvSpPr>
+          <p:nvPr>
+            <p:ph type="ftr" sz="quarter" idx="4"/>
+          </p:nvPr>
+        </p:nvSpPr>
+        <p:spPr>
+          <a:xfrm>
+            <a:off x="0" y="8685213"/>
+            <a:ext cx="2971800" cy="458787"/>
+          </a:xfrm>
+          <a:prstGeom prst="rect">
+            <a:avLst/>
+          </a:prstGeom>
+        </p:spPr>
+        <p:txBody>
+          <a:bodyPr vert="horz" lIns="91440" tIns="45720" rIns="91440" bIns="45720" rtlCol="0" anchor="b"/>
+          <a:lstStyle>
+            <a:lvl1pPr algn="l">
+              <a:defRPr sz="1200"/>
+            </a:lvl1pPr>
+          </a:lstStyle>
+          <a:p>
+            <a:endParaRPr lang="en-US"/>
+          </a:p>
+        </p:txBody>
+      </p:sp>
+      <p:sp>
+        <p:nvSpPr>
+          <p:cNvPr id="7" name="Slide Number Placeholder 6"/>
+          <p:cNvSpPr>
+            <a:spLocks noGrp="1"/>
+          </p:cNvSpPr>
+          <p:nvPr>
+            <p:ph type="sldNum" sz="quarter" idx="5"/>
+          </p:nvPr>
+        </p:nvSpPr>
+        <p:spPr>
+          <a:xfrm>
+            <a:off x="3884613" y="8685213"/>
+            <a:ext cx="2971800" cy="458787"/>
+          </a:xfrm>
+          <a:prstGeom prst="rect">
+            <a:avLst/>
+          </a:prstGeom>
+        </p:spPr>
+        <p:txBody>
+          <a:bodyPr vert="horz" lIns="91440" tIns="45720" rIns="91440" bIns="45720" rtlCol="0" anchor="b"/>
+          <a:lstStyle>
+            <a:lvl1pPr algn="r">
+              <a:defRPr sz="1200"/>
+            </a:lvl1pPr>
+          </a:lstStyle>
+          <a:p>
+            <a:fld id="{B170B95A-0391-4E45-B0ED-06215A85D2E4}" type="slidenum">
+              <a:rPr lang="en-US" smtClean="0"/>
+              <a:t>‹#›</a:t>
+            </a:fld>
+            <a:endParaRPr lang="en-US"/>
+          </a:p>
+        </p:txBody>
+      </p:sp>
+    </p:spTree>
+    <p:extLst>
+      <p:ext uri="{BB962C8B-B14F-4D97-AF65-F5344CB8AC3E}">
+        <p14:creationId xmlns:p14="http://schemas.microsoft.com/office/powerpoint/2010/main" val="1597386576"/>
+      </p:ext>
+    </p:extLst>
+  </p:cSld>
+  <p:clrMap bg1="lt1" tx1="dk1" bg2="lt2" tx2="dk2" accent1="accent1" accent2="accent2" accent3="accent3" accent4="accent4" accent5="accent5" accent6="accent6" hlink="hlink" folHlink="folHlink"/>
+  <p:notesStyle>
+    <a:lvl1pPr marL="0" algn="l" defTabSz="914400" rtl="0" eaLnBrk="1" latinLnBrk="0" hangingPunct="1">
+      <a:defRPr sz="1200" kern="1200">
+        <a:solidFill>
+          <a:schemeClr val="tx1"/>
+        </a:solidFill>
+        <a:latin typeface="+mn-lt"/>
+        <a:ea typeface="+mn-ea"/>
+        <a:cs typeface="+mn-cs"/>
+      </a:defRPr>
+    </a:lvl1pPr>
+    <a:lvl2pPr marL="457200" algn="l" defTabSz="914400" rtl="0" eaLnBrk="1" latinLnBrk="0" hangingPunct="1">
+      <a:defRPr sz="1200" kern="1200">
+        <a:solidFill>
+          <a:schemeClr val="tx1"/>
+        </a:solidFill>
+        <a:latin typeface="+mn-lt"/>
+        <a:ea typeface="+mn-ea"/>
+        <a:cs typeface="+mn-cs"/>
+      </a:defRPr>
+    </a:lvl2pPr>
+    <a:lvl3pPr marL="914400" algn="l" defTabSz="914400" rtl="0" eaLnBrk="1" latinLnBrk="0" hangingPunct="1">
+      <a:defRPr sz="1200" kern="1200">
+        <a:solidFill>
+          <a:schemeClr val="tx1"/>
+        </a:solidFill>
+        <a:latin typeface="+mn-lt"/>
+        <a:ea typeface="+mn-ea"/>
+        <a:cs typeface="+mn-cs"/>
+      </a:defRPr>
+    </a:lvl3pPr>
+    <a:lvl4pPr marL="1371600" algn="l" defTabSz="914400" rtl="0" eaLnBrk="1" latinLnBrk="0" hangingPunct="1">
+      <a:defRPr sz="1200" kern="1200">
+        <a:solidFill>
+          <a:schemeClr val="tx1"/>
+        </a:solidFill>
+        <a:latin typeface="+mn-lt"/>
+        <a:ea typeface="+mn-ea"/>
+        <a:cs typeface="+mn-cs"/>
+      </a:defRPr>
+    </a:lvl4pPr>
+    <a:lvl5pPr marL="1828800" algn="l" defTabSz="914400" rtl="0" eaLnBrk="1" latinLnBrk="0" hangingPunct="1">
+      <a:defRPr sz="1200" kern="1200">
+        <a:solidFill>
+          <a:schemeClr val="tx1"/>
+        </a:solidFill>
+        <a:latin typeface="+mn-lt"/>
+        <a:ea typeface="+mn-ea"/>
+        <a:cs typeface="+mn-cs"/>
+      </a:defRPr>
+    </a:lvl5pPr>
+    <a:lvl6pPr marL="2286000" algn="l" defTabSz="914400" rtl="0" eaLnBrk="1" latinLnBrk="0" hangingPunct="1">
+      <a:defRPr sz="1200" kern="1200">
+        <a:solidFill>
+          <a:schemeClr val="tx1"/>
+        </a:solidFill>
+        <a:latin typeface="+mn-lt"/>
+        <a:ea typeface="+mn-ea"/>
+        <a:cs typeface="+mn-cs"/>
+      </a:defRPr>
+    </a:lvl6pPr>
+    <a:lvl7pPr marL="2743200" algn="l" defTabSz="914400" rtl="0" eaLnBrk="1" latinLnBrk="0" hangingPunct="1">
+      <a:defRPr sz="1200" kern="1200">
+        <a:solidFill>
+          <a:schemeClr val="tx1"/>
+        </a:solidFill>
+        <a:latin typeface="+mn-lt"/>
+        <a:ea typeface="+mn-ea"/>
+        <a:cs typeface="+mn-cs"/>
+      </a:defRPr>
+    </a:lvl7pPr>
+    <a:lvl8pPr marL="3200400" algn="l" defTabSz="914400" rtl="0" eaLnBrk="1" latinLnBrk="0" hangingPunct="1">
+      <a:defRPr sz="1200" kern="1200">
+        <a:solidFill>
+          <a:schemeClr val="tx1"/>
+        </a:solidFill>
+        <a:latin typeface="+mn-lt"/>
+        <a:ea typeface="+mn-ea"/>
+        <a:cs typeface="+mn-cs"/>
+      </a:defRPr>
+    </a:lvl8pPr>
+    <a:lvl9pPr marL="3657600" algn="l" defTabSz="914400" rtl="0" eaLnBrk="1" latinLnBrk="0" hangingPunct="1">
+      <a:defRPr sz="1200" kern="1200">
+        <a:solidFill>
+          <a:schemeClr val="tx1"/>
+        </a:solidFill>
+        <a:latin typeface="+mn-lt"/>
+        <a:ea typeface="+mn-ea"/>
+        <a:cs typeface="+mn-cs"/>
+      </a:defRPr>
+    </a:lvl9pPr>
+  </p:notesStyle>
+</p:notesMaster>
+</file>
+
+<file path=ppt/notesSlides/notesSlide1.xml><?xml version="1.0" encoding="utf-8"?>
+<p:notes xmlns:a="http://schemas.openxmlformats.org/drawingml/2006/main" xmlns:r="http://schemas.openxmlformats.org/officeDocument/2006/relationships" xmlns:p="http://schemas.openxmlformats.org/presentationml/2006/main">
+  <p:cSld>
+    <p:spTree>
+      <p:nvGrpSpPr>
+        <p:cNvPr id="1" name=""/>
+        <p:cNvGrpSpPr/>
+        <p:nvPr/>
+      </p:nvGrpSpPr>
+      <p:grpSpPr>
+        <a:xfrm>
+          <a:off x="0" y="0"/>
+          <a:ext cx="0" cy="0"/>
+          <a:chOff x="0" y="0"/>
+          <a:chExt cx="0" cy="0"/>
+        </a:xfrm>
+      </p:grpSpPr>
+      <p:sp>
+        <p:nvSpPr>
+          <p:cNvPr id="2" name="Slide Image Placeholder 1"/>
+          <p:cNvSpPr>
+            <a:spLocks noGrp="1" noRot="1" noChangeAspect="1"/>
+          </p:cNvSpPr>
+          <p:nvPr>
+            <p:ph type="sldImg"/>
+          </p:nvPr>
+        </p:nvSpPr>
+        <p:spPr/>
+      </p:sp>
+      <p:sp>
+        <p:nvSpPr>
+          <p:cNvPr id="3" name="Notes Placeholder 2"/>
+          <p:cNvSpPr>
+            <a:spLocks noGrp="1"/>
+          </p:cNvSpPr>
+          <p:nvPr>
+            <p:ph type="body" idx="1"/>
+          </p:nvPr>
+        </p:nvSpPr>
+        <p:spPr/>
+        <p:txBody>
+          <a:bodyPr/>
+          <a:lstStyle/>
+          <a:p>
+            <a:endParaRPr lang="en-US" dirty="0"/>
+          </a:p>
+        </p:txBody>
+      </p:sp>
+      <p:sp>
+        <p:nvSpPr>
+          <p:cNvPr id="4" name="Slide Number Placeholder 3"/>
+          <p:cNvSpPr>
+            <a:spLocks noGrp="1"/>
+          </p:cNvSpPr>
+          <p:nvPr>
+            <p:ph type="sldNum" sz="quarter" idx="10"/>
+          </p:nvPr>
+        </p:nvSpPr>
+        <p:spPr/>
+        <p:txBody>
+          <a:bodyPr/>
+          <a:lstStyle/>
+          <a:p>
+            <a:fld id="{B170B95A-0391-4E45-B0ED-06215A85D2E4}" type="slidenum">
+              <a:rPr lang="en-US" smtClean="0"/>
+              <a:t>5</a:t>
+            </a:fld>
+            <a:endParaRPr lang="en-US"/>
+          </a:p>
+        </p:txBody>
+      </p:sp>
+    </p:spTree>
+    <p:extLst>
+      <p:ext uri="{BB962C8B-B14F-4D97-AF65-F5344CB8AC3E}">
+        <p14:creationId xmlns:p14="http://schemas.microsoft.com/office/powerpoint/2010/main" val="1583111685"/>
+      </p:ext>
+    </p:extLst>
+  </p:cSld>
+  <p:clrMapOvr>
+    <a:masterClrMapping/>
+  </p:clrMapOvr>
+</p:notes>
 </file>
 
 <file path=ppt/slideLayouts/slideLayout1.xml><?xml version="1.0" encoding="utf-8"?>
@@ -4352,579 +4793,9 @@
           <a:chExt cx="0" cy="0"/>
         </a:xfrm>
       </p:grpSpPr>
-      <p:sp>
-        <p:nvSpPr>
-          <p:cNvPr id="22" name="Rectangle 21"/>
-          <p:cNvSpPr/>
-          <p:nvPr/>
-        </p:nvSpPr>
-        <p:spPr>
-          <a:xfrm rot="5400000">
-            <a:off x="6434801" y="1185433"/>
-            <a:ext cx="154172" cy="254082"/>
-          </a:xfrm>
-          <a:prstGeom prst="rect">
-            <a:avLst/>
-          </a:prstGeom>
-          <a:solidFill>
-            <a:srgbClr val="00B0F0"/>
-          </a:solidFill>
-          <a:ln w="38100">
-            <a:solidFill>
-              <a:srgbClr val="00B0F0"/>
-            </a:solidFill>
-          </a:ln>
-        </p:spPr>
-        <p:style>
-          <a:lnRef idx="2">
-            <a:schemeClr val="accent1">
-              <a:shade val="50000"/>
-            </a:schemeClr>
-          </a:lnRef>
-          <a:fillRef idx="1">
-            <a:schemeClr val="accent1"/>
-          </a:fillRef>
-          <a:effectRef idx="0">
-            <a:schemeClr val="accent1"/>
-          </a:effectRef>
-          <a:fontRef idx="minor">
-            <a:schemeClr val="lt1"/>
-          </a:fontRef>
-        </p:style>
-        <p:txBody>
-          <a:bodyPr rtlCol="0" anchor="ctr"/>
-          <a:lstStyle/>
-          <a:p>
-            <a:pPr algn="ctr"/>
-            <a:endParaRPr lang="en-US" smtClean="0">
-              <a:solidFill>
-                <a:schemeClr val="bg1">
-                  <a:lumMod val="50000"/>
-                </a:schemeClr>
-              </a:solidFill>
-              <a:latin typeface="Raleway" charset="0"/>
-              <a:ea typeface="Raleway" charset="0"/>
-              <a:cs typeface="Raleway" charset="0"/>
-            </a:endParaRPr>
-          </a:p>
-        </p:txBody>
-      </p:sp>
-      <p:sp>
-        <p:nvSpPr>
-          <p:cNvPr id="23" name="Rectangle 22"/>
-          <p:cNvSpPr/>
-          <p:nvPr/>
-        </p:nvSpPr>
-        <p:spPr>
-          <a:xfrm rot="5400000">
-            <a:off x="6434801" y="1559321"/>
-            <a:ext cx="154172" cy="254082"/>
-          </a:xfrm>
-          <a:prstGeom prst="rect">
-            <a:avLst/>
-          </a:prstGeom>
-          <a:solidFill>
-            <a:srgbClr val="00B0F0"/>
-          </a:solidFill>
-          <a:ln w="38100">
-            <a:solidFill>
-              <a:srgbClr val="00B0F0"/>
-            </a:solidFill>
-          </a:ln>
-        </p:spPr>
-        <p:style>
-          <a:lnRef idx="2">
-            <a:schemeClr val="accent1">
-              <a:shade val="50000"/>
-            </a:schemeClr>
-          </a:lnRef>
-          <a:fillRef idx="1">
-            <a:schemeClr val="accent1"/>
-          </a:fillRef>
-          <a:effectRef idx="0">
-            <a:schemeClr val="accent1"/>
-          </a:effectRef>
-          <a:fontRef idx="minor">
-            <a:schemeClr val="lt1"/>
-          </a:fontRef>
-        </p:style>
-        <p:txBody>
-          <a:bodyPr rtlCol="0" anchor="ctr"/>
-          <a:lstStyle/>
-          <a:p>
-            <a:pPr algn="ctr"/>
-            <a:endParaRPr lang="en-US" smtClean="0">
-              <a:solidFill>
-                <a:schemeClr val="bg1">
-                  <a:lumMod val="50000"/>
-                </a:schemeClr>
-              </a:solidFill>
-              <a:latin typeface="Raleway" charset="0"/>
-              <a:ea typeface="Raleway" charset="0"/>
-              <a:cs typeface="Raleway" charset="0"/>
-            </a:endParaRPr>
-          </a:p>
-        </p:txBody>
-      </p:sp>
-      <p:sp>
-        <p:nvSpPr>
-          <p:cNvPr id="24" name="Rectangle 23"/>
-          <p:cNvSpPr/>
-          <p:nvPr/>
-        </p:nvSpPr>
-        <p:spPr>
-          <a:xfrm rot="5400000">
-            <a:off x="6434801" y="1933208"/>
-            <a:ext cx="154172" cy="254082"/>
-          </a:xfrm>
-          <a:prstGeom prst="rect">
-            <a:avLst/>
-          </a:prstGeom>
-          <a:solidFill>
-            <a:srgbClr val="00B0F0"/>
-          </a:solidFill>
-          <a:ln w="38100">
-            <a:solidFill>
-              <a:srgbClr val="00B0F0"/>
-            </a:solidFill>
-          </a:ln>
-        </p:spPr>
-        <p:style>
-          <a:lnRef idx="2">
-            <a:schemeClr val="accent1">
-              <a:shade val="50000"/>
-            </a:schemeClr>
-          </a:lnRef>
-          <a:fillRef idx="1">
-            <a:schemeClr val="accent1"/>
-          </a:fillRef>
-          <a:effectRef idx="0">
-            <a:schemeClr val="accent1"/>
-          </a:effectRef>
-          <a:fontRef idx="minor">
-            <a:schemeClr val="lt1"/>
-          </a:fontRef>
-        </p:style>
-        <p:txBody>
-          <a:bodyPr rtlCol="0" anchor="ctr"/>
-          <a:lstStyle/>
-          <a:p>
-            <a:pPr algn="ctr"/>
-            <a:endParaRPr lang="en-US" smtClean="0">
-              <a:solidFill>
-                <a:schemeClr val="bg1">
-                  <a:lumMod val="50000"/>
-                </a:schemeClr>
-              </a:solidFill>
-              <a:latin typeface="Raleway" charset="0"/>
-              <a:ea typeface="Raleway" charset="0"/>
-              <a:cs typeface="Raleway" charset="0"/>
-            </a:endParaRPr>
-          </a:p>
-        </p:txBody>
-      </p:sp>
-      <p:sp>
-        <p:nvSpPr>
-          <p:cNvPr id="26" name="Rectangle 25"/>
-          <p:cNvSpPr/>
-          <p:nvPr/>
-        </p:nvSpPr>
-        <p:spPr>
-          <a:xfrm rot="5400000">
-            <a:off x="6823762" y="48696"/>
-            <a:ext cx="154172" cy="1032004"/>
-          </a:xfrm>
-          <a:prstGeom prst="rect">
-            <a:avLst/>
-          </a:prstGeom>
-          <a:solidFill>
-            <a:srgbClr val="00B0F0"/>
-          </a:solidFill>
-          <a:ln w="38100">
-            <a:solidFill>
-              <a:srgbClr val="00B0F0"/>
-            </a:solidFill>
-          </a:ln>
-        </p:spPr>
-        <p:style>
-          <a:lnRef idx="2">
-            <a:schemeClr val="accent1">
-              <a:shade val="50000"/>
-            </a:schemeClr>
-          </a:lnRef>
-          <a:fillRef idx="1">
-            <a:schemeClr val="accent1"/>
-          </a:fillRef>
-          <a:effectRef idx="0">
-            <a:schemeClr val="accent1"/>
-          </a:effectRef>
-          <a:fontRef idx="minor">
-            <a:schemeClr val="lt1"/>
-          </a:fontRef>
-        </p:style>
-        <p:txBody>
-          <a:bodyPr rtlCol="0" anchor="ctr"/>
-          <a:lstStyle/>
-          <a:p>
-            <a:pPr algn="ctr"/>
-            <a:endParaRPr lang="en-US" smtClean="0">
-              <a:solidFill>
-                <a:schemeClr val="bg1">
-                  <a:lumMod val="50000"/>
-                </a:schemeClr>
-              </a:solidFill>
-              <a:latin typeface="Raleway" charset="0"/>
-              <a:ea typeface="Raleway" charset="0"/>
-              <a:cs typeface="Raleway" charset="0"/>
-            </a:endParaRPr>
-          </a:p>
-        </p:txBody>
-      </p:sp>
-      <p:sp>
-        <p:nvSpPr>
-          <p:cNvPr id="27" name="Rectangle 26"/>
-          <p:cNvSpPr/>
-          <p:nvPr/>
-        </p:nvSpPr>
-        <p:spPr>
-          <a:xfrm rot="5400000">
-            <a:off x="6762347" y="483999"/>
-            <a:ext cx="154172" cy="909174"/>
-          </a:xfrm>
-          <a:prstGeom prst="rect">
-            <a:avLst/>
-          </a:prstGeom>
-          <a:solidFill>
-            <a:srgbClr val="00B0F0"/>
-          </a:solidFill>
-          <a:ln w="38100">
-            <a:solidFill>
-              <a:srgbClr val="00B0F0"/>
-            </a:solidFill>
-          </a:ln>
-        </p:spPr>
-        <p:style>
-          <a:lnRef idx="2">
-            <a:schemeClr val="accent1">
-              <a:shade val="50000"/>
-            </a:schemeClr>
-          </a:lnRef>
-          <a:fillRef idx="1">
-            <a:schemeClr val="accent1"/>
-          </a:fillRef>
-          <a:effectRef idx="0">
-            <a:schemeClr val="accent1"/>
-          </a:effectRef>
-          <a:fontRef idx="minor">
-            <a:schemeClr val="lt1"/>
-          </a:fontRef>
-        </p:style>
-        <p:txBody>
-          <a:bodyPr rtlCol="0" anchor="ctr"/>
-          <a:lstStyle/>
-          <a:p>
-            <a:pPr algn="ctr"/>
-            <a:endParaRPr lang="en-US" smtClean="0">
-              <a:solidFill>
-                <a:schemeClr val="bg1">
-                  <a:lumMod val="50000"/>
-                </a:schemeClr>
-              </a:solidFill>
-              <a:latin typeface="Raleway" charset="0"/>
-              <a:ea typeface="Raleway" charset="0"/>
-              <a:cs typeface="Raleway" charset="0"/>
-            </a:endParaRPr>
-          </a:p>
-        </p:txBody>
-      </p:sp>
-      <p:sp>
-        <p:nvSpPr>
-          <p:cNvPr id="28" name="Rectangle 27"/>
-          <p:cNvSpPr/>
-          <p:nvPr/>
-        </p:nvSpPr>
-        <p:spPr>
-          <a:xfrm rot="5400000">
-            <a:off x="6942042" y="-443473"/>
-            <a:ext cx="154172" cy="1268565"/>
-          </a:xfrm>
-          <a:prstGeom prst="rect">
-            <a:avLst/>
-          </a:prstGeom>
-          <a:solidFill>
-            <a:srgbClr val="00B0F0"/>
-          </a:solidFill>
-          <a:ln w="38100">
-            <a:solidFill>
-              <a:srgbClr val="00B0F0"/>
-            </a:solidFill>
-          </a:ln>
-        </p:spPr>
-        <p:style>
-          <a:lnRef idx="2">
-            <a:schemeClr val="accent1">
-              <a:shade val="50000"/>
-            </a:schemeClr>
-          </a:lnRef>
-          <a:fillRef idx="1">
-            <a:schemeClr val="accent1"/>
-          </a:fillRef>
-          <a:effectRef idx="0">
-            <a:schemeClr val="accent1"/>
-          </a:effectRef>
-          <a:fontRef idx="minor">
-            <a:schemeClr val="lt1"/>
-          </a:fontRef>
-        </p:style>
-        <p:txBody>
-          <a:bodyPr rtlCol="0" anchor="ctr"/>
-          <a:lstStyle/>
-          <a:p>
-            <a:pPr algn="ctr"/>
-            <a:endParaRPr lang="en-US" smtClean="0">
-              <a:solidFill>
-                <a:schemeClr val="bg1">
-                  <a:lumMod val="50000"/>
-                </a:schemeClr>
-              </a:solidFill>
-              <a:latin typeface="Raleway" charset="0"/>
-              <a:ea typeface="Raleway" charset="0"/>
-              <a:cs typeface="Raleway" charset="0"/>
-            </a:endParaRPr>
-          </a:p>
-        </p:txBody>
-      </p:sp>
-      <p:sp>
-        <p:nvSpPr>
-          <p:cNvPr id="29" name="TextBox 28"/>
-          <p:cNvSpPr txBox="1"/>
-          <p:nvPr/>
-        </p:nvSpPr>
-        <p:spPr>
-          <a:xfrm>
-            <a:off x="5852311" y="6143"/>
-            <a:ext cx="519694" cy="369332"/>
-          </a:xfrm>
-          <a:prstGeom prst="rect">
-            <a:avLst/>
-          </a:prstGeom>
-          <a:noFill/>
-        </p:spPr>
-        <p:txBody>
-          <a:bodyPr wrap="none" rtlCol="0">
-            <a:spAutoFit/>
-          </a:bodyPr>
-          <a:lstStyle/>
-          <a:p>
-            <a:r>
-              <a:rPr lang="en-US" dirty="0" smtClean="0">
-                <a:latin typeface="Arvo" charset="0"/>
-                <a:ea typeface="Arvo" charset="0"/>
-                <a:cs typeface="Arvo" charset="0"/>
-              </a:rPr>
-              <a:t>NY</a:t>
-            </a:r>
-            <a:endParaRPr lang="en-US" dirty="0" smtClean="0">
-              <a:latin typeface="Arvo" charset="0"/>
-              <a:ea typeface="Arvo" charset="0"/>
-              <a:cs typeface="Arvo" charset="0"/>
-            </a:endParaRPr>
-          </a:p>
-        </p:txBody>
-      </p:sp>
-      <p:sp>
-        <p:nvSpPr>
-          <p:cNvPr id="30" name="TextBox 29"/>
-          <p:cNvSpPr txBox="1"/>
-          <p:nvPr/>
-        </p:nvSpPr>
-        <p:spPr>
-          <a:xfrm>
-            <a:off x="5682393" y="380031"/>
-            <a:ext cx="689612" cy="369332"/>
-          </a:xfrm>
-          <a:prstGeom prst="rect">
-            <a:avLst/>
-          </a:prstGeom>
-          <a:noFill/>
-        </p:spPr>
-        <p:txBody>
-          <a:bodyPr wrap="none" rtlCol="0">
-            <a:spAutoFit/>
-          </a:bodyPr>
-          <a:lstStyle/>
-          <a:p>
-            <a:r>
-              <a:rPr lang="en-US" dirty="0" smtClean="0">
-                <a:latin typeface="Arvo" charset="0"/>
-                <a:ea typeface="Arvo" charset="0"/>
-                <a:cs typeface="Arvo" charset="0"/>
-              </a:rPr>
-              <a:t>NYC</a:t>
-            </a:r>
-            <a:endParaRPr lang="en-US" dirty="0" smtClean="0">
-              <a:latin typeface="Arvo" charset="0"/>
-              <a:ea typeface="Arvo" charset="0"/>
-              <a:cs typeface="Arvo" charset="0"/>
-            </a:endParaRPr>
-          </a:p>
-        </p:txBody>
-      </p:sp>
-      <p:sp>
-        <p:nvSpPr>
-          <p:cNvPr id="31" name="TextBox 30"/>
-          <p:cNvSpPr txBox="1"/>
-          <p:nvPr/>
-        </p:nvSpPr>
-        <p:spPr>
-          <a:xfrm>
-            <a:off x="5784985" y="753919"/>
-            <a:ext cx="587020" cy="369332"/>
-          </a:xfrm>
-          <a:prstGeom prst="rect">
-            <a:avLst/>
-          </a:prstGeom>
-          <a:noFill/>
-        </p:spPr>
-        <p:txBody>
-          <a:bodyPr wrap="none" rtlCol="0">
-            <a:spAutoFit/>
-          </a:bodyPr>
-          <a:lstStyle/>
-          <a:p>
-            <a:r>
-              <a:rPr lang="en-US" dirty="0" err="1" smtClean="0">
-                <a:latin typeface="Arvo" charset="0"/>
-                <a:ea typeface="Arvo" charset="0"/>
-                <a:cs typeface="Arvo" charset="0"/>
-              </a:rPr>
-              <a:t>Bos</a:t>
-            </a:r>
-            <a:endParaRPr lang="en-US" dirty="0" smtClean="0">
-              <a:latin typeface="Arvo" charset="0"/>
-              <a:ea typeface="Arvo" charset="0"/>
-              <a:cs typeface="Arvo" charset="0"/>
-            </a:endParaRPr>
-          </a:p>
-        </p:txBody>
-      </p:sp>
-      <p:sp>
-        <p:nvSpPr>
-          <p:cNvPr id="32" name="TextBox 31"/>
-          <p:cNvSpPr txBox="1"/>
-          <p:nvPr/>
-        </p:nvSpPr>
-        <p:spPr>
-          <a:xfrm>
-            <a:off x="5406676" y="1127807"/>
-            <a:ext cx="965329" cy="369332"/>
-          </a:xfrm>
-          <a:prstGeom prst="rect">
-            <a:avLst/>
-          </a:prstGeom>
-          <a:noFill/>
-        </p:spPr>
-        <p:txBody>
-          <a:bodyPr wrap="none" rtlCol="0">
-            <a:spAutoFit/>
-          </a:bodyPr>
-          <a:lstStyle/>
-          <a:p>
-            <a:r>
-              <a:rPr lang="en-US" dirty="0" smtClean="0">
-                <a:latin typeface="Arvo" charset="0"/>
-                <a:ea typeface="Arvo" charset="0"/>
-                <a:cs typeface="Arvo" charset="0"/>
-              </a:rPr>
-              <a:t>Boston</a:t>
-            </a:r>
-            <a:endParaRPr lang="en-US" dirty="0" smtClean="0">
-              <a:latin typeface="Arvo" charset="0"/>
-              <a:ea typeface="Arvo" charset="0"/>
-              <a:cs typeface="Arvo" charset="0"/>
-            </a:endParaRPr>
-          </a:p>
-        </p:txBody>
-      </p:sp>
-      <p:sp>
-        <p:nvSpPr>
-          <p:cNvPr id="33" name="TextBox 32"/>
-          <p:cNvSpPr txBox="1"/>
-          <p:nvPr/>
-        </p:nvSpPr>
-        <p:spPr>
-          <a:xfrm>
-            <a:off x="5344160" y="1875583"/>
-            <a:ext cx="1027845" cy="369332"/>
-          </a:xfrm>
-          <a:prstGeom prst="rect">
-            <a:avLst/>
-          </a:prstGeom>
-          <a:noFill/>
-        </p:spPr>
-        <p:txBody>
-          <a:bodyPr wrap="none" rtlCol="0">
-            <a:spAutoFit/>
-          </a:bodyPr>
-          <a:lstStyle/>
-          <a:p>
-            <a:r>
-              <a:rPr lang="en-US" dirty="0" err="1" smtClean="0">
-                <a:latin typeface="Arvo" charset="0"/>
-                <a:ea typeface="Arvo" charset="0"/>
-                <a:cs typeface="Arvo" charset="0"/>
-              </a:rPr>
-              <a:t>Bostain</a:t>
-            </a:r>
-            <a:endParaRPr lang="en-US" dirty="0" smtClean="0">
-              <a:latin typeface="Arvo" charset="0"/>
-              <a:ea typeface="Arvo" charset="0"/>
-              <a:cs typeface="Arvo" charset="0"/>
-            </a:endParaRPr>
-          </a:p>
-        </p:txBody>
-      </p:sp>
-      <p:sp>
-        <p:nvSpPr>
-          <p:cNvPr id="34" name="TextBox 33"/>
-          <p:cNvSpPr txBox="1"/>
-          <p:nvPr/>
-        </p:nvSpPr>
-        <p:spPr>
-          <a:xfrm>
-            <a:off x="5911623" y="1501695"/>
-            <a:ext cx="460382" cy="369332"/>
-          </a:xfrm>
-          <a:prstGeom prst="rect">
-            <a:avLst/>
-          </a:prstGeom>
-          <a:noFill/>
-        </p:spPr>
-        <p:txBody>
-          <a:bodyPr wrap="none" rtlCol="0">
-            <a:spAutoFit/>
-          </a:bodyPr>
-          <a:lstStyle/>
-          <a:p>
-            <a:r>
-              <a:rPr lang="en-US" dirty="0" smtClean="0">
-                <a:latin typeface="Arvo" charset="0"/>
-                <a:ea typeface="Arvo" charset="0"/>
-                <a:cs typeface="Arvo" charset="0"/>
-              </a:rPr>
-              <a:t>SF</a:t>
-            </a:r>
-            <a:endParaRPr lang="en-US" dirty="0" smtClean="0">
-              <a:latin typeface="Arvo" charset="0"/>
-              <a:ea typeface="Arvo" charset="0"/>
-              <a:cs typeface="Arvo" charset="0"/>
-            </a:endParaRPr>
-          </a:p>
-        </p:txBody>
-      </p:sp>
       <p:pic>
         <p:nvPicPr>
-          <p:cNvPr id="35" name="Picture 34"/>
+          <p:cNvPr id="4" name="Picture 3"/>
           <p:cNvPicPr>
             <a:picLocks noChangeAspect="1"/>
           </p:cNvPicPr>
@@ -4938,14 +4809,1966 @@
         </p:blipFill>
         <p:spPr>
           <a:xfrm>
-            <a:off x="5152850" y="190809"/>
-            <a:ext cx="290395" cy="290395"/>
+            <a:off x="-215293" y="1834529"/>
+            <a:ext cx="961141" cy="961141"/>
           </a:xfrm>
           <a:prstGeom prst="rect">
             <a:avLst/>
           </a:prstGeom>
         </p:spPr>
       </p:pic>
+      <p:sp>
+        <p:nvSpPr>
+          <p:cNvPr id="2" name="Rectangle 1"/>
+          <p:cNvSpPr/>
+          <p:nvPr/>
+        </p:nvSpPr>
+        <p:spPr>
+          <a:xfrm>
+            <a:off x="5570484" y="4722323"/>
+            <a:ext cx="6218176" cy="670478"/>
+          </a:xfrm>
+          <a:prstGeom prst="rect">
+            <a:avLst/>
+          </a:prstGeom>
+          <a:solidFill>
+            <a:schemeClr val="bg1"/>
+          </a:solidFill>
+          <a:ln w="28575">
+            <a:solidFill>
+              <a:schemeClr val="bg1">
+                <a:lumMod val="50000"/>
+              </a:schemeClr>
+            </a:solidFill>
+          </a:ln>
+        </p:spPr>
+        <p:style>
+          <a:lnRef idx="2">
+            <a:schemeClr val="accent1">
+              <a:shade val="50000"/>
+            </a:schemeClr>
+          </a:lnRef>
+          <a:fillRef idx="1">
+            <a:schemeClr val="accent1"/>
+          </a:fillRef>
+          <a:effectRef idx="0">
+            <a:schemeClr val="accent1"/>
+          </a:effectRef>
+          <a:fontRef idx="minor">
+            <a:schemeClr val="lt1"/>
+          </a:fontRef>
+        </p:style>
+        <p:txBody>
+          <a:bodyPr rtlCol="0" anchor="t"/>
+          <a:lstStyle/>
+          <a:p>
+            <a:pPr algn="ctr"/>
+            <a:endParaRPr lang="en-US" sz="2000" dirty="0" smtClean="0">
+              <a:solidFill>
+                <a:schemeClr val="tx1"/>
+              </a:solidFill>
+              <a:latin typeface="Avenir Book" charset="0"/>
+              <a:ea typeface="Avenir Book" charset="0"/>
+              <a:cs typeface="Avenir Book" charset="0"/>
+            </a:endParaRPr>
+          </a:p>
+        </p:txBody>
+      </p:sp>
+      <p:sp>
+        <p:nvSpPr>
+          <p:cNvPr id="5" name="Rectangle 4"/>
+          <p:cNvSpPr/>
+          <p:nvPr/>
+        </p:nvSpPr>
+        <p:spPr>
+          <a:xfrm>
+            <a:off x="5570483" y="5903023"/>
+            <a:ext cx="6218177" cy="558690"/>
+          </a:xfrm>
+          <a:prstGeom prst="rect">
+            <a:avLst/>
+          </a:prstGeom>
+          <a:solidFill>
+            <a:schemeClr val="bg1"/>
+          </a:solidFill>
+          <a:ln w="28575">
+            <a:solidFill>
+              <a:schemeClr val="bg1">
+                <a:lumMod val="50000"/>
+              </a:schemeClr>
+            </a:solidFill>
+          </a:ln>
+        </p:spPr>
+        <p:style>
+          <a:lnRef idx="2">
+            <a:schemeClr val="accent1">
+              <a:shade val="50000"/>
+            </a:schemeClr>
+          </a:lnRef>
+          <a:fillRef idx="1">
+            <a:schemeClr val="accent1"/>
+          </a:fillRef>
+          <a:effectRef idx="0">
+            <a:schemeClr val="accent1"/>
+          </a:effectRef>
+          <a:fontRef idx="minor">
+            <a:schemeClr val="lt1"/>
+          </a:fontRef>
+        </p:style>
+        <p:txBody>
+          <a:bodyPr rtlCol="0" anchor="t"/>
+          <a:lstStyle/>
+          <a:p>
+            <a:pPr algn="ctr"/>
+            <a:endParaRPr lang="en-US" sz="2000" dirty="0" smtClean="0">
+              <a:solidFill>
+                <a:schemeClr val="tx1"/>
+              </a:solidFill>
+              <a:latin typeface="Avenir Book" charset="0"/>
+              <a:ea typeface="Avenir Book" charset="0"/>
+              <a:cs typeface="Avenir Book" charset="0"/>
+            </a:endParaRPr>
+          </a:p>
+        </p:txBody>
+      </p:sp>
+      <p:sp>
+        <p:nvSpPr>
+          <p:cNvPr id="10" name="Rectangle 9"/>
+          <p:cNvSpPr/>
+          <p:nvPr/>
+        </p:nvSpPr>
+        <p:spPr>
+          <a:xfrm>
+            <a:off x="5702821" y="4875422"/>
+            <a:ext cx="2052431" cy="364280"/>
+          </a:xfrm>
+          <a:prstGeom prst="rect">
+            <a:avLst/>
+          </a:prstGeom>
+          <a:solidFill>
+            <a:schemeClr val="bg1"/>
+          </a:solidFill>
+          <a:ln w="28575">
+            <a:solidFill>
+              <a:schemeClr val="bg1">
+                <a:lumMod val="50000"/>
+              </a:schemeClr>
+            </a:solidFill>
+          </a:ln>
+        </p:spPr>
+        <p:style>
+          <a:lnRef idx="2">
+            <a:schemeClr val="accent1">
+              <a:shade val="50000"/>
+            </a:schemeClr>
+          </a:lnRef>
+          <a:fillRef idx="1">
+            <a:schemeClr val="accent1"/>
+          </a:fillRef>
+          <a:effectRef idx="0">
+            <a:schemeClr val="accent1"/>
+          </a:effectRef>
+          <a:fontRef idx="minor">
+            <a:schemeClr val="lt1"/>
+          </a:fontRef>
+        </p:style>
+        <p:txBody>
+          <a:bodyPr rtlCol="0" anchor="ctr"/>
+          <a:lstStyle/>
+          <a:p>
+            <a:pPr algn="ctr"/>
+            <a:r>
+              <a:rPr lang="en-US" sz="1700" dirty="0" smtClean="0">
+                <a:solidFill>
+                  <a:schemeClr val="bg1">
+                    <a:lumMod val="50000"/>
+                  </a:schemeClr>
+                </a:solidFill>
+                <a:latin typeface="Avenir Book" charset="0"/>
+                <a:ea typeface="Avenir Book" charset="0"/>
+                <a:cs typeface="Avenir Book" charset="0"/>
+              </a:rPr>
+              <a:t>Data Transform Lib</a:t>
+            </a:r>
+          </a:p>
+        </p:txBody>
+      </p:sp>
+      <p:sp>
+        <p:nvSpPr>
+          <p:cNvPr id="11" name="Rectangle 10"/>
+          <p:cNvSpPr/>
+          <p:nvPr/>
+        </p:nvSpPr>
+        <p:spPr>
+          <a:xfrm>
+            <a:off x="7923200" y="4875422"/>
+            <a:ext cx="2233860" cy="364280"/>
+          </a:xfrm>
+          <a:prstGeom prst="rect">
+            <a:avLst/>
+          </a:prstGeom>
+          <a:solidFill>
+            <a:schemeClr val="bg1"/>
+          </a:solidFill>
+          <a:ln w="28575">
+            <a:solidFill>
+              <a:schemeClr val="bg1">
+                <a:lumMod val="50000"/>
+              </a:schemeClr>
+            </a:solidFill>
+          </a:ln>
+        </p:spPr>
+        <p:style>
+          <a:lnRef idx="2">
+            <a:schemeClr val="accent1">
+              <a:shade val="50000"/>
+            </a:schemeClr>
+          </a:lnRef>
+          <a:fillRef idx="1">
+            <a:schemeClr val="accent1"/>
+          </a:fillRef>
+          <a:effectRef idx="0">
+            <a:schemeClr val="accent1"/>
+          </a:effectRef>
+          <a:fontRef idx="minor">
+            <a:schemeClr val="lt1"/>
+          </a:fontRef>
+        </p:style>
+        <p:txBody>
+          <a:bodyPr rtlCol="0" anchor="ctr"/>
+          <a:lstStyle/>
+          <a:p>
+            <a:pPr algn="ctr"/>
+            <a:r>
+              <a:rPr lang="en-US" sz="1700" dirty="0" smtClean="0">
+                <a:solidFill>
+                  <a:schemeClr val="bg1">
+                    <a:lumMod val="50000"/>
+                  </a:schemeClr>
+                </a:solidFill>
+                <a:latin typeface="Avenir Book" charset="0"/>
+                <a:ea typeface="Avenir Book" charset="0"/>
+                <a:cs typeface="Avenir Book" charset="0"/>
+              </a:rPr>
+              <a:t>Quality Function Lib</a:t>
+            </a:r>
+          </a:p>
+        </p:txBody>
+      </p:sp>
+      <p:sp>
+        <p:nvSpPr>
+          <p:cNvPr id="12" name="Rectangle 11"/>
+          <p:cNvSpPr/>
+          <p:nvPr/>
+        </p:nvSpPr>
+        <p:spPr>
+          <a:xfrm>
+            <a:off x="10365946" y="4875422"/>
+            <a:ext cx="1304397" cy="364280"/>
+          </a:xfrm>
+          <a:prstGeom prst="rect">
+            <a:avLst/>
+          </a:prstGeom>
+          <a:solidFill>
+            <a:schemeClr val="bg1"/>
+          </a:solidFill>
+          <a:ln w="28575">
+            <a:solidFill>
+              <a:schemeClr val="bg1">
+                <a:lumMod val="50000"/>
+              </a:schemeClr>
+            </a:solidFill>
+          </a:ln>
+        </p:spPr>
+        <p:style>
+          <a:lnRef idx="2">
+            <a:schemeClr val="accent1">
+              <a:shade val="50000"/>
+            </a:schemeClr>
+          </a:lnRef>
+          <a:fillRef idx="1">
+            <a:schemeClr val="accent1"/>
+          </a:fillRef>
+          <a:effectRef idx="0">
+            <a:schemeClr val="accent1"/>
+          </a:effectRef>
+          <a:fontRef idx="minor">
+            <a:schemeClr val="lt1"/>
+          </a:fontRef>
+        </p:style>
+        <p:txBody>
+          <a:bodyPr rtlCol="0" anchor="ctr"/>
+          <a:lstStyle/>
+          <a:p>
+            <a:pPr algn="ctr"/>
+            <a:r>
+              <a:rPr lang="en-US" sz="1700" dirty="0" smtClean="0">
+                <a:solidFill>
+                  <a:schemeClr val="bg1">
+                    <a:lumMod val="50000"/>
+                  </a:schemeClr>
+                </a:solidFill>
+                <a:latin typeface="Avenir Book" charset="0"/>
+                <a:ea typeface="Avenir Book" charset="0"/>
+                <a:cs typeface="Avenir Book" charset="0"/>
+              </a:rPr>
+              <a:t>Feature Lib</a:t>
+            </a:r>
+          </a:p>
+        </p:txBody>
+      </p:sp>
+      <p:sp>
+        <p:nvSpPr>
+          <p:cNvPr id="15" name="TextBox 14"/>
+          <p:cNvSpPr txBox="1"/>
+          <p:nvPr/>
+        </p:nvSpPr>
+        <p:spPr>
+          <a:xfrm rot="16200000">
+            <a:off x="4694922" y="4734397"/>
+            <a:ext cx="1104790" cy="646331"/>
+          </a:xfrm>
+          <a:prstGeom prst="rect">
+            <a:avLst/>
+          </a:prstGeom>
+          <a:noFill/>
+        </p:spPr>
+        <p:txBody>
+          <a:bodyPr wrap="none" rtlCol="0">
+            <a:spAutoFit/>
+          </a:bodyPr>
+          <a:lstStyle/>
+          <a:p>
+            <a:pPr algn="ctr"/>
+            <a:r>
+              <a:rPr lang="en-US" dirty="0" smtClean="0">
+                <a:solidFill>
+                  <a:schemeClr val="bg1">
+                    <a:lumMod val="50000"/>
+                  </a:schemeClr>
+                </a:solidFill>
+                <a:latin typeface="Avenir Next" charset="0"/>
+                <a:ea typeface="Avenir Next" charset="0"/>
+                <a:cs typeface="Avenir Next" charset="0"/>
+              </a:rPr>
+              <a:t>Spec. </a:t>
+            </a:r>
+          </a:p>
+          <a:p>
+            <a:pPr algn="ctr"/>
+            <a:r>
+              <a:rPr lang="en-US" dirty="0" smtClean="0">
+                <a:solidFill>
+                  <a:schemeClr val="bg1">
+                    <a:lumMod val="50000"/>
+                  </a:schemeClr>
+                </a:solidFill>
+                <a:latin typeface="Avenir Next" charset="0"/>
+                <a:ea typeface="Avenir Next" charset="0"/>
+                <a:cs typeface="Avenir Next" charset="0"/>
+              </a:rPr>
+              <a:t>Interface</a:t>
+            </a:r>
+          </a:p>
+        </p:txBody>
+      </p:sp>
+      <p:sp>
+        <p:nvSpPr>
+          <p:cNvPr id="16" name="TextBox 15"/>
+          <p:cNvSpPr txBox="1"/>
+          <p:nvPr/>
+        </p:nvSpPr>
+        <p:spPr>
+          <a:xfrm rot="16200000">
+            <a:off x="4797996" y="5859203"/>
+            <a:ext cx="898644" cy="646331"/>
+          </a:xfrm>
+          <a:prstGeom prst="rect">
+            <a:avLst/>
+          </a:prstGeom>
+          <a:noFill/>
+        </p:spPr>
+        <p:txBody>
+          <a:bodyPr wrap="none" rtlCol="0">
+            <a:spAutoFit/>
+          </a:bodyPr>
+          <a:lstStyle/>
+          <a:p>
+            <a:pPr algn="ctr"/>
+            <a:r>
+              <a:rPr lang="en-US" smtClean="0">
+                <a:solidFill>
+                  <a:schemeClr val="bg1">
+                    <a:lumMod val="50000"/>
+                  </a:schemeClr>
+                </a:solidFill>
+                <a:latin typeface="Avenir Next" charset="0"/>
+                <a:ea typeface="Avenir Next" charset="0"/>
+                <a:cs typeface="Avenir Next" charset="0"/>
+              </a:rPr>
+              <a:t>Tree </a:t>
+            </a:r>
+          </a:p>
+          <a:p>
+            <a:pPr algn="ctr"/>
+            <a:r>
+              <a:rPr lang="en-US" dirty="0" smtClean="0">
+                <a:solidFill>
+                  <a:schemeClr val="bg1">
+                    <a:lumMod val="50000"/>
+                  </a:schemeClr>
+                </a:solidFill>
+                <a:latin typeface="Avenir Next" charset="0"/>
+                <a:ea typeface="Avenir Next" charset="0"/>
+                <a:cs typeface="Avenir Next" charset="0"/>
+              </a:rPr>
+              <a:t>Search</a:t>
+            </a:r>
+          </a:p>
+        </p:txBody>
+      </p:sp>
+      <p:sp>
+        <p:nvSpPr>
+          <p:cNvPr id="18" name="Rectangle 17"/>
+          <p:cNvSpPr/>
+          <p:nvPr/>
+        </p:nvSpPr>
+        <p:spPr>
+          <a:xfrm>
+            <a:off x="5702821" y="5994102"/>
+            <a:ext cx="1887647" cy="376532"/>
+          </a:xfrm>
+          <a:prstGeom prst="rect">
+            <a:avLst/>
+          </a:prstGeom>
+          <a:solidFill>
+            <a:schemeClr val="bg1"/>
+          </a:solidFill>
+          <a:ln w="28575">
+            <a:solidFill>
+              <a:schemeClr val="bg1">
+                <a:lumMod val="50000"/>
+              </a:schemeClr>
+            </a:solidFill>
+          </a:ln>
+        </p:spPr>
+        <p:style>
+          <a:lnRef idx="2">
+            <a:schemeClr val="accent1">
+              <a:shade val="50000"/>
+            </a:schemeClr>
+          </a:lnRef>
+          <a:fillRef idx="1">
+            <a:schemeClr val="accent1"/>
+          </a:fillRef>
+          <a:effectRef idx="0">
+            <a:schemeClr val="accent1"/>
+          </a:effectRef>
+          <a:fontRef idx="minor">
+            <a:schemeClr val="lt1"/>
+          </a:fontRef>
+        </p:style>
+        <p:txBody>
+          <a:bodyPr rtlCol="0" anchor="ctr"/>
+          <a:lstStyle/>
+          <a:p>
+            <a:pPr algn="ctr"/>
+            <a:r>
+              <a:rPr lang="en-US" sz="1700" dirty="0" smtClean="0">
+                <a:solidFill>
+                  <a:schemeClr val="bg1">
+                    <a:lumMod val="50000"/>
+                  </a:schemeClr>
+                </a:solidFill>
+                <a:latin typeface="Avenir Book" charset="0"/>
+                <a:ea typeface="Avenir Book" charset="0"/>
+                <a:cs typeface="Avenir Book" charset="0"/>
+              </a:rPr>
+              <a:t>Static Pruners</a:t>
+            </a:r>
+          </a:p>
+        </p:txBody>
+      </p:sp>
+      <p:cxnSp>
+        <p:nvCxnSpPr>
+          <p:cNvPr id="29" name="Straight Connector 28"/>
+          <p:cNvCxnSpPr/>
+          <p:nvPr/>
+        </p:nvCxnSpPr>
+        <p:spPr>
+          <a:xfrm>
+            <a:off x="4693619" y="4425555"/>
+            <a:ext cx="8423911" cy="0"/>
+          </a:xfrm>
+          <a:prstGeom prst="line">
+            <a:avLst/>
+          </a:prstGeom>
+          <a:ln w="28575">
+            <a:solidFill>
+              <a:schemeClr val="bg1">
+                <a:lumMod val="50000"/>
+              </a:schemeClr>
+            </a:solidFill>
+            <a:prstDash val="sysDash"/>
+            <a:headEnd type="none" w="med" len="med"/>
+            <a:tailEnd type="none" w="med" len="med"/>
+          </a:ln>
+        </p:spPr>
+        <p:style>
+          <a:lnRef idx="1">
+            <a:schemeClr val="accent1"/>
+          </a:lnRef>
+          <a:fillRef idx="0">
+            <a:schemeClr val="accent1"/>
+          </a:fillRef>
+          <a:effectRef idx="0">
+            <a:schemeClr val="accent1"/>
+          </a:effectRef>
+          <a:fontRef idx="minor">
+            <a:schemeClr val="tx1"/>
+          </a:fontRef>
+        </p:style>
+      </p:cxnSp>
+      <p:cxnSp>
+        <p:nvCxnSpPr>
+          <p:cNvPr id="31" name="Straight Arrow Connector 30"/>
+          <p:cNvCxnSpPr/>
+          <p:nvPr/>
+        </p:nvCxnSpPr>
+        <p:spPr>
+          <a:xfrm>
+            <a:off x="9248274" y="5432334"/>
+            <a:ext cx="0" cy="410440"/>
+          </a:xfrm>
+          <a:prstGeom prst="straightConnector1">
+            <a:avLst/>
+          </a:prstGeom>
+          <a:ln w="28575">
+            <a:solidFill>
+              <a:schemeClr val="tx1">
+                <a:lumMod val="75000"/>
+                <a:lumOff val="25000"/>
+              </a:schemeClr>
+            </a:solidFill>
+            <a:headEnd type="none" w="med" len="med"/>
+            <a:tailEnd type="triangle"/>
+          </a:ln>
+        </p:spPr>
+        <p:style>
+          <a:lnRef idx="1">
+            <a:schemeClr val="accent1"/>
+          </a:lnRef>
+          <a:fillRef idx="0">
+            <a:schemeClr val="accent1"/>
+          </a:fillRef>
+          <a:effectRef idx="0">
+            <a:schemeClr val="accent1"/>
+          </a:effectRef>
+          <a:fontRef idx="minor">
+            <a:schemeClr val="tx1"/>
+          </a:fontRef>
+        </p:style>
+      </p:cxnSp>
+      <p:sp>
+        <p:nvSpPr>
+          <p:cNvPr id="33" name="TextBox 32"/>
+          <p:cNvSpPr txBox="1"/>
+          <p:nvPr/>
+        </p:nvSpPr>
+        <p:spPr>
+          <a:xfrm>
+            <a:off x="5917960" y="5468277"/>
+            <a:ext cx="3283206" cy="338554"/>
+          </a:xfrm>
+          <a:prstGeom prst="rect">
+            <a:avLst/>
+          </a:prstGeom>
+          <a:noFill/>
+        </p:spPr>
+        <p:txBody>
+          <a:bodyPr wrap="none" rtlCol="0">
+            <a:spAutoFit/>
+          </a:bodyPr>
+          <a:lstStyle/>
+          <a:p>
+            <a:pPr algn="r"/>
+            <a:r>
+              <a:rPr lang="en-US" sz="1600" dirty="0" smtClean="0">
+                <a:solidFill>
+                  <a:schemeClr val="tx1">
+                    <a:lumMod val="75000"/>
+                    <a:lumOff val="25000"/>
+                  </a:schemeClr>
+                </a:solidFill>
+                <a:latin typeface="Avenir Next" charset="0"/>
+                <a:ea typeface="Avenir Next" charset="0"/>
+                <a:cs typeface="Avenir Next" charset="0"/>
+              </a:rPr>
+              <a:t>Data, Quality Function, Language</a:t>
+            </a:r>
+          </a:p>
+        </p:txBody>
+      </p:sp>
+      <p:sp>
+        <p:nvSpPr>
+          <p:cNvPr id="34" name="TextBox 33"/>
+          <p:cNvSpPr txBox="1"/>
+          <p:nvPr/>
+        </p:nvSpPr>
+        <p:spPr>
+          <a:xfrm>
+            <a:off x="7513250" y="4036310"/>
+            <a:ext cx="1678665" cy="338554"/>
+          </a:xfrm>
+          <a:prstGeom prst="rect">
+            <a:avLst/>
+          </a:prstGeom>
+          <a:noFill/>
+        </p:spPr>
+        <p:txBody>
+          <a:bodyPr wrap="none" rtlCol="0">
+            <a:spAutoFit/>
+          </a:bodyPr>
+          <a:lstStyle/>
+          <a:p>
+            <a:pPr algn="r"/>
+            <a:r>
+              <a:rPr lang="en-US" sz="1600" dirty="0" smtClean="0">
+                <a:solidFill>
+                  <a:schemeClr val="tx1">
+                    <a:lumMod val="75000"/>
+                    <a:lumOff val="25000"/>
+                  </a:schemeClr>
+                </a:solidFill>
+                <a:latin typeface="Avenir Next" charset="0"/>
+                <a:ea typeface="Avenir Next" charset="0"/>
+                <a:cs typeface="Avenir Next" charset="0"/>
+              </a:rPr>
+              <a:t>High level goals</a:t>
+            </a:r>
+          </a:p>
+        </p:txBody>
+      </p:sp>
+      <p:sp>
+        <p:nvSpPr>
+          <p:cNvPr id="37" name="Rectangle 36"/>
+          <p:cNvSpPr/>
+          <p:nvPr/>
+        </p:nvSpPr>
+        <p:spPr>
+          <a:xfrm>
+            <a:off x="7838129" y="5994102"/>
+            <a:ext cx="1887647" cy="376532"/>
+          </a:xfrm>
+          <a:prstGeom prst="rect">
+            <a:avLst/>
+          </a:prstGeom>
+          <a:solidFill>
+            <a:schemeClr val="bg1"/>
+          </a:solidFill>
+          <a:ln w="28575">
+            <a:solidFill>
+              <a:schemeClr val="bg1">
+                <a:lumMod val="50000"/>
+              </a:schemeClr>
+            </a:solidFill>
+          </a:ln>
+        </p:spPr>
+        <p:style>
+          <a:lnRef idx="2">
+            <a:schemeClr val="accent1">
+              <a:shade val="50000"/>
+            </a:schemeClr>
+          </a:lnRef>
+          <a:fillRef idx="1">
+            <a:schemeClr val="accent1"/>
+          </a:fillRef>
+          <a:effectRef idx="0">
+            <a:schemeClr val="accent1"/>
+          </a:effectRef>
+          <a:fontRef idx="minor">
+            <a:schemeClr val="lt1"/>
+          </a:fontRef>
+        </p:style>
+        <p:txBody>
+          <a:bodyPr rtlCol="0" anchor="ctr"/>
+          <a:lstStyle/>
+          <a:p>
+            <a:pPr algn="ctr"/>
+            <a:r>
+              <a:rPr lang="en-US" sz="1700" dirty="0" smtClean="0">
+                <a:solidFill>
+                  <a:schemeClr val="bg1">
+                    <a:lumMod val="50000"/>
+                  </a:schemeClr>
+                </a:solidFill>
+                <a:latin typeface="Avenir Book" charset="0"/>
+                <a:ea typeface="Avenir Book" charset="0"/>
+                <a:cs typeface="Avenir Book" charset="0"/>
+              </a:rPr>
+              <a:t>Dynamic Pruners</a:t>
+            </a:r>
+          </a:p>
+        </p:txBody>
+      </p:sp>
+      <p:sp>
+        <p:nvSpPr>
+          <p:cNvPr id="38" name="Rectangle 37"/>
+          <p:cNvSpPr/>
+          <p:nvPr/>
+        </p:nvSpPr>
+        <p:spPr>
+          <a:xfrm>
+            <a:off x="10012815" y="5994102"/>
+            <a:ext cx="1657528" cy="376532"/>
+          </a:xfrm>
+          <a:prstGeom prst="rect">
+            <a:avLst/>
+          </a:prstGeom>
+          <a:solidFill>
+            <a:schemeClr val="bg1"/>
+          </a:solidFill>
+          <a:ln w="28575">
+            <a:solidFill>
+              <a:schemeClr val="bg1">
+                <a:lumMod val="50000"/>
+              </a:schemeClr>
+            </a:solidFill>
+          </a:ln>
+        </p:spPr>
+        <p:style>
+          <a:lnRef idx="2">
+            <a:schemeClr val="accent1">
+              <a:shade val="50000"/>
+            </a:schemeClr>
+          </a:lnRef>
+          <a:fillRef idx="1">
+            <a:schemeClr val="accent1"/>
+          </a:fillRef>
+          <a:effectRef idx="0">
+            <a:schemeClr val="accent1"/>
+          </a:effectRef>
+          <a:fontRef idx="minor">
+            <a:schemeClr val="lt1"/>
+          </a:fontRef>
+        </p:style>
+        <p:txBody>
+          <a:bodyPr rtlCol="0" anchor="ctr"/>
+          <a:lstStyle/>
+          <a:p>
+            <a:pPr algn="ctr"/>
+            <a:r>
+              <a:rPr lang="en-US" sz="1700" dirty="0" err="1" smtClean="0">
+                <a:solidFill>
+                  <a:schemeClr val="bg1">
+                    <a:lumMod val="50000"/>
+                  </a:schemeClr>
+                </a:solidFill>
+                <a:latin typeface="Avenir Book" charset="0"/>
+                <a:ea typeface="Avenir Book" charset="0"/>
+                <a:cs typeface="Avenir Book" charset="0"/>
+              </a:rPr>
+              <a:t>Parallelizer</a:t>
+            </a:r>
+            <a:endParaRPr lang="en-US" sz="1700" dirty="0" smtClean="0">
+              <a:solidFill>
+                <a:schemeClr val="bg1">
+                  <a:lumMod val="50000"/>
+                </a:schemeClr>
+              </a:solidFill>
+              <a:latin typeface="Avenir Book" charset="0"/>
+              <a:ea typeface="Avenir Book" charset="0"/>
+              <a:cs typeface="Avenir Book" charset="0"/>
+            </a:endParaRPr>
+          </a:p>
+        </p:txBody>
+      </p:sp>
+      <p:cxnSp>
+        <p:nvCxnSpPr>
+          <p:cNvPr id="44" name="Straight Arrow Connector 43"/>
+          <p:cNvCxnSpPr/>
+          <p:nvPr/>
+        </p:nvCxnSpPr>
+        <p:spPr>
+          <a:xfrm flipH="1">
+            <a:off x="9248066" y="6487100"/>
+            <a:ext cx="416" cy="401678"/>
+          </a:xfrm>
+          <a:prstGeom prst="straightConnector1">
+            <a:avLst/>
+          </a:prstGeom>
+          <a:ln w="28575">
+            <a:solidFill>
+              <a:schemeClr val="tx1">
+                <a:lumMod val="75000"/>
+                <a:lumOff val="25000"/>
+              </a:schemeClr>
+            </a:solidFill>
+            <a:headEnd type="none" w="med" len="med"/>
+            <a:tailEnd type="triangle"/>
+          </a:ln>
+        </p:spPr>
+        <p:style>
+          <a:lnRef idx="1">
+            <a:schemeClr val="accent1"/>
+          </a:lnRef>
+          <a:fillRef idx="0">
+            <a:schemeClr val="accent1"/>
+          </a:fillRef>
+          <a:effectRef idx="0">
+            <a:schemeClr val="accent1"/>
+          </a:effectRef>
+          <a:fontRef idx="minor">
+            <a:schemeClr val="tx1"/>
+          </a:fontRef>
+        </p:style>
+      </p:cxnSp>
+      <p:sp>
+        <p:nvSpPr>
+          <p:cNvPr id="45" name="TextBox 44"/>
+          <p:cNvSpPr txBox="1"/>
+          <p:nvPr/>
+        </p:nvSpPr>
+        <p:spPr>
+          <a:xfrm>
+            <a:off x="7326935" y="6519446"/>
+            <a:ext cx="1874231" cy="338554"/>
+          </a:xfrm>
+          <a:prstGeom prst="rect">
+            <a:avLst/>
+          </a:prstGeom>
+          <a:noFill/>
+        </p:spPr>
+        <p:txBody>
+          <a:bodyPr wrap="none" rtlCol="0">
+            <a:spAutoFit/>
+          </a:bodyPr>
+          <a:lstStyle/>
+          <a:p>
+            <a:pPr algn="r"/>
+            <a:r>
+              <a:rPr lang="en-US" sz="1600" dirty="0" smtClean="0">
+                <a:solidFill>
+                  <a:schemeClr val="tx1">
+                    <a:lumMod val="75000"/>
+                    <a:lumOff val="25000"/>
+                  </a:schemeClr>
+                </a:solidFill>
+                <a:latin typeface="Avenir Next" charset="0"/>
+                <a:ea typeface="Avenir Next" charset="0"/>
+                <a:cs typeface="Avenir Next" charset="0"/>
+              </a:rPr>
+              <a:t>Cleaning Program</a:t>
+            </a:r>
+          </a:p>
+        </p:txBody>
+      </p:sp>
+      <p:grpSp>
+        <p:nvGrpSpPr>
+          <p:cNvPr id="27" name="Group 26"/>
+          <p:cNvGrpSpPr/>
+          <p:nvPr/>
+        </p:nvGrpSpPr>
+        <p:grpSpPr>
+          <a:xfrm>
+            <a:off x="1041165" y="958493"/>
+            <a:ext cx="1844557" cy="2993575"/>
+            <a:chOff x="1041165" y="958493"/>
+            <a:chExt cx="1844557" cy="2993575"/>
+          </a:xfrm>
+        </p:grpSpPr>
+        <p:pic>
+          <p:nvPicPr>
+            <p:cNvPr id="3" name="Picture 2"/>
+            <p:cNvPicPr>
+              <a:picLocks noChangeAspect="1"/>
+            </p:cNvPicPr>
+            <p:nvPr/>
+          </p:nvPicPr>
+          <p:blipFill>
+            <a:blip r:embed="rId3"/>
+            <a:stretch>
+              <a:fillRect/>
+            </a:stretch>
+          </p:blipFill>
+          <p:spPr>
+            <a:xfrm>
+              <a:off x="1183513" y="958493"/>
+              <a:ext cx="1702209" cy="1536946"/>
+            </a:xfrm>
+            <a:prstGeom prst="rect">
+              <a:avLst/>
+            </a:prstGeom>
+          </p:spPr>
+        </p:pic>
+        <p:pic>
+          <p:nvPicPr>
+            <p:cNvPr id="8" name="Picture 7"/>
+            <p:cNvPicPr>
+              <a:picLocks noChangeAspect="1"/>
+            </p:cNvPicPr>
+            <p:nvPr/>
+          </p:nvPicPr>
+          <p:blipFill>
+            <a:blip r:embed="rId4"/>
+            <a:stretch>
+              <a:fillRect/>
+            </a:stretch>
+          </p:blipFill>
+          <p:spPr>
+            <a:xfrm>
+              <a:off x="1041165" y="2706758"/>
+              <a:ext cx="1844557" cy="1245310"/>
+            </a:xfrm>
+            <a:prstGeom prst="rect">
+              <a:avLst/>
+            </a:prstGeom>
+          </p:spPr>
+        </p:pic>
+      </p:grpSp>
+      <p:sp>
+        <p:nvSpPr>
+          <p:cNvPr id="9" name="TextBox 8"/>
+          <p:cNvSpPr txBox="1"/>
+          <p:nvPr/>
+        </p:nvSpPr>
+        <p:spPr>
+          <a:xfrm>
+            <a:off x="3328366" y="1649863"/>
+            <a:ext cx="1907830" cy="369332"/>
+          </a:xfrm>
+          <a:prstGeom prst="rect">
+            <a:avLst/>
+          </a:prstGeom>
+          <a:noFill/>
+        </p:spPr>
+        <p:txBody>
+          <a:bodyPr wrap="none" rtlCol="0">
+            <a:spAutoFit/>
+          </a:bodyPr>
+          <a:lstStyle/>
+          <a:p>
+            <a:pPr algn="ctr"/>
+            <a:r>
+              <a:rPr lang="en-US" dirty="0" smtClean="0">
+                <a:latin typeface="Avenir Next" charset="0"/>
+                <a:ea typeface="Avenir Next" charset="0"/>
+                <a:cs typeface="Avenir Next" charset="0"/>
+              </a:rPr>
+              <a:t>Quality Function</a:t>
+            </a:r>
+            <a:endParaRPr lang="en-US" dirty="0" smtClean="0">
+              <a:latin typeface="Avenir Next" charset="0"/>
+              <a:ea typeface="Avenir Next" charset="0"/>
+              <a:cs typeface="Avenir Next" charset="0"/>
+            </a:endParaRPr>
+          </a:p>
+        </p:txBody>
+      </p:sp>
+      <p:sp>
+        <p:nvSpPr>
+          <p:cNvPr id="13" name="TextBox 12"/>
+          <p:cNvSpPr txBox="1"/>
+          <p:nvPr/>
+        </p:nvSpPr>
+        <p:spPr>
+          <a:xfrm>
+            <a:off x="3586083" y="2613208"/>
+            <a:ext cx="1241045" cy="369332"/>
+          </a:xfrm>
+          <a:prstGeom prst="rect">
+            <a:avLst/>
+          </a:prstGeom>
+          <a:noFill/>
+        </p:spPr>
+        <p:txBody>
+          <a:bodyPr wrap="none" rtlCol="0">
+            <a:spAutoFit/>
+          </a:bodyPr>
+          <a:lstStyle/>
+          <a:p>
+            <a:r>
+              <a:rPr lang="en-US" smtClean="0">
+                <a:latin typeface="Avenir Next" charset="0"/>
+                <a:ea typeface="Avenir Next" charset="0"/>
+                <a:cs typeface="Avenir Next" charset="0"/>
+              </a:rPr>
+              <a:t>Language</a:t>
+            </a:r>
+            <a:endParaRPr lang="en-US" dirty="0" smtClean="0">
+              <a:latin typeface="Avenir Next" charset="0"/>
+              <a:ea typeface="Avenir Next" charset="0"/>
+              <a:cs typeface="Avenir Next" charset="0"/>
+            </a:endParaRPr>
+          </a:p>
+        </p:txBody>
+      </p:sp>
+      <p:grpSp>
+        <p:nvGrpSpPr>
+          <p:cNvPr id="28" name="Group 27"/>
+          <p:cNvGrpSpPr/>
+          <p:nvPr/>
+        </p:nvGrpSpPr>
+        <p:grpSpPr>
+          <a:xfrm>
+            <a:off x="5493557" y="1505891"/>
+            <a:ext cx="4761039" cy="1898779"/>
+            <a:chOff x="5493557" y="1124129"/>
+            <a:chExt cx="4761039" cy="1898779"/>
+          </a:xfrm>
+        </p:grpSpPr>
+        <p:sp>
+          <p:nvSpPr>
+            <p:cNvPr id="6" name="Rectangle 5"/>
+            <p:cNvSpPr/>
+            <p:nvPr/>
+          </p:nvSpPr>
+          <p:spPr>
+            <a:xfrm>
+              <a:off x="8223804" y="1124129"/>
+              <a:ext cx="2030792" cy="1896111"/>
+            </a:xfrm>
+            <a:prstGeom prst="rect">
+              <a:avLst/>
+            </a:prstGeom>
+            <a:solidFill>
+              <a:schemeClr val="bg1"/>
+            </a:solidFill>
+            <a:ln w="28575">
+              <a:solidFill>
+                <a:schemeClr val="bg1">
+                  <a:lumMod val="50000"/>
+                </a:schemeClr>
+              </a:solidFill>
+            </a:ln>
+          </p:spPr>
+          <p:style>
+            <a:lnRef idx="2">
+              <a:schemeClr val="accent1">
+                <a:shade val="50000"/>
+              </a:schemeClr>
+            </a:lnRef>
+            <a:fillRef idx="1">
+              <a:schemeClr val="accent1"/>
+            </a:fillRef>
+            <a:effectRef idx="0">
+              <a:schemeClr val="accent1"/>
+            </a:effectRef>
+            <a:fontRef idx="minor">
+              <a:schemeClr val="lt1"/>
+            </a:fontRef>
+          </p:style>
+          <p:txBody>
+            <a:bodyPr rtlCol="0" anchor="t"/>
+            <a:lstStyle/>
+            <a:p>
+              <a:pPr algn="ctr"/>
+              <a:r>
+                <a:rPr lang="en-US" sz="2000" dirty="0" err="1" smtClean="0">
+                  <a:solidFill>
+                    <a:schemeClr val="tx1"/>
+                  </a:solidFill>
+                  <a:latin typeface="Avenir Book" charset="0"/>
+                  <a:ea typeface="Avenir Book" charset="0"/>
+                  <a:cs typeface="Avenir Book" charset="0"/>
+                </a:rPr>
+                <a:t>Prog</a:t>
+              </a:r>
+              <a:r>
+                <a:rPr lang="en-US" sz="2000" dirty="0" smtClean="0">
+                  <a:solidFill>
+                    <a:schemeClr val="tx1"/>
+                  </a:solidFill>
+                  <a:latin typeface="Avenir Book" charset="0"/>
+                  <a:ea typeface="Avenir Book" charset="0"/>
+                  <a:cs typeface="Avenir Book" charset="0"/>
+                </a:rPr>
+                <a:t> Optimizer</a:t>
+              </a:r>
+              <a:endParaRPr lang="en-US" sz="2000" dirty="0" smtClean="0">
+                <a:solidFill>
+                  <a:schemeClr val="tx1"/>
+                </a:solidFill>
+                <a:latin typeface="Avenir Book" charset="0"/>
+                <a:ea typeface="Avenir Book" charset="0"/>
+                <a:cs typeface="Avenir Book" charset="0"/>
+              </a:endParaRPr>
+            </a:p>
+          </p:txBody>
+        </p:sp>
+        <p:cxnSp>
+          <p:nvCxnSpPr>
+            <p:cNvPr id="7" name="Straight Arrow Connector 6"/>
+            <p:cNvCxnSpPr>
+              <a:stCxn id="32" idx="3"/>
+              <a:endCxn id="6" idx="1"/>
+            </p:cNvCxnSpPr>
+            <p:nvPr/>
+          </p:nvCxnSpPr>
+          <p:spPr>
+            <a:xfrm flipV="1">
+              <a:off x="7836061" y="2072185"/>
+              <a:ext cx="387743" cy="1391"/>
+            </a:xfrm>
+            <a:prstGeom prst="straightConnector1">
+              <a:avLst/>
+            </a:prstGeom>
+            <a:ln w="28575">
+              <a:solidFill>
+                <a:schemeClr val="tx1">
+                  <a:lumMod val="75000"/>
+                  <a:lumOff val="25000"/>
+                </a:schemeClr>
+              </a:solidFill>
+              <a:headEnd type="none" w="med" len="med"/>
+              <a:tailEnd type="triangle"/>
+            </a:ln>
+          </p:spPr>
+          <p:style>
+            <a:lnRef idx="1">
+              <a:schemeClr val="accent1"/>
+            </a:lnRef>
+            <a:fillRef idx="0">
+              <a:schemeClr val="accent1"/>
+            </a:fillRef>
+            <a:effectRef idx="0">
+              <a:schemeClr val="accent1"/>
+            </a:effectRef>
+            <a:fontRef idx="minor">
+              <a:schemeClr val="tx1"/>
+            </a:fontRef>
+          </p:style>
+        </p:cxnSp>
+        <p:sp>
+          <p:nvSpPr>
+            <p:cNvPr id="41" name="Rectangle 40"/>
+            <p:cNvSpPr/>
+            <p:nvPr/>
+          </p:nvSpPr>
+          <p:spPr>
+            <a:xfrm>
+              <a:off x="8354227" y="1572981"/>
+              <a:ext cx="1769947" cy="395997"/>
+            </a:xfrm>
+            <a:prstGeom prst="rect">
+              <a:avLst/>
+            </a:prstGeom>
+            <a:solidFill>
+              <a:schemeClr val="bg1"/>
+            </a:solidFill>
+            <a:ln w="28575">
+              <a:solidFill>
+                <a:schemeClr val="bg1">
+                  <a:lumMod val="50000"/>
+                </a:schemeClr>
+              </a:solidFill>
+            </a:ln>
+          </p:spPr>
+          <p:style>
+            <a:lnRef idx="2">
+              <a:schemeClr val="accent1">
+                <a:shade val="50000"/>
+              </a:schemeClr>
+            </a:lnRef>
+            <a:fillRef idx="1">
+              <a:schemeClr val="accent1"/>
+            </a:fillRef>
+            <a:effectRef idx="0">
+              <a:schemeClr val="accent1"/>
+            </a:effectRef>
+            <a:fontRef idx="minor">
+              <a:schemeClr val="lt1"/>
+            </a:fontRef>
+          </p:style>
+          <p:txBody>
+            <a:bodyPr rtlCol="0" anchor="ctr"/>
+            <a:lstStyle/>
+            <a:p>
+              <a:pPr algn="ctr"/>
+              <a:r>
+                <a:rPr lang="en-US" sz="1700" dirty="0" smtClean="0">
+                  <a:solidFill>
+                    <a:schemeClr val="bg1">
+                      <a:lumMod val="50000"/>
+                    </a:schemeClr>
+                  </a:solidFill>
+                  <a:latin typeface="Avenir Book" charset="0"/>
+                  <a:ea typeface="Avenir Book" charset="0"/>
+                  <a:cs typeface="Avenir Book" charset="0"/>
+                </a:rPr>
+                <a:t>Loop Fusion</a:t>
+              </a:r>
+            </a:p>
+          </p:txBody>
+        </p:sp>
+        <p:sp>
+          <p:nvSpPr>
+            <p:cNvPr id="42" name="Rectangle 41"/>
+            <p:cNvSpPr/>
+            <p:nvPr/>
+          </p:nvSpPr>
+          <p:spPr>
+            <a:xfrm>
+              <a:off x="8354227" y="2037305"/>
+              <a:ext cx="1769947" cy="395997"/>
+            </a:xfrm>
+            <a:prstGeom prst="rect">
+              <a:avLst/>
+            </a:prstGeom>
+            <a:solidFill>
+              <a:schemeClr val="bg1"/>
+            </a:solidFill>
+            <a:ln w="28575">
+              <a:solidFill>
+                <a:schemeClr val="bg1">
+                  <a:lumMod val="50000"/>
+                </a:schemeClr>
+              </a:solidFill>
+            </a:ln>
+          </p:spPr>
+          <p:style>
+            <a:lnRef idx="2">
+              <a:schemeClr val="accent1">
+                <a:shade val="50000"/>
+              </a:schemeClr>
+            </a:lnRef>
+            <a:fillRef idx="1">
+              <a:schemeClr val="accent1"/>
+            </a:fillRef>
+            <a:effectRef idx="0">
+              <a:schemeClr val="accent1"/>
+            </a:effectRef>
+            <a:fontRef idx="minor">
+              <a:schemeClr val="lt1"/>
+            </a:fontRef>
+          </p:style>
+          <p:txBody>
+            <a:bodyPr rtlCol="0" anchor="ctr"/>
+            <a:lstStyle/>
+            <a:p>
+              <a:pPr algn="ctr"/>
+              <a:r>
+                <a:rPr lang="en-US" sz="1700" dirty="0" smtClean="0">
+                  <a:solidFill>
+                    <a:schemeClr val="bg1">
+                      <a:lumMod val="50000"/>
+                    </a:schemeClr>
+                  </a:solidFill>
+                  <a:latin typeface="Avenir Book" charset="0"/>
+                  <a:ea typeface="Avenir Book" charset="0"/>
+                  <a:cs typeface="Avenir Book" charset="0"/>
+                </a:rPr>
+                <a:t>Literal </a:t>
+              </a:r>
+              <a:r>
+                <a:rPr lang="en-US" sz="1700" dirty="0" err="1" smtClean="0">
+                  <a:solidFill>
+                    <a:schemeClr val="bg1">
+                      <a:lumMod val="50000"/>
+                    </a:schemeClr>
+                  </a:solidFill>
+                  <a:latin typeface="Avenir Book" charset="0"/>
+                  <a:ea typeface="Avenir Book" charset="0"/>
+                  <a:cs typeface="Avenir Book" charset="0"/>
+                </a:rPr>
+                <a:t>Inlining</a:t>
+              </a:r>
+              <a:endParaRPr lang="en-US" sz="1700" dirty="0" smtClean="0">
+                <a:solidFill>
+                  <a:schemeClr val="bg1">
+                    <a:lumMod val="50000"/>
+                  </a:schemeClr>
+                </a:solidFill>
+                <a:latin typeface="Avenir Book" charset="0"/>
+                <a:ea typeface="Avenir Book" charset="0"/>
+                <a:cs typeface="Avenir Book" charset="0"/>
+              </a:endParaRPr>
+            </a:p>
+          </p:txBody>
+        </p:sp>
+        <p:sp>
+          <p:nvSpPr>
+            <p:cNvPr id="43" name="Rectangle 42"/>
+            <p:cNvSpPr/>
+            <p:nvPr/>
+          </p:nvSpPr>
+          <p:spPr>
+            <a:xfrm>
+              <a:off x="8354227" y="2501629"/>
+              <a:ext cx="1769946" cy="395997"/>
+            </a:xfrm>
+            <a:prstGeom prst="rect">
+              <a:avLst/>
+            </a:prstGeom>
+            <a:solidFill>
+              <a:schemeClr val="bg1"/>
+            </a:solidFill>
+            <a:ln w="28575">
+              <a:solidFill>
+                <a:schemeClr val="bg1">
+                  <a:lumMod val="50000"/>
+                </a:schemeClr>
+              </a:solidFill>
+            </a:ln>
+          </p:spPr>
+          <p:style>
+            <a:lnRef idx="2">
+              <a:schemeClr val="accent1">
+                <a:shade val="50000"/>
+              </a:schemeClr>
+            </a:lnRef>
+            <a:fillRef idx="1">
+              <a:schemeClr val="accent1"/>
+            </a:fillRef>
+            <a:effectRef idx="0">
+              <a:schemeClr val="accent1"/>
+            </a:effectRef>
+            <a:fontRef idx="minor">
+              <a:schemeClr val="lt1"/>
+            </a:fontRef>
+          </p:style>
+          <p:txBody>
+            <a:bodyPr rtlCol="0" anchor="ctr"/>
+            <a:lstStyle/>
+            <a:p>
+              <a:pPr algn="ctr"/>
+              <a:r>
+                <a:rPr lang="en-US" sz="1700" dirty="0" err="1" smtClean="0">
+                  <a:solidFill>
+                    <a:schemeClr val="bg1">
+                      <a:lumMod val="50000"/>
+                    </a:schemeClr>
+                  </a:solidFill>
+                  <a:latin typeface="Avenir Book" charset="0"/>
+                  <a:ea typeface="Avenir Book" charset="0"/>
+                  <a:cs typeface="Avenir Book" charset="0"/>
+                </a:rPr>
+                <a:t>CodeGen</a:t>
+              </a:r>
+              <a:endParaRPr lang="en-US" sz="1700" dirty="0" smtClean="0">
+                <a:solidFill>
+                  <a:schemeClr val="bg1">
+                    <a:lumMod val="50000"/>
+                  </a:schemeClr>
+                </a:solidFill>
+                <a:latin typeface="Avenir Book" charset="0"/>
+                <a:ea typeface="Avenir Book" charset="0"/>
+                <a:cs typeface="Avenir Book" charset="0"/>
+              </a:endParaRPr>
+            </a:p>
+          </p:txBody>
+        </p:sp>
+        <p:sp>
+          <p:nvSpPr>
+            <p:cNvPr id="32" name="Rectangle 31"/>
+            <p:cNvSpPr/>
+            <p:nvPr/>
+          </p:nvSpPr>
+          <p:spPr>
+            <a:xfrm>
+              <a:off x="5493557" y="1124244"/>
+              <a:ext cx="2342504" cy="1898664"/>
+            </a:xfrm>
+            <a:prstGeom prst="rect">
+              <a:avLst/>
+            </a:prstGeom>
+            <a:solidFill>
+              <a:schemeClr val="bg1"/>
+            </a:solidFill>
+            <a:ln w="28575">
+              <a:solidFill>
+                <a:schemeClr val="bg1">
+                  <a:lumMod val="50000"/>
+                </a:schemeClr>
+              </a:solidFill>
+            </a:ln>
+          </p:spPr>
+          <p:style>
+            <a:lnRef idx="2">
+              <a:schemeClr val="accent1">
+                <a:shade val="50000"/>
+              </a:schemeClr>
+            </a:lnRef>
+            <a:fillRef idx="1">
+              <a:schemeClr val="accent1"/>
+            </a:fillRef>
+            <a:effectRef idx="0">
+              <a:schemeClr val="accent1"/>
+            </a:effectRef>
+            <a:fontRef idx="minor">
+              <a:schemeClr val="lt1"/>
+            </a:fontRef>
+          </p:style>
+          <p:txBody>
+            <a:bodyPr rtlCol="0" anchor="t"/>
+            <a:lstStyle/>
+            <a:p>
+              <a:pPr algn="ctr"/>
+              <a:r>
+                <a:rPr lang="en-US" sz="2000" dirty="0" smtClean="0">
+                  <a:solidFill>
+                    <a:schemeClr val="tx1"/>
+                  </a:solidFill>
+                  <a:latin typeface="Avenir Book" charset="0"/>
+                  <a:ea typeface="Avenir Book" charset="0"/>
+                  <a:cs typeface="Avenir Book" charset="0"/>
+                </a:rPr>
+                <a:t>Tree Search</a:t>
+              </a:r>
+              <a:endParaRPr lang="en-US" sz="2000" dirty="0" smtClean="0">
+                <a:solidFill>
+                  <a:schemeClr val="tx1"/>
+                </a:solidFill>
+                <a:latin typeface="Avenir Book" charset="0"/>
+                <a:ea typeface="Avenir Book" charset="0"/>
+                <a:cs typeface="Avenir Book" charset="0"/>
+              </a:endParaRPr>
+            </a:p>
+          </p:txBody>
+        </p:sp>
+        <p:sp>
+          <p:nvSpPr>
+            <p:cNvPr id="36" name="Rectangle 35"/>
+            <p:cNvSpPr/>
+            <p:nvPr/>
+          </p:nvSpPr>
+          <p:spPr>
+            <a:xfrm>
+              <a:off x="5715194" y="1579644"/>
+              <a:ext cx="1887647" cy="376532"/>
+            </a:xfrm>
+            <a:prstGeom prst="rect">
+              <a:avLst/>
+            </a:prstGeom>
+            <a:solidFill>
+              <a:schemeClr val="bg1"/>
+            </a:solidFill>
+            <a:ln w="28575">
+              <a:solidFill>
+                <a:schemeClr val="bg1">
+                  <a:lumMod val="50000"/>
+                </a:schemeClr>
+              </a:solidFill>
+            </a:ln>
+          </p:spPr>
+          <p:style>
+            <a:lnRef idx="2">
+              <a:schemeClr val="accent1">
+                <a:shade val="50000"/>
+              </a:schemeClr>
+            </a:lnRef>
+            <a:fillRef idx="1">
+              <a:schemeClr val="accent1"/>
+            </a:fillRef>
+            <a:effectRef idx="0">
+              <a:schemeClr val="accent1"/>
+            </a:effectRef>
+            <a:fontRef idx="minor">
+              <a:schemeClr val="lt1"/>
+            </a:fontRef>
+          </p:style>
+          <p:txBody>
+            <a:bodyPr rtlCol="0" anchor="ctr"/>
+            <a:lstStyle/>
+            <a:p>
+              <a:pPr algn="ctr"/>
+              <a:r>
+                <a:rPr lang="en-US" sz="1700" dirty="0" smtClean="0">
+                  <a:solidFill>
+                    <a:schemeClr val="bg1">
+                      <a:lumMod val="50000"/>
+                    </a:schemeClr>
+                  </a:solidFill>
+                  <a:latin typeface="Avenir Book" charset="0"/>
+                  <a:ea typeface="Avenir Book" charset="0"/>
+                  <a:cs typeface="Avenir Book" charset="0"/>
+                </a:rPr>
+                <a:t>Static Pruners</a:t>
+              </a:r>
+            </a:p>
+          </p:txBody>
+        </p:sp>
+        <p:sp>
+          <p:nvSpPr>
+            <p:cNvPr id="39" name="Rectangle 38"/>
+            <p:cNvSpPr/>
+            <p:nvPr/>
+          </p:nvSpPr>
+          <p:spPr>
+            <a:xfrm>
+              <a:off x="5715194" y="2037542"/>
+              <a:ext cx="1887647" cy="376532"/>
+            </a:xfrm>
+            <a:prstGeom prst="rect">
+              <a:avLst/>
+            </a:prstGeom>
+            <a:solidFill>
+              <a:schemeClr val="bg1"/>
+            </a:solidFill>
+            <a:ln w="28575">
+              <a:solidFill>
+                <a:schemeClr val="bg1">
+                  <a:lumMod val="50000"/>
+                </a:schemeClr>
+              </a:solidFill>
+            </a:ln>
+          </p:spPr>
+          <p:style>
+            <a:lnRef idx="2">
+              <a:schemeClr val="accent1">
+                <a:shade val="50000"/>
+              </a:schemeClr>
+            </a:lnRef>
+            <a:fillRef idx="1">
+              <a:schemeClr val="accent1"/>
+            </a:fillRef>
+            <a:effectRef idx="0">
+              <a:schemeClr val="accent1"/>
+            </a:effectRef>
+            <a:fontRef idx="minor">
+              <a:schemeClr val="lt1"/>
+            </a:fontRef>
+          </p:style>
+          <p:txBody>
+            <a:bodyPr rtlCol="0" anchor="ctr"/>
+            <a:lstStyle/>
+            <a:p>
+              <a:pPr algn="ctr"/>
+              <a:r>
+                <a:rPr lang="en-US" sz="1700" dirty="0" smtClean="0">
+                  <a:solidFill>
+                    <a:schemeClr val="bg1">
+                      <a:lumMod val="50000"/>
+                    </a:schemeClr>
+                  </a:solidFill>
+                  <a:latin typeface="Avenir Book" charset="0"/>
+                  <a:ea typeface="Avenir Book" charset="0"/>
+                  <a:cs typeface="Avenir Book" charset="0"/>
+                </a:rPr>
+                <a:t>Dynamic Pruners</a:t>
+              </a:r>
+            </a:p>
+          </p:txBody>
+        </p:sp>
+        <p:sp>
+          <p:nvSpPr>
+            <p:cNvPr id="40" name="Rectangle 39"/>
+            <p:cNvSpPr/>
+            <p:nvPr/>
+          </p:nvSpPr>
+          <p:spPr>
+            <a:xfrm>
+              <a:off x="5715193" y="2495439"/>
+              <a:ext cx="1887647" cy="376532"/>
+            </a:xfrm>
+            <a:prstGeom prst="rect">
+              <a:avLst/>
+            </a:prstGeom>
+            <a:solidFill>
+              <a:schemeClr val="bg1"/>
+            </a:solidFill>
+            <a:ln w="28575">
+              <a:solidFill>
+                <a:schemeClr val="bg1">
+                  <a:lumMod val="50000"/>
+                </a:schemeClr>
+              </a:solidFill>
+            </a:ln>
+          </p:spPr>
+          <p:style>
+            <a:lnRef idx="2">
+              <a:schemeClr val="accent1">
+                <a:shade val="50000"/>
+              </a:schemeClr>
+            </a:lnRef>
+            <a:fillRef idx="1">
+              <a:schemeClr val="accent1"/>
+            </a:fillRef>
+            <a:effectRef idx="0">
+              <a:schemeClr val="accent1"/>
+            </a:effectRef>
+            <a:fontRef idx="minor">
+              <a:schemeClr val="lt1"/>
+            </a:fontRef>
+          </p:style>
+          <p:txBody>
+            <a:bodyPr rtlCol="0" anchor="ctr"/>
+            <a:lstStyle/>
+            <a:p>
+              <a:pPr algn="ctr"/>
+              <a:r>
+                <a:rPr lang="en-US" sz="1700" dirty="0" err="1" smtClean="0">
+                  <a:solidFill>
+                    <a:schemeClr val="bg1">
+                      <a:lumMod val="50000"/>
+                    </a:schemeClr>
+                  </a:solidFill>
+                  <a:latin typeface="Avenir Book" charset="0"/>
+                  <a:ea typeface="Avenir Book" charset="0"/>
+                  <a:cs typeface="Avenir Book" charset="0"/>
+                </a:rPr>
+                <a:t>Parallelizer</a:t>
+              </a:r>
+              <a:endParaRPr lang="en-US" sz="1700" dirty="0" smtClean="0">
+                <a:solidFill>
+                  <a:schemeClr val="bg1">
+                    <a:lumMod val="50000"/>
+                  </a:schemeClr>
+                </a:solidFill>
+                <a:latin typeface="Avenir Book" charset="0"/>
+                <a:ea typeface="Avenir Book" charset="0"/>
+                <a:cs typeface="Avenir Book" charset="0"/>
+              </a:endParaRPr>
+            </a:p>
+          </p:txBody>
+        </p:sp>
+      </p:grpSp>
+      <p:cxnSp>
+        <p:nvCxnSpPr>
+          <p:cNvPr id="25" name="Elbow Connector 24"/>
+          <p:cNvCxnSpPr>
+            <a:stCxn id="6" idx="0"/>
+            <a:endCxn id="4" idx="0"/>
+          </p:cNvCxnSpPr>
+          <p:nvPr/>
+        </p:nvCxnSpPr>
+        <p:spPr>
+          <a:xfrm rot="16200000" flipH="1" flipV="1">
+            <a:off x="4587920" y="-2816751"/>
+            <a:ext cx="328638" cy="8973922"/>
+          </a:xfrm>
+          <a:prstGeom prst="bentConnector3">
+            <a:avLst>
+              <a:gd name="adj1" fmla="val -210535"/>
+            </a:avLst>
+          </a:prstGeom>
+          <a:ln w="28575">
+            <a:solidFill>
+              <a:schemeClr val="bg1">
+                <a:lumMod val="50000"/>
+              </a:schemeClr>
+            </a:solidFill>
+            <a:headEnd type="none" w="med" len="med"/>
+            <a:tailEnd type="triangle"/>
+          </a:ln>
+        </p:spPr>
+        <p:style>
+          <a:lnRef idx="1">
+            <a:schemeClr val="accent1"/>
+          </a:lnRef>
+          <a:fillRef idx="0">
+            <a:schemeClr val="accent1"/>
+          </a:fillRef>
+          <a:effectRef idx="0">
+            <a:schemeClr val="accent1"/>
+          </a:effectRef>
+          <a:fontRef idx="minor">
+            <a:schemeClr val="tx1"/>
+          </a:fontRef>
+        </p:style>
+      </p:cxnSp>
+      <p:sp>
+        <p:nvSpPr>
+          <p:cNvPr id="26" name="TextBox 25"/>
+          <p:cNvSpPr txBox="1"/>
+          <p:nvPr/>
+        </p:nvSpPr>
+        <p:spPr>
+          <a:xfrm>
+            <a:off x="3569586" y="440116"/>
+            <a:ext cx="1425390" cy="369332"/>
+          </a:xfrm>
+          <a:prstGeom prst="rect">
+            <a:avLst/>
+          </a:prstGeom>
+          <a:noFill/>
+        </p:spPr>
+        <p:txBody>
+          <a:bodyPr wrap="none" rtlCol="0">
+            <a:spAutoFit/>
+          </a:bodyPr>
+          <a:lstStyle/>
+          <a:p>
+            <a:r>
+              <a:rPr lang="en-US" smtClean="0">
+                <a:latin typeface="Avenir Next" charset="0"/>
+                <a:ea typeface="Avenir Next" charset="0"/>
+                <a:cs typeface="Avenir Next" charset="0"/>
+              </a:rPr>
+              <a:t>Explanation</a:t>
+            </a:r>
+            <a:endParaRPr lang="en-US" dirty="0" smtClean="0">
+              <a:latin typeface="Avenir Next" charset="0"/>
+              <a:ea typeface="Avenir Next" charset="0"/>
+              <a:cs typeface="Avenir Next" charset="0"/>
+            </a:endParaRPr>
+          </a:p>
+        </p:txBody>
+      </p:sp>
+      <p:cxnSp>
+        <p:nvCxnSpPr>
+          <p:cNvPr id="46" name="Straight Arrow Connector 45"/>
+          <p:cNvCxnSpPr/>
+          <p:nvPr/>
+        </p:nvCxnSpPr>
+        <p:spPr>
+          <a:xfrm>
+            <a:off x="3071006" y="2059959"/>
+            <a:ext cx="2422551" cy="0"/>
+          </a:xfrm>
+          <a:prstGeom prst="straightConnector1">
+            <a:avLst/>
+          </a:prstGeom>
+          <a:ln w="28575">
+            <a:solidFill>
+              <a:schemeClr val="bg1">
+                <a:lumMod val="50000"/>
+              </a:schemeClr>
+            </a:solidFill>
+            <a:headEnd type="none" w="med" len="med"/>
+            <a:tailEnd type="triangle"/>
+          </a:ln>
+        </p:spPr>
+        <p:style>
+          <a:lnRef idx="1">
+            <a:schemeClr val="accent1"/>
+          </a:lnRef>
+          <a:fillRef idx="0">
+            <a:schemeClr val="accent1"/>
+          </a:fillRef>
+          <a:effectRef idx="0">
+            <a:schemeClr val="accent1"/>
+          </a:effectRef>
+          <a:fontRef idx="minor">
+            <a:schemeClr val="tx1"/>
+          </a:fontRef>
+        </p:style>
+      </p:cxnSp>
+      <p:cxnSp>
+        <p:nvCxnSpPr>
+          <p:cNvPr id="50" name="Straight Arrow Connector 49"/>
+          <p:cNvCxnSpPr/>
+          <p:nvPr/>
+        </p:nvCxnSpPr>
+        <p:spPr>
+          <a:xfrm>
+            <a:off x="3071006" y="2994732"/>
+            <a:ext cx="2422551" cy="0"/>
+          </a:xfrm>
+          <a:prstGeom prst="straightConnector1">
+            <a:avLst/>
+          </a:prstGeom>
+          <a:ln w="28575">
+            <a:solidFill>
+              <a:schemeClr val="bg1">
+                <a:lumMod val="50000"/>
+              </a:schemeClr>
+            </a:solidFill>
+            <a:headEnd type="none" w="med" len="med"/>
+            <a:tailEnd type="triangle"/>
+          </a:ln>
+        </p:spPr>
+        <p:style>
+          <a:lnRef idx="1">
+            <a:schemeClr val="accent1"/>
+          </a:lnRef>
+          <a:fillRef idx="0">
+            <a:schemeClr val="accent1"/>
+          </a:fillRef>
+          <a:effectRef idx="0">
+            <a:schemeClr val="accent1"/>
+          </a:effectRef>
+          <a:fontRef idx="minor">
+            <a:schemeClr val="tx1"/>
+          </a:fontRef>
+        </p:style>
+      </p:cxnSp>
+      <p:sp>
+        <p:nvSpPr>
+          <p:cNvPr id="53" name="TextBox 52"/>
+          <p:cNvSpPr txBox="1"/>
+          <p:nvPr/>
+        </p:nvSpPr>
+        <p:spPr>
+          <a:xfrm>
+            <a:off x="7231476" y="-33979"/>
+            <a:ext cx="1596912" cy="461665"/>
+          </a:xfrm>
+          <a:prstGeom prst="rect">
+            <a:avLst/>
+          </a:prstGeom>
+          <a:noFill/>
+        </p:spPr>
+        <p:txBody>
+          <a:bodyPr wrap="none" rtlCol="0">
+            <a:spAutoFit/>
+          </a:bodyPr>
+          <a:lstStyle/>
+          <a:p>
+            <a:r>
+              <a:rPr lang="en-US" sz="2400" dirty="0" smtClean="0">
+                <a:latin typeface="Arvo" charset="0"/>
+                <a:ea typeface="Arvo" charset="0"/>
+                <a:cs typeface="Arvo" charset="0"/>
+              </a:rPr>
+              <a:t>Arachnid</a:t>
+            </a:r>
+            <a:endParaRPr lang="en-US" sz="2400" dirty="0" smtClean="0">
+              <a:latin typeface="Arvo" charset="0"/>
+              <a:ea typeface="Arvo" charset="0"/>
+              <a:cs typeface="Arvo" charset="0"/>
+            </a:endParaRPr>
+          </a:p>
+        </p:txBody>
+      </p:sp>
+      <p:sp>
+        <p:nvSpPr>
+          <p:cNvPr id="54" name="TextBox 53"/>
+          <p:cNvSpPr txBox="1"/>
+          <p:nvPr/>
+        </p:nvSpPr>
+        <p:spPr>
+          <a:xfrm>
+            <a:off x="1041165" y="-33979"/>
+            <a:ext cx="1564852" cy="461665"/>
+          </a:xfrm>
+          <a:prstGeom prst="rect">
+            <a:avLst/>
+          </a:prstGeom>
+          <a:noFill/>
+        </p:spPr>
+        <p:txBody>
+          <a:bodyPr wrap="none" rtlCol="0">
+            <a:spAutoFit/>
+          </a:bodyPr>
+          <a:lstStyle/>
+          <a:p>
+            <a:r>
+              <a:rPr lang="en-US" sz="2400" dirty="0" smtClean="0">
+                <a:latin typeface="Arvo" charset="0"/>
+                <a:ea typeface="Arvo" charset="0"/>
+                <a:cs typeface="Arvo" charset="0"/>
+              </a:rPr>
+              <a:t>Interface</a:t>
+            </a:r>
+            <a:endParaRPr lang="en-US" sz="2400" dirty="0" smtClean="0">
+              <a:latin typeface="Arvo" charset="0"/>
+              <a:ea typeface="Arvo" charset="0"/>
+              <a:cs typeface="Arvo" charset="0"/>
+            </a:endParaRPr>
+          </a:p>
+        </p:txBody>
+      </p:sp>
+      <p:cxnSp>
+        <p:nvCxnSpPr>
+          <p:cNvPr id="56" name="Straight Connector 55"/>
+          <p:cNvCxnSpPr/>
+          <p:nvPr/>
+        </p:nvCxnSpPr>
+        <p:spPr>
+          <a:xfrm flipH="1">
+            <a:off x="265277" y="432796"/>
+            <a:ext cx="3063089" cy="12430"/>
+          </a:xfrm>
+          <a:prstGeom prst="line">
+            <a:avLst/>
+          </a:prstGeom>
+          <a:ln w="28575">
+            <a:solidFill>
+              <a:schemeClr val="bg1">
+                <a:lumMod val="50000"/>
+              </a:schemeClr>
+            </a:solidFill>
+            <a:prstDash val="sysDot"/>
+            <a:headEnd type="none" w="med" len="med"/>
+            <a:tailEnd type="none" w="med" len="med"/>
+          </a:ln>
+        </p:spPr>
+        <p:style>
+          <a:lnRef idx="1">
+            <a:schemeClr val="accent1"/>
+          </a:lnRef>
+          <a:fillRef idx="0">
+            <a:schemeClr val="accent1"/>
+          </a:fillRef>
+          <a:effectRef idx="0">
+            <a:schemeClr val="accent1"/>
+          </a:effectRef>
+          <a:fontRef idx="minor">
+            <a:schemeClr val="tx1"/>
+          </a:fontRef>
+        </p:style>
+      </p:cxnSp>
+      <p:cxnSp>
+        <p:nvCxnSpPr>
+          <p:cNvPr id="57" name="Straight Connector 56"/>
+          <p:cNvCxnSpPr/>
+          <p:nvPr/>
+        </p:nvCxnSpPr>
+        <p:spPr>
+          <a:xfrm flipH="1" flipV="1">
+            <a:off x="5493558" y="437008"/>
+            <a:ext cx="4761038" cy="4006"/>
+          </a:xfrm>
+          <a:prstGeom prst="line">
+            <a:avLst/>
+          </a:prstGeom>
+          <a:ln w="28575">
+            <a:solidFill>
+              <a:schemeClr val="bg1">
+                <a:lumMod val="50000"/>
+              </a:schemeClr>
+            </a:solidFill>
+            <a:prstDash val="sysDot"/>
+            <a:headEnd type="none" w="med" len="med"/>
+            <a:tailEnd type="none" w="med" len="med"/>
+          </a:ln>
+        </p:spPr>
+        <p:style>
+          <a:lnRef idx="1">
+            <a:schemeClr val="accent1"/>
+          </a:lnRef>
+          <a:fillRef idx="0">
+            <a:schemeClr val="accent1"/>
+          </a:fillRef>
+          <a:effectRef idx="0">
+            <a:schemeClr val="accent1"/>
+          </a:effectRef>
+          <a:fontRef idx="minor">
+            <a:schemeClr val="tx1"/>
+          </a:fontRef>
+        </p:style>
+      </p:cxnSp>
+    </p:spTree>
+    <p:extLst>
+      <p:ext uri="{BB962C8B-B14F-4D97-AF65-F5344CB8AC3E}">
+        <p14:creationId xmlns:p14="http://schemas.microsoft.com/office/powerpoint/2010/main" val="724729468"/>
+      </p:ext>
+    </p:extLst>
+  </p:cSld>
+  <p:clrMapOvr>
+    <a:masterClrMapping/>
+  </p:clrMapOvr>
+</p:sld>
+</file>
+
+<file path=ppt/slides/slide3.xml><?xml version="1.0" encoding="utf-8"?>
+<p:sld xmlns:a="http://schemas.openxmlformats.org/drawingml/2006/main" xmlns:r="http://schemas.openxmlformats.org/officeDocument/2006/relationships" xmlns:p="http://schemas.openxmlformats.org/presentationml/2006/main">
+  <p:cSld>
+    <p:spTree>
+      <p:nvGrpSpPr>
+        <p:cNvPr id="1" name=""/>
+        <p:cNvGrpSpPr/>
+        <p:nvPr/>
+      </p:nvGrpSpPr>
+      <p:grpSpPr>
+        <a:xfrm>
+          <a:off x="0" y="0"/>
+          <a:ext cx="0" cy="0"/>
+          <a:chOff x="0" y="0"/>
+          <a:chExt cx="0" cy="0"/>
+        </a:xfrm>
+      </p:grpSpPr>
       <p:grpSp>
         <p:nvGrpSpPr>
           <p:cNvPr id="66" name="Group 65"/>
@@ -7955,6 +9778,923 @@
           </p:txBody>
         </p:sp>
       </p:grpSp>
+      <p:cxnSp>
+        <p:nvCxnSpPr>
+          <p:cNvPr id="114" name="Straight Arrow Connector 113"/>
+          <p:cNvCxnSpPr/>
+          <p:nvPr/>
+        </p:nvCxnSpPr>
+        <p:spPr>
+          <a:xfrm flipV="1">
+            <a:off x="10792969" y="2943572"/>
+            <a:ext cx="0" cy="2016364"/>
+          </a:xfrm>
+          <a:prstGeom prst="straightConnector1">
+            <a:avLst/>
+          </a:prstGeom>
+          <a:ln w="38100">
+            <a:solidFill>
+              <a:schemeClr val="bg1">
+                <a:lumMod val="50000"/>
+              </a:schemeClr>
+            </a:solidFill>
+            <a:tailEnd type="triangle"/>
+          </a:ln>
+        </p:spPr>
+        <p:style>
+          <a:lnRef idx="1">
+            <a:schemeClr val="accent1"/>
+          </a:lnRef>
+          <a:fillRef idx="0">
+            <a:schemeClr val="accent1"/>
+          </a:fillRef>
+          <a:effectRef idx="0">
+            <a:schemeClr val="accent1"/>
+          </a:effectRef>
+          <a:fontRef idx="minor">
+            <a:schemeClr val="tx1"/>
+          </a:fontRef>
+        </p:style>
+      </p:cxnSp>
+      <p:sp>
+        <p:nvSpPr>
+          <p:cNvPr id="115" name="Rectangle 114"/>
+          <p:cNvSpPr/>
+          <p:nvPr/>
+        </p:nvSpPr>
+        <p:spPr>
+          <a:xfrm>
+            <a:off x="10902247" y="4695221"/>
+            <a:ext cx="154172" cy="254082"/>
+          </a:xfrm>
+          <a:prstGeom prst="rect">
+            <a:avLst/>
+          </a:prstGeom>
+          <a:solidFill>
+            <a:srgbClr val="00B0F0"/>
+          </a:solidFill>
+          <a:ln w="38100">
+            <a:solidFill>
+              <a:srgbClr val="00B0F0"/>
+            </a:solidFill>
+          </a:ln>
+        </p:spPr>
+        <p:style>
+          <a:lnRef idx="2">
+            <a:schemeClr val="accent1">
+              <a:shade val="50000"/>
+            </a:schemeClr>
+          </a:lnRef>
+          <a:fillRef idx="1">
+            <a:schemeClr val="accent1"/>
+          </a:fillRef>
+          <a:effectRef idx="0">
+            <a:schemeClr val="accent1"/>
+          </a:effectRef>
+          <a:fontRef idx="minor">
+            <a:schemeClr val="lt1"/>
+          </a:fontRef>
+        </p:style>
+        <p:txBody>
+          <a:bodyPr rtlCol="0" anchor="ctr"/>
+          <a:lstStyle/>
+          <a:p>
+            <a:pPr algn="ctr"/>
+            <a:endParaRPr lang="en-US" smtClean="0">
+              <a:solidFill>
+                <a:schemeClr val="bg1">
+                  <a:lumMod val="50000"/>
+                </a:schemeClr>
+              </a:solidFill>
+              <a:latin typeface="Raleway" charset="0"/>
+              <a:ea typeface="Raleway" charset="0"/>
+              <a:cs typeface="Raleway" charset="0"/>
+            </a:endParaRPr>
+          </a:p>
+        </p:txBody>
+      </p:sp>
+      <p:sp>
+        <p:nvSpPr>
+          <p:cNvPr id="116" name="Rectangle 115"/>
+          <p:cNvSpPr/>
+          <p:nvPr/>
+        </p:nvSpPr>
+        <p:spPr>
+          <a:xfrm>
+            <a:off x="11229561" y="4695221"/>
+            <a:ext cx="154172" cy="254082"/>
+          </a:xfrm>
+          <a:prstGeom prst="rect">
+            <a:avLst/>
+          </a:prstGeom>
+          <a:solidFill>
+            <a:srgbClr val="00B0F0"/>
+          </a:solidFill>
+          <a:ln w="38100">
+            <a:solidFill>
+              <a:srgbClr val="00B0F0"/>
+            </a:solidFill>
+          </a:ln>
+        </p:spPr>
+        <p:style>
+          <a:lnRef idx="2">
+            <a:schemeClr val="accent1">
+              <a:shade val="50000"/>
+            </a:schemeClr>
+          </a:lnRef>
+          <a:fillRef idx="1">
+            <a:schemeClr val="accent1"/>
+          </a:fillRef>
+          <a:effectRef idx="0">
+            <a:schemeClr val="accent1"/>
+          </a:effectRef>
+          <a:fontRef idx="minor">
+            <a:schemeClr val="lt1"/>
+          </a:fontRef>
+        </p:style>
+        <p:txBody>
+          <a:bodyPr rtlCol="0" anchor="ctr"/>
+          <a:lstStyle/>
+          <a:p>
+            <a:pPr algn="ctr"/>
+            <a:endParaRPr lang="en-US" smtClean="0">
+              <a:solidFill>
+                <a:schemeClr val="bg1">
+                  <a:lumMod val="50000"/>
+                </a:schemeClr>
+              </a:solidFill>
+              <a:latin typeface="Raleway" charset="0"/>
+              <a:ea typeface="Raleway" charset="0"/>
+              <a:cs typeface="Raleway" charset="0"/>
+            </a:endParaRPr>
+          </a:p>
+        </p:txBody>
+      </p:sp>
+      <p:sp>
+        <p:nvSpPr>
+          <p:cNvPr id="117" name="Rectangle 116"/>
+          <p:cNvSpPr/>
+          <p:nvPr/>
+        </p:nvSpPr>
+        <p:spPr>
+          <a:xfrm>
+            <a:off x="11541567" y="4695221"/>
+            <a:ext cx="154172" cy="254082"/>
+          </a:xfrm>
+          <a:prstGeom prst="rect">
+            <a:avLst/>
+          </a:prstGeom>
+          <a:solidFill>
+            <a:srgbClr val="00B0F0"/>
+          </a:solidFill>
+          <a:ln w="38100">
+            <a:solidFill>
+              <a:srgbClr val="00B0F0"/>
+            </a:solidFill>
+          </a:ln>
+        </p:spPr>
+        <p:style>
+          <a:lnRef idx="2">
+            <a:schemeClr val="accent1">
+              <a:shade val="50000"/>
+            </a:schemeClr>
+          </a:lnRef>
+          <a:fillRef idx="1">
+            <a:schemeClr val="accent1"/>
+          </a:fillRef>
+          <a:effectRef idx="0">
+            <a:schemeClr val="accent1"/>
+          </a:effectRef>
+          <a:fontRef idx="minor">
+            <a:schemeClr val="lt1"/>
+          </a:fontRef>
+        </p:style>
+        <p:txBody>
+          <a:bodyPr rtlCol="0" anchor="ctr"/>
+          <a:lstStyle/>
+          <a:p>
+            <a:pPr algn="ctr"/>
+            <a:endParaRPr lang="en-US" smtClean="0">
+              <a:solidFill>
+                <a:schemeClr val="bg1">
+                  <a:lumMod val="50000"/>
+                </a:schemeClr>
+              </a:solidFill>
+              <a:latin typeface="Raleway" charset="0"/>
+              <a:ea typeface="Raleway" charset="0"/>
+              <a:cs typeface="Raleway" charset="0"/>
+            </a:endParaRPr>
+          </a:p>
+        </p:txBody>
+      </p:sp>
+      <p:sp>
+        <p:nvSpPr>
+          <p:cNvPr id="119" name="Rectangle 118"/>
+          <p:cNvSpPr/>
+          <p:nvPr/>
+        </p:nvSpPr>
+        <p:spPr>
+          <a:xfrm>
+            <a:off x="12208758" y="3917299"/>
+            <a:ext cx="154172" cy="1032004"/>
+          </a:xfrm>
+          <a:prstGeom prst="rect">
+            <a:avLst/>
+          </a:prstGeom>
+          <a:solidFill>
+            <a:srgbClr val="00B0F0"/>
+          </a:solidFill>
+          <a:ln w="38100">
+            <a:solidFill>
+              <a:srgbClr val="00B0F0"/>
+            </a:solidFill>
+          </a:ln>
+        </p:spPr>
+        <p:style>
+          <a:lnRef idx="2">
+            <a:schemeClr val="accent1">
+              <a:shade val="50000"/>
+            </a:schemeClr>
+          </a:lnRef>
+          <a:fillRef idx="1">
+            <a:schemeClr val="accent1"/>
+          </a:fillRef>
+          <a:effectRef idx="0">
+            <a:schemeClr val="accent1"/>
+          </a:effectRef>
+          <a:fontRef idx="minor">
+            <a:schemeClr val="lt1"/>
+          </a:fontRef>
+        </p:style>
+        <p:txBody>
+          <a:bodyPr rtlCol="0" anchor="ctr"/>
+          <a:lstStyle/>
+          <a:p>
+            <a:pPr algn="ctr"/>
+            <a:endParaRPr lang="en-US" smtClean="0">
+              <a:solidFill>
+                <a:schemeClr val="bg1">
+                  <a:lumMod val="50000"/>
+                </a:schemeClr>
+              </a:solidFill>
+              <a:latin typeface="Raleway" charset="0"/>
+              <a:ea typeface="Raleway" charset="0"/>
+              <a:cs typeface="Raleway" charset="0"/>
+            </a:endParaRPr>
+          </a:p>
+        </p:txBody>
+      </p:sp>
+      <p:sp>
+        <p:nvSpPr>
+          <p:cNvPr id="120" name="Rectangle 119"/>
+          <p:cNvSpPr/>
+          <p:nvPr/>
+        </p:nvSpPr>
+        <p:spPr>
+          <a:xfrm>
+            <a:off x="12578508" y="4040129"/>
+            <a:ext cx="154172" cy="909174"/>
+          </a:xfrm>
+          <a:prstGeom prst="rect">
+            <a:avLst/>
+          </a:prstGeom>
+          <a:solidFill>
+            <a:srgbClr val="00B0F0"/>
+          </a:solidFill>
+          <a:ln w="38100">
+            <a:solidFill>
+              <a:srgbClr val="00B0F0"/>
+            </a:solidFill>
+          </a:ln>
+        </p:spPr>
+        <p:style>
+          <a:lnRef idx="2">
+            <a:schemeClr val="accent1">
+              <a:shade val="50000"/>
+            </a:schemeClr>
+          </a:lnRef>
+          <a:fillRef idx="1">
+            <a:schemeClr val="accent1"/>
+          </a:fillRef>
+          <a:effectRef idx="0">
+            <a:schemeClr val="accent1"/>
+          </a:effectRef>
+          <a:fontRef idx="minor">
+            <a:schemeClr val="lt1"/>
+          </a:fontRef>
+        </p:style>
+        <p:txBody>
+          <a:bodyPr rtlCol="0" anchor="ctr"/>
+          <a:lstStyle/>
+          <a:p>
+            <a:pPr algn="ctr"/>
+            <a:endParaRPr lang="en-US" smtClean="0">
+              <a:solidFill>
+                <a:schemeClr val="bg1">
+                  <a:lumMod val="50000"/>
+                </a:schemeClr>
+              </a:solidFill>
+              <a:latin typeface="Raleway" charset="0"/>
+              <a:ea typeface="Raleway" charset="0"/>
+              <a:cs typeface="Raleway" charset="0"/>
+            </a:endParaRPr>
+          </a:p>
+        </p:txBody>
+      </p:sp>
+      <p:sp>
+        <p:nvSpPr>
+          <p:cNvPr id="121" name="Rectangle 120"/>
+          <p:cNvSpPr/>
+          <p:nvPr/>
+        </p:nvSpPr>
+        <p:spPr>
+          <a:xfrm>
+            <a:off x="12902132" y="3680737"/>
+            <a:ext cx="154172" cy="1268565"/>
+          </a:xfrm>
+          <a:prstGeom prst="rect">
+            <a:avLst/>
+          </a:prstGeom>
+          <a:solidFill>
+            <a:srgbClr val="00B0F0"/>
+          </a:solidFill>
+          <a:ln w="38100">
+            <a:solidFill>
+              <a:srgbClr val="00B0F0"/>
+            </a:solidFill>
+          </a:ln>
+        </p:spPr>
+        <p:style>
+          <a:lnRef idx="2">
+            <a:schemeClr val="accent1">
+              <a:shade val="50000"/>
+            </a:schemeClr>
+          </a:lnRef>
+          <a:fillRef idx="1">
+            <a:schemeClr val="accent1"/>
+          </a:fillRef>
+          <a:effectRef idx="0">
+            <a:schemeClr val="accent1"/>
+          </a:effectRef>
+          <a:fontRef idx="minor">
+            <a:schemeClr val="lt1"/>
+          </a:fontRef>
+        </p:style>
+        <p:txBody>
+          <a:bodyPr rtlCol="0" anchor="ctr"/>
+          <a:lstStyle/>
+          <a:p>
+            <a:pPr algn="ctr"/>
+            <a:endParaRPr lang="en-US" smtClean="0">
+              <a:solidFill>
+                <a:schemeClr val="bg1">
+                  <a:lumMod val="50000"/>
+                </a:schemeClr>
+              </a:solidFill>
+              <a:latin typeface="Raleway" charset="0"/>
+              <a:ea typeface="Raleway" charset="0"/>
+              <a:cs typeface="Raleway" charset="0"/>
+            </a:endParaRPr>
+          </a:p>
+        </p:txBody>
+      </p:sp>
+      <p:cxnSp>
+        <p:nvCxnSpPr>
+          <p:cNvPr id="122" name="Straight Arrow Connector 121"/>
+          <p:cNvCxnSpPr/>
+          <p:nvPr/>
+        </p:nvCxnSpPr>
+        <p:spPr>
+          <a:xfrm>
+            <a:off x="10782337" y="4949304"/>
+            <a:ext cx="2468880" cy="0"/>
+          </a:xfrm>
+          <a:prstGeom prst="straightConnector1">
+            <a:avLst/>
+          </a:prstGeom>
+          <a:ln w="38100">
+            <a:solidFill>
+              <a:schemeClr val="bg1">
+                <a:lumMod val="50000"/>
+              </a:schemeClr>
+            </a:solidFill>
+            <a:tailEnd type="triangle"/>
+          </a:ln>
+        </p:spPr>
+        <p:style>
+          <a:lnRef idx="1">
+            <a:schemeClr val="accent1"/>
+          </a:lnRef>
+          <a:fillRef idx="0">
+            <a:schemeClr val="accent1"/>
+          </a:fillRef>
+          <a:effectRef idx="0">
+            <a:schemeClr val="accent1"/>
+          </a:effectRef>
+          <a:fontRef idx="minor">
+            <a:schemeClr val="tx1"/>
+          </a:fontRef>
+        </p:style>
+      </p:cxnSp>
+      <p:sp>
+        <p:nvSpPr>
+          <p:cNvPr id="123" name="TextBox 122"/>
+          <p:cNvSpPr txBox="1"/>
+          <p:nvPr/>
+        </p:nvSpPr>
+        <p:spPr>
+          <a:xfrm>
+            <a:off x="10849302" y="4970568"/>
+            <a:ext cx="284052" cy="369332"/>
+          </a:xfrm>
+          <a:prstGeom prst="rect">
+            <a:avLst/>
+          </a:prstGeom>
+          <a:noFill/>
+        </p:spPr>
+        <p:txBody>
+          <a:bodyPr wrap="none" rtlCol="0" anchor="t">
+            <a:spAutoFit/>
+          </a:bodyPr>
+          <a:lstStyle/>
+          <a:p>
+            <a:r>
+              <a:rPr lang="en-US" dirty="0" smtClean="0">
+                <a:latin typeface="Arvo" charset="0"/>
+                <a:ea typeface="Arvo" charset="0"/>
+                <a:cs typeface="Arvo" charset="0"/>
+              </a:rPr>
+              <a:t>1</a:t>
+            </a:r>
+          </a:p>
+        </p:txBody>
+      </p:sp>
+      <p:sp>
+        <p:nvSpPr>
+          <p:cNvPr id="124" name="TextBox 123"/>
+          <p:cNvSpPr txBox="1"/>
+          <p:nvPr/>
+        </p:nvSpPr>
+        <p:spPr>
+          <a:xfrm>
+            <a:off x="11154079" y="4970568"/>
+            <a:ext cx="308098" cy="369332"/>
+          </a:xfrm>
+          <a:prstGeom prst="rect">
+            <a:avLst/>
+          </a:prstGeom>
+          <a:noFill/>
+        </p:spPr>
+        <p:txBody>
+          <a:bodyPr wrap="none" rtlCol="0" anchor="t">
+            <a:spAutoFit/>
+          </a:bodyPr>
+          <a:lstStyle/>
+          <a:p>
+            <a:r>
+              <a:rPr lang="en-US" dirty="0" smtClean="0">
+                <a:latin typeface="Arvo" charset="0"/>
+                <a:ea typeface="Arvo" charset="0"/>
+                <a:cs typeface="Arvo" charset="0"/>
+              </a:rPr>
+              <a:t>2</a:t>
+            </a:r>
+          </a:p>
+        </p:txBody>
+      </p:sp>
+      <p:sp>
+        <p:nvSpPr>
+          <p:cNvPr id="125" name="TextBox 124"/>
+          <p:cNvSpPr txBox="1"/>
+          <p:nvPr/>
+        </p:nvSpPr>
+        <p:spPr>
+          <a:xfrm>
+            <a:off x="12116502" y="4970568"/>
+            <a:ext cx="357790" cy="369332"/>
+          </a:xfrm>
+          <a:prstGeom prst="rect">
+            <a:avLst/>
+          </a:prstGeom>
+          <a:noFill/>
+        </p:spPr>
+        <p:txBody>
+          <a:bodyPr wrap="none" rtlCol="0" anchor="t">
+            <a:spAutoFit/>
+          </a:bodyPr>
+          <a:lstStyle/>
+          <a:p>
+            <a:r>
+              <a:rPr lang="en-US" dirty="0" smtClean="0">
+                <a:latin typeface="Arvo" charset="0"/>
+                <a:ea typeface="Arvo" charset="0"/>
+                <a:cs typeface="Arvo" charset="0"/>
+              </a:rPr>
+              <a:t>A</a:t>
+            </a:r>
+          </a:p>
+        </p:txBody>
+      </p:sp>
+      <p:sp>
+        <p:nvSpPr>
+          <p:cNvPr id="126" name="TextBox 125"/>
+          <p:cNvSpPr txBox="1"/>
+          <p:nvPr/>
+        </p:nvSpPr>
+        <p:spPr>
+          <a:xfrm>
+            <a:off x="11473284" y="4970568"/>
+            <a:ext cx="308098" cy="369332"/>
+          </a:xfrm>
+          <a:prstGeom prst="rect">
+            <a:avLst/>
+          </a:prstGeom>
+          <a:noFill/>
+        </p:spPr>
+        <p:txBody>
+          <a:bodyPr wrap="none" rtlCol="0" anchor="t">
+            <a:spAutoFit/>
+          </a:bodyPr>
+          <a:lstStyle/>
+          <a:p>
+            <a:r>
+              <a:rPr lang="en-US" dirty="0" smtClean="0">
+                <a:latin typeface="Arvo" charset="0"/>
+                <a:ea typeface="Arvo" charset="0"/>
+                <a:cs typeface="Arvo" charset="0"/>
+              </a:rPr>
+              <a:t>3</a:t>
+            </a:r>
+          </a:p>
+        </p:txBody>
+      </p:sp>
+      <p:sp>
+        <p:nvSpPr>
+          <p:cNvPr id="127" name="TextBox 126"/>
+          <p:cNvSpPr txBox="1"/>
+          <p:nvPr/>
+        </p:nvSpPr>
+        <p:spPr>
+          <a:xfrm>
+            <a:off x="11794091" y="4970568"/>
+            <a:ext cx="325730" cy="369332"/>
+          </a:xfrm>
+          <a:prstGeom prst="rect">
+            <a:avLst/>
+          </a:prstGeom>
+          <a:noFill/>
+        </p:spPr>
+        <p:txBody>
+          <a:bodyPr wrap="none" rtlCol="0" anchor="t">
+            <a:spAutoFit/>
+          </a:bodyPr>
+          <a:lstStyle/>
+          <a:p>
+            <a:r>
+              <a:rPr lang="en-US" dirty="0" smtClean="0">
+                <a:latin typeface="Arvo" charset="0"/>
+                <a:ea typeface="Arvo" charset="0"/>
+                <a:cs typeface="Arvo" charset="0"/>
+              </a:rPr>
+              <a:t>4</a:t>
+            </a:r>
+          </a:p>
+        </p:txBody>
+      </p:sp>
+      <p:sp>
+        <p:nvSpPr>
+          <p:cNvPr id="128" name="TextBox 127"/>
+          <p:cNvSpPr txBox="1"/>
+          <p:nvPr/>
+        </p:nvSpPr>
+        <p:spPr>
+          <a:xfrm>
+            <a:off x="12459751" y="4970568"/>
+            <a:ext cx="338554" cy="369332"/>
+          </a:xfrm>
+          <a:prstGeom prst="rect">
+            <a:avLst/>
+          </a:prstGeom>
+          <a:noFill/>
+        </p:spPr>
+        <p:txBody>
+          <a:bodyPr wrap="none" rtlCol="0" anchor="t">
+            <a:spAutoFit/>
+          </a:bodyPr>
+          <a:lstStyle/>
+          <a:p>
+            <a:r>
+              <a:rPr lang="en-US" dirty="0" smtClean="0">
+                <a:latin typeface="Arvo" charset="0"/>
+                <a:ea typeface="Arvo" charset="0"/>
+                <a:cs typeface="Arvo" charset="0"/>
+              </a:rPr>
+              <a:t>B</a:t>
+            </a:r>
+          </a:p>
+        </p:txBody>
+      </p:sp>
+      <p:sp>
+        <p:nvSpPr>
+          <p:cNvPr id="129" name="TextBox 128"/>
+          <p:cNvSpPr txBox="1"/>
+          <p:nvPr/>
+        </p:nvSpPr>
+        <p:spPr>
+          <a:xfrm>
+            <a:off x="12801400" y="4970568"/>
+            <a:ext cx="354584" cy="369332"/>
+          </a:xfrm>
+          <a:prstGeom prst="rect">
+            <a:avLst/>
+          </a:prstGeom>
+          <a:noFill/>
+        </p:spPr>
+        <p:txBody>
+          <a:bodyPr wrap="none" rtlCol="0" anchor="t">
+            <a:spAutoFit/>
+          </a:bodyPr>
+          <a:lstStyle/>
+          <a:p>
+            <a:r>
+              <a:rPr lang="en-US" dirty="0" smtClean="0">
+                <a:latin typeface="Arvo" charset="0"/>
+                <a:ea typeface="Arvo" charset="0"/>
+                <a:cs typeface="Arvo" charset="0"/>
+              </a:rPr>
+              <a:t>C</a:t>
+            </a:r>
+          </a:p>
+        </p:txBody>
+      </p:sp>
+      <p:cxnSp>
+        <p:nvCxnSpPr>
+          <p:cNvPr id="132" name="Straight Arrow Connector 131"/>
+          <p:cNvCxnSpPr/>
+          <p:nvPr/>
+        </p:nvCxnSpPr>
+        <p:spPr>
+          <a:xfrm flipH="1">
+            <a:off x="12133849" y="1236144"/>
+            <a:ext cx="0" cy="1054608"/>
+          </a:xfrm>
+          <a:prstGeom prst="straightConnector1">
+            <a:avLst/>
+          </a:prstGeom>
+          <a:ln w="28575">
+            <a:solidFill>
+              <a:schemeClr val="bg1">
+                <a:lumMod val="50000"/>
+              </a:schemeClr>
+            </a:solidFill>
+            <a:prstDash val="sysDash"/>
+            <a:headEnd type="none" w="med" len="med"/>
+            <a:tailEnd type="triangle"/>
+          </a:ln>
+        </p:spPr>
+        <p:style>
+          <a:lnRef idx="1">
+            <a:schemeClr val="accent1"/>
+          </a:lnRef>
+          <a:fillRef idx="0">
+            <a:schemeClr val="accent1"/>
+          </a:fillRef>
+          <a:effectRef idx="0">
+            <a:schemeClr val="accent1"/>
+          </a:effectRef>
+          <a:fontRef idx="minor">
+            <a:schemeClr val="tx1"/>
+          </a:fontRef>
+        </p:style>
+      </p:cxnSp>
+      <p:grpSp>
+        <p:nvGrpSpPr>
+          <p:cNvPr id="133" name="Group 132"/>
+          <p:cNvGrpSpPr/>
+          <p:nvPr/>
+        </p:nvGrpSpPr>
+        <p:grpSpPr>
+          <a:xfrm>
+            <a:off x="10538850" y="5576328"/>
+            <a:ext cx="2955855" cy="655621"/>
+            <a:chOff x="9157590" y="5797483"/>
+            <a:chExt cx="2955855" cy="655621"/>
+          </a:xfrm>
+        </p:grpSpPr>
+        <p:sp>
+          <p:nvSpPr>
+            <p:cNvPr id="134" name="TextBox 133"/>
+            <p:cNvSpPr txBox="1"/>
+            <p:nvPr/>
+          </p:nvSpPr>
+          <p:spPr>
+            <a:xfrm>
+              <a:off x="9157590" y="5797483"/>
+              <a:ext cx="453970" cy="369332"/>
+            </a:xfrm>
+            <a:prstGeom prst="rect">
+              <a:avLst/>
+            </a:prstGeom>
+            <a:noFill/>
+          </p:spPr>
+          <p:txBody>
+            <a:bodyPr wrap="none" rtlCol="0">
+              <a:spAutoFit/>
+            </a:bodyPr>
+            <a:lstStyle/>
+            <a:p>
+              <a:r>
+                <a:rPr lang="en-US" dirty="0" smtClean="0">
+                  <a:latin typeface="Tinos" charset="0"/>
+                  <a:ea typeface="Tinos" charset="0"/>
+                  <a:cs typeface="Tinos" charset="0"/>
+                </a:rPr>
+                <a:t>(d)</a:t>
+              </a:r>
+              <a:endParaRPr lang="en-US" dirty="0" smtClean="0">
+                <a:latin typeface="Tinos" charset="0"/>
+                <a:ea typeface="Tinos" charset="0"/>
+                <a:cs typeface="Tinos" charset="0"/>
+              </a:endParaRPr>
+            </a:p>
+          </p:txBody>
+        </p:sp>
+        <p:sp>
+          <p:nvSpPr>
+            <p:cNvPr id="135" name="TextBox 134"/>
+            <p:cNvSpPr txBox="1"/>
+            <p:nvPr/>
+          </p:nvSpPr>
+          <p:spPr>
+            <a:xfrm>
+              <a:off x="9523199" y="5806773"/>
+              <a:ext cx="2590246" cy="646331"/>
+            </a:xfrm>
+            <a:prstGeom prst="rect">
+              <a:avLst/>
+            </a:prstGeom>
+            <a:noFill/>
+          </p:spPr>
+          <p:txBody>
+            <a:bodyPr wrap="square" rtlCol="0">
+              <a:spAutoFit/>
+            </a:bodyPr>
+            <a:lstStyle/>
+            <a:p>
+              <a:r>
+                <a:rPr lang="en-US" dirty="0" smtClean="0">
+                  <a:latin typeface="Tinos" charset="0"/>
+                  <a:ea typeface="Tinos" charset="0"/>
+                  <a:cs typeface="Tinos" charset="0"/>
+                </a:rPr>
+                <a:t>Drag a region that values should fall within</a:t>
+              </a:r>
+              <a:endParaRPr lang="en-US" dirty="0">
+                <a:latin typeface="Tinos" charset="0"/>
+                <a:ea typeface="Tinos" charset="0"/>
+                <a:cs typeface="Tinos" charset="0"/>
+              </a:endParaRPr>
+            </a:p>
+          </p:txBody>
+        </p:sp>
+      </p:grpSp>
+      <p:sp>
+        <p:nvSpPr>
+          <p:cNvPr id="136" name="Rectangle 135"/>
+          <p:cNvSpPr/>
+          <p:nvPr/>
+        </p:nvSpPr>
+        <p:spPr>
+          <a:xfrm>
+            <a:off x="11842263" y="3382318"/>
+            <a:ext cx="154172" cy="1566985"/>
+          </a:xfrm>
+          <a:prstGeom prst="rect">
+            <a:avLst/>
+          </a:prstGeom>
+          <a:solidFill>
+            <a:srgbClr val="00B0F0"/>
+          </a:solidFill>
+          <a:ln w="38100">
+            <a:solidFill>
+              <a:srgbClr val="00B0F0"/>
+            </a:solidFill>
+          </a:ln>
+        </p:spPr>
+        <p:style>
+          <a:lnRef idx="2">
+            <a:schemeClr val="accent1">
+              <a:shade val="50000"/>
+            </a:schemeClr>
+          </a:lnRef>
+          <a:fillRef idx="1">
+            <a:schemeClr val="accent1"/>
+          </a:fillRef>
+          <a:effectRef idx="0">
+            <a:schemeClr val="accent1"/>
+          </a:effectRef>
+          <a:fontRef idx="minor">
+            <a:schemeClr val="lt1"/>
+          </a:fontRef>
+        </p:style>
+        <p:txBody>
+          <a:bodyPr rtlCol="0" anchor="ctr"/>
+          <a:lstStyle/>
+          <a:p>
+            <a:pPr algn="ctr"/>
+            <a:endParaRPr lang="en-US" smtClean="0">
+              <a:solidFill>
+                <a:schemeClr val="bg1">
+                  <a:lumMod val="50000"/>
+                </a:schemeClr>
+              </a:solidFill>
+              <a:latin typeface="Raleway" charset="0"/>
+              <a:ea typeface="Raleway" charset="0"/>
+              <a:cs typeface="Raleway" charset="0"/>
+            </a:endParaRPr>
+          </a:p>
+        </p:txBody>
+      </p:sp>
+      <p:sp>
+        <p:nvSpPr>
+          <p:cNvPr id="137" name="Rectangle 136"/>
+          <p:cNvSpPr/>
+          <p:nvPr/>
+        </p:nvSpPr>
+        <p:spPr>
+          <a:xfrm>
+            <a:off x="10849301" y="3581362"/>
+            <a:ext cx="2401915" cy="912119"/>
+          </a:xfrm>
+          <a:prstGeom prst="rect">
+            <a:avLst/>
+          </a:prstGeom>
+          <a:noFill/>
+          <a:ln w="38100">
+            <a:solidFill>
+              <a:srgbClr val="FF0000"/>
+            </a:solidFill>
+            <a:prstDash val="sysDash"/>
+          </a:ln>
+        </p:spPr>
+        <p:style>
+          <a:lnRef idx="2">
+            <a:schemeClr val="accent1">
+              <a:shade val="50000"/>
+            </a:schemeClr>
+          </a:lnRef>
+          <a:fillRef idx="1">
+            <a:schemeClr val="accent1"/>
+          </a:fillRef>
+          <a:effectRef idx="0">
+            <a:schemeClr val="accent1"/>
+          </a:effectRef>
+          <a:fontRef idx="minor">
+            <a:schemeClr val="lt1"/>
+          </a:fontRef>
+        </p:style>
+        <p:txBody>
+          <a:bodyPr rtlCol="0" anchor="ctr"/>
+          <a:lstStyle/>
+          <a:p>
+            <a:pPr algn="ctr"/>
+            <a:endParaRPr lang="en-US" smtClean="0">
+              <a:solidFill>
+                <a:schemeClr val="bg1">
+                  <a:lumMod val="50000"/>
+                </a:schemeClr>
+              </a:solidFill>
+              <a:latin typeface="Raleway" charset="0"/>
+              <a:ea typeface="Raleway" charset="0"/>
+              <a:cs typeface="Raleway" charset="0"/>
+            </a:endParaRPr>
+          </a:p>
+        </p:txBody>
+      </p:sp>
+      <p:pic>
+        <p:nvPicPr>
+          <p:cNvPr id="130" name="Picture 129"/>
+          <p:cNvPicPr>
+            <a:picLocks noChangeAspect="1"/>
+          </p:cNvPicPr>
+          <p:nvPr/>
+        </p:nvPicPr>
+        <p:blipFill>
+          <a:blip r:embed="rId3"/>
+          <a:stretch>
+            <a:fillRect/>
+          </a:stretch>
+        </p:blipFill>
+        <p:spPr>
+          <a:xfrm rot="18905204">
+            <a:off x="13061438" y="4305164"/>
+            <a:ext cx="347847" cy="347847"/>
+          </a:xfrm>
+          <a:prstGeom prst="rect">
+            <a:avLst/>
+          </a:prstGeom>
+        </p:spPr>
+      </p:pic>
     </p:spTree>
     <p:extLst>
       <p:ext uri="{BB962C8B-B14F-4D97-AF65-F5344CB8AC3E}">
@@ -7968,7 +10708,5383 @@
 </p:sld>
 </file>
 
-<file path=ppt/slides/slide3.xml><?xml version="1.0" encoding="utf-8"?>
+<file path=ppt/slides/slide4.xml><?xml version="1.0" encoding="utf-8"?>
+<p:sld xmlns:a="http://schemas.openxmlformats.org/drawingml/2006/main" xmlns:r="http://schemas.openxmlformats.org/officeDocument/2006/relationships" xmlns:p="http://schemas.openxmlformats.org/presentationml/2006/main">
+  <p:cSld>
+    <p:spTree>
+      <p:nvGrpSpPr>
+        <p:cNvPr id="1" name=""/>
+        <p:cNvGrpSpPr/>
+        <p:nvPr/>
+      </p:nvGrpSpPr>
+      <p:grpSpPr>
+        <a:xfrm>
+          <a:off x="0" y="0"/>
+          <a:ext cx="0" cy="0"/>
+          <a:chOff x="0" y="0"/>
+          <a:chExt cx="0" cy="0"/>
+        </a:xfrm>
+      </p:grpSpPr>
+      <p:grpSp>
+        <p:nvGrpSpPr>
+          <p:cNvPr id="66" name="Group 65"/>
+          <p:cNvGrpSpPr/>
+          <p:nvPr/>
+        </p:nvGrpSpPr>
+        <p:grpSpPr>
+          <a:xfrm>
+            <a:off x="1946040" y="-158767"/>
+            <a:ext cx="2555158" cy="2238772"/>
+            <a:chOff x="5643962" y="3133646"/>
+            <a:chExt cx="2555158" cy="2238772"/>
+          </a:xfrm>
+        </p:grpSpPr>
+        <p:sp>
+          <p:nvSpPr>
+            <p:cNvPr id="57" name="Rectangle 56"/>
+            <p:cNvSpPr/>
+            <p:nvPr/>
+          </p:nvSpPr>
+          <p:spPr>
+            <a:xfrm>
+              <a:off x="5982195" y="3476805"/>
+              <a:ext cx="2216925" cy="417534"/>
+            </a:xfrm>
+            <a:prstGeom prst="rect">
+              <a:avLst/>
+            </a:prstGeom>
+            <a:solidFill>
+              <a:schemeClr val="bg1"/>
+            </a:solidFill>
+            <a:ln w="28575">
+              <a:solidFill>
+                <a:srgbClr val="FF0000"/>
+              </a:solidFill>
+            </a:ln>
+          </p:spPr>
+          <p:style>
+            <a:lnRef idx="2">
+              <a:schemeClr val="accent1">
+                <a:shade val="50000"/>
+              </a:schemeClr>
+            </a:lnRef>
+            <a:fillRef idx="1">
+              <a:schemeClr val="accent1"/>
+            </a:fillRef>
+            <a:effectRef idx="0">
+              <a:schemeClr val="accent1"/>
+            </a:effectRef>
+            <a:fontRef idx="minor">
+              <a:schemeClr val="lt1"/>
+            </a:fontRef>
+          </p:style>
+          <p:txBody>
+            <a:bodyPr rtlCol="0" anchor="ctr"/>
+            <a:lstStyle/>
+            <a:p>
+              <a:pPr algn="ctr"/>
+              <a:endParaRPr lang="en-US" sz="2400" dirty="0" smtClean="0">
+                <a:solidFill>
+                  <a:schemeClr val="bg1">
+                    <a:lumMod val="50000"/>
+                  </a:schemeClr>
+                </a:solidFill>
+                <a:latin typeface="Avenir Book" charset="0"/>
+                <a:ea typeface="Avenir Book" charset="0"/>
+                <a:cs typeface="Avenir Book" charset="0"/>
+              </a:endParaRPr>
+            </a:p>
+          </p:txBody>
+        </p:sp>
+        <p:sp>
+          <p:nvSpPr>
+            <p:cNvPr id="36" name="Rectangle 35"/>
+            <p:cNvSpPr/>
+            <p:nvPr/>
+          </p:nvSpPr>
+          <p:spPr>
+            <a:xfrm rot="5400000">
+              <a:off x="6734603" y="4312936"/>
+              <a:ext cx="154172" cy="254082"/>
+            </a:xfrm>
+            <a:prstGeom prst="rect">
+              <a:avLst/>
+            </a:prstGeom>
+            <a:solidFill>
+              <a:srgbClr val="00B0F0"/>
+            </a:solidFill>
+            <a:ln w="38100">
+              <a:solidFill>
+                <a:srgbClr val="00B0F0"/>
+              </a:solidFill>
+            </a:ln>
+          </p:spPr>
+          <p:style>
+            <a:lnRef idx="2">
+              <a:schemeClr val="accent1">
+                <a:shade val="50000"/>
+              </a:schemeClr>
+            </a:lnRef>
+            <a:fillRef idx="1">
+              <a:schemeClr val="accent1"/>
+            </a:fillRef>
+            <a:effectRef idx="0">
+              <a:schemeClr val="accent1"/>
+            </a:effectRef>
+            <a:fontRef idx="minor">
+              <a:schemeClr val="lt1"/>
+            </a:fontRef>
+          </p:style>
+          <p:txBody>
+            <a:bodyPr rtlCol="0" anchor="ctr"/>
+            <a:lstStyle/>
+            <a:p>
+              <a:pPr algn="ctr"/>
+              <a:endParaRPr lang="en-US" smtClean="0">
+                <a:solidFill>
+                  <a:schemeClr val="bg1">
+                    <a:lumMod val="50000"/>
+                  </a:schemeClr>
+                </a:solidFill>
+                <a:latin typeface="Raleway" charset="0"/>
+                <a:ea typeface="Raleway" charset="0"/>
+                <a:cs typeface="Raleway" charset="0"/>
+              </a:endParaRPr>
+            </a:p>
+          </p:txBody>
+        </p:sp>
+        <p:sp>
+          <p:nvSpPr>
+            <p:cNvPr id="37" name="Rectangle 36"/>
+            <p:cNvSpPr/>
+            <p:nvPr/>
+          </p:nvSpPr>
+          <p:spPr>
+            <a:xfrm rot="5400000">
+              <a:off x="6734603" y="4686824"/>
+              <a:ext cx="154172" cy="254082"/>
+            </a:xfrm>
+            <a:prstGeom prst="rect">
+              <a:avLst/>
+            </a:prstGeom>
+            <a:solidFill>
+              <a:srgbClr val="00B0F0"/>
+            </a:solidFill>
+            <a:ln w="38100">
+              <a:solidFill>
+                <a:srgbClr val="00B0F0"/>
+              </a:solidFill>
+            </a:ln>
+          </p:spPr>
+          <p:style>
+            <a:lnRef idx="2">
+              <a:schemeClr val="accent1">
+                <a:shade val="50000"/>
+              </a:schemeClr>
+            </a:lnRef>
+            <a:fillRef idx="1">
+              <a:schemeClr val="accent1"/>
+            </a:fillRef>
+            <a:effectRef idx="0">
+              <a:schemeClr val="accent1"/>
+            </a:effectRef>
+            <a:fontRef idx="minor">
+              <a:schemeClr val="lt1"/>
+            </a:fontRef>
+          </p:style>
+          <p:txBody>
+            <a:bodyPr rtlCol="0" anchor="ctr"/>
+            <a:lstStyle/>
+            <a:p>
+              <a:pPr algn="ctr"/>
+              <a:endParaRPr lang="en-US" smtClean="0">
+                <a:solidFill>
+                  <a:schemeClr val="bg1">
+                    <a:lumMod val="50000"/>
+                  </a:schemeClr>
+                </a:solidFill>
+                <a:latin typeface="Raleway" charset="0"/>
+                <a:ea typeface="Raleway" charset="0"/>
+                <a:cs typeface="Raleway" charset="0"/>
+              </a:endParaRPr>
+            </a:p>
+          </p:txBody>
+        </p:sp>
+        <p:sp>
+          <p:nvSpPr>
+            <p:cNvPr id="38" name="Rectangle 37"/>
+            <p:cNvSpPr/>
+            <p:nvPr/>
+          </p:nvSpPr>
+          <p:spPr>
+            <a:xfrm rot="5400000">
+              <a:off x="6734603" y="5060711"/>
+              <a:ext cx="154172" cy="254082"/>
+            </a:xfrm>
+            <a:prstGeom prst="rect">
+              <a:avLst/>
+            </a:prstGeom>
+            <a:solidFill>
+              <a:srgbClr val="00B0F0"/>
+            </a:solidFill>
+            <a:ln w="38100">
+              <a:solidFill>
+                <a:srgbClr val="00B0F0"/>
+              </a:solidFill>
+            </a:ln>
+          </p:spPr>
+          <p:style>
+            <a:lnRef idx="2">
+              <a:schemeClr val="accent1">
+                <a:shade val="50000"/>
+              </a:schemeClr>
+            </a:lnRef>
+            <a:fillRef idx="1">
+              <a:schemeClr val="accent1"/>
+            </a:fillRef>
+            <a:effectRef idx="0">
+              <a:schemeClr val="accent1"/>
+            </a:effectRef>
+            <a:fontRef idx="minor">
+              <a:schemeClr val="lt1"/>
+            </a:fontRef>
+          </p:style>
+          <p:txBody>
+            <a:bodyPr rtlCol="0" anchor="ctr"/>
+            <a:lstStyle/>
+            <a:p>
+              <a:pPr algn="ctr"/>
+              <a:endParaRPr lang="en-US" smtClean="0">
+                <a:solidFill>
+                  <a:schemeClr val="bg1">
+                    <a:lumMod val="50000"/>
+                  </a:schemeClr>
+                </a:solidFill>
+                <a:latin typeface="Raleway" charset="0"/>
+                <a:ea typeface="Raleway" charset="0"/>
+                <a:cs typeface="Raleway" charset="0"/>
+              </a:endParaRPr>
+            </a:p>
+          </p:txBody>
+        </p:sp>
+        <p:sp>
+          <p:nvSpPr>
+            <p:cNvPr id="39" name="Rectangle 38"/>
+            <p:cNvSpPr/>
+            <p:nvPr/>
+          </p:nvSpPr>
+          <p:spPr>
+            <a:xfrm rot="5400000">
+              <a:off x="7123564" y="3176199"/>
+              <a:ext cx="154172" cy="1032004"/>
+            </a:xfrm>
+            <a:prstGeom prst="rect">
+              <a:avLst/>
+            </a:prstGeom>
+            <a:solidFill>
+              <a:srgbClr val="00B0F0"/>
+            </a:solidFill>
+            <a:ln w="38100">
+              <a:solidFill>
+                <a:srgbClr val="00B0F0"/>
+              </a:solidFill>
+            </a:ln>
+          </p:spPr>
+          <p:style>
+            <a:lnRef idx="2">
+              <a:schemeClr val="accent1">
+                <a:shade val="50000"/>
+              </a:schemeClr>
+            </a:lnRef>
+            <a:fillRef idx="1">
+              <a:schemeClr val="accent1"/>
+            </a:fillRef>
+            <a:effectRef idx="0">
+              <a:schemeClr val="accent1"/>
+            </a:effectRef>
+            <a:fontRef idx="minor">
+              <a:schemeClr val="lt1"/>
+            </a:fontRef>
+          </p:style>
+          <p:txBody>
+            <a:bodyPr rtlCol="0" anchor="ctr"/>
+            <a:lstStyle/>
+            <a:p>
+              <a:pPr algn="ctr"/>
+              <a:endParaRPr lang="en-US" smtClean="0">
+                <a:solidFill>
+                  <a:schemeClr val="bg1">
+                    <a:lumMod val="50000"/>
+                  </a:schemeClr>
+                </a:solidFill>
+                <a:latin typeface="Raleway" charset="0"/>
+                <a:ea typeface="Raleway" charset="0"/>
+                <a:cs typeface="Raleway" charset="0"/>
+              </a:endParaRPr>
+            </a:p>
+          </p:txBody>
+        </p:sp>
+        <p:sp>
+          <p:nvSpPr>
+            <p:cNvPr id="40" name="Rectangle 39"/>
+            <p:cNvSpPr/>
+            <p:nvPr/>
+          </p:nvSpPr>
+          <p:spPr>
+            <a:xfrm rot="5400000">
+              <a:off x="7062149" y="3611502"/>
+              <a:ext cx="154172" cy="909174"/>
+            </a:xfrm>
+            <a:prstGeom prst="rect">
+              <a:avLst/>
+            </a:prstGeom>
+            <a:solidFill>
+              <a:srgbClr val="00B0F0"/>
+            </a:solidFill>
+            <a:ln w="38100">
+              <a:solidFill>
+                <a:srgbClr val="00B0F0"/>
+              </a:solidFill>
+            </a:ln>
+          </p:spPr>
+          <p:style>
+            <a:lnRef idx="2">
+              <a:schemeClr val="accent1">
+                <a:shade val="50000"/>
+              </a:schemeClr>
+            </a:lnRef>
+            <a:fillRef idx="1">
+              <a:schemeClr val="accent1"/>
+            </a:fillRef>
+            <a:effectRef idx="0">
+              <a:schemeClr val="accent1"/>
+            </a:effectRef>
+            <a:fontRef idx="minor">
+              <a:schemeClr val="lt1"/>
+            </a:fontRef>
+          </p:style>
+          <p:txBody>
+            <a:bodyPr rtlCol="0" anchor="ctr"/>
+            <a:lstStyle/>
+            <a:p>
+              <a:pPr algn="ctr"/>
+              <a:endParaRPr lang="en-US" smtClean="0">
+                <a:solidFill>
+                  <a:schemeClr val="bg1">
+                    <a:lumMod val="50000"/>
+                  </a:schemeClr>
+                </a:solidFill>
+                <a:latin typeface="Raleway" charset="0"/>
+                <a:ea typeface="Raleway" charset="0"/>
+                <a:cs typeface="Raleway" charset="0"/>
+              </a:endParaRPr>
+            </a:p>
+          </p:txBody>
+        </p:sp>
+        <p:sp>
+          <p:nvSpPr>
+            <p:cNvPr id="41" name="Rectangle 40"/>
+            <p:cNvSpPr/>
+            <p:nvPr/>
+          </p:nvSpPr>
+          <p:spPr>
+            <a:xfrm rot="5400000">
+              <a:off x="7241844" y="2684030"/>
+              <a:ext cx="154172" cy="1268565"/>
+            </a:xfrm>
+            <a:prstGeom prst="rect">
+              <a:avLst/>
+            </a:prstGeom>
+            <a:solidFill>
+              <a:schemeClr val="bg1">
+                <a:lumMod val="85000"/>
+              </a:schemeClr>
+            </a:solidFill>
+            <a:ln w="38100">
+              <a:solidFill>
+                <a:schemeClr val="bg1">
+                  <a:lumMod val="85000"/>
+                </a:schemeClr>
+              </a:solidFill>
+            </a:ln>
+          </p:spPr>
+          <p:style>
+            <a:lnRef idx="2">
+              <a:schemeClr val="accent1">
+                <a:shade val="50000"/>
+              </a:schemeClr>
+            </a:lnRef>
+            <a:fillRef idx="1">
+              <a:schemeClr val="accent1"/>
+            </a:fillRef>
+            <a:effectRef idx="0">
+              <a:schemeClr val="accent1"/>
+            </a:effectRef>
+            <a:fontRef idx="minor">
+              <a:schemeClr val="lt1"/>
+            </a:fontRef>
+          </p:style>
+          <p:txBody>
+            <a:bodyPr rtlCol="0" anchor="ctr"/>
+            <a:lstStyle/>
+            <a:p>
+              <a:pPr algn="ctr"/>
+              <a:endParaRPr lang="en-US" smtClean="0">
+                <a:solidFill>
+                  <a:schemeClr val="bg1">
+                    <a:lumMod val="50000"/>
+                  </a:schemeClr>
+                </a:solidFill>
+                <a:latin typeface="Raleway" charset="0"/>
+                <a:ea typeface="Raleway" charset="0"/>
+                <a:cs typeface="Raleway" charset="0"/>
+              </a:endParaRPr>
+            </a:p>
+          </p:txBody>
+        </p:sp>
+        <p:sp>
+          <p:nvSpPr>
+            <p:cNvPr id="42" name="TextBox 41"/>
+            <p:cNvSpPr txBox="1"/>
+            <p:nvPr/>
+          </p:nvSpPr>
+          <p:spPr>
+            <a:xfrm>
+              <a:off x="6152113" y="3133646"/>
+              <a:ext cx="519694" cy="369332"/>
+            </a:xfrm>
+            <a:prstGeom prst="rect">
+              <a:avLst/>
+            </a:prstGeom>
+            <a:noFill/>
+          </p:spPr>
+          <p:txBody>
+            <a:bodyPr wrap="none" rtlCol="0">
+              <a:spAutoFit/>
+            </a:bodyPr>
+            <a:lstStyle/>
+            <a:p>
+              <a:r>
+                <a:rPr lang="en-US" dirty="0" smtClean="0">
+                  <a:solidFill>
+                    <a:schemeClr val="bg1">
+                      <a:lumMod val="75000"/>
+                    </a:schemeClr>
+                  </a:solidFill>
+                  <a:latin typeface="Arvo" charset="0"/>
+                  <a:ea typeface="Arvo" charset="0"/>
+                  <a:cs typeface="Arvo" charset="0"/>
+                </a:rPr>
+                <a:t>NY</a:t>
+              </a:r>
+              <a:endParaRPr lang="en-US" dirty="0" smtClean="0">
+                <a:solidFill>
+                  <a:schemeClr val="bg1">
+                    <a:lumMod val="75000"/>
+                  </a:schemeClr>
+                </a:solidFill>
+                <a:latin typeface="Arvo" charset="0"/>
+                <a:ea typeface="Arvo" charset="0"/>
+                <a:cs typeface="Arvo" charset="0"/>
+              </a:endParaRPr>
+            </a:p>
+          </p:txBody>
+        </p:sp>
+        <p:sp>
+          <p:nvSpPr>
+            <p:cNvPr id="43" name="TextBox 42"/>
+            <p:cNvSpPr txBox="1"/>
+            <p:nvPr/>
+          </p:nvSpPr>
+          <p:spPr>
+            <a:xfrm>
+              <a:off x="5982195" y="3507534"/>
+              <a:ext cx="689612" cy="369332"/>
+            </a:xfrm>
+            <a:prstGeom prst="rect">
+              <a:avLst/>
+            </a:prstGeom>
+            <a:noFill/>
+          </p:spPr>
+          <p:txBody>
+            <a:bodyPr wrap="none" rtlCol="0">
+              <a:spAutoFit/>
+            </a:bodyPr>
+            <a:lstStyle/>
+            <a:p>
+              <a:r>
+                <a:rPr lang="en-US" dirty="0" smtClean="0">
+                  <a:latin typeface="Arvo" charset="0"/>
+                  <a:ea typeface="Arvo" charset="0"/>
+                  <a:cs typeface="Arvo" charset="0"/>
+                </a:rPr>
+                <a:t>NYC</a:t>
+              </a:r>
+              <a:endParaRPr lang="en-US" dirty="0" smtClean="0">
+                <a:latin typeface="Arvo" charset="0"/>
+                <a:ea typeface="Arvo" charset="0"/>
+                <a:cs typeface="Arvo" charset="0"/>
+              </a:endParaRPr>
+            </a:p>
+          </p:txBody>
+        </p:sp>
+        <p:sp>
+          <p:nvSpPr>
+            <p:cNvPr id="44" name="TextBox 43"/>
+            <p:cNvSpPr txBox="1"/>
+            <p:nvPr/>
+          </p:nvSpPr>
+          <p:spPr>
+            <a:xfrm>
+              <a:off x="6084787" y="3881422"/>
+              <a:ext cx="587020" cy="369332"/>
+            </a:xfrm>
+            <a:prstGeom prst="rect">
+              <a:avLst/>
+            </a:prstGeom>
+            <a:noFill/>
+          </p:spPr>
+          <p:txBody>
+            <a:bodyPr wrap="none" rtlCol="0">
+              <a:spAutoFit/>
+            </a:bodyPr>
+            <a:lstStyle/>
+            <a:p>
+              <a:r>
+                <a:rPr lang="en-US" dirty="0" err="1" smtClean="0">
+                  <a:latin typeface="Arvo" charset="0"/>
+                  <a:ea typeface="Arvo" charset="0"/>
+                  <a:cs typeface="Arvo" charset="0"/>
+                </a:rPr>
+                <a:t>Bos</a:t>
+              </a:r>
+              <a:endParaRPr lang="en-US" dirty="0" smtClean="0">
+                <a:latin typeface="Arvo" charset="0"/>
+                <a:ea typeface="Arvo" charset="0"/>
+                <a:cs typeface="Arvo" charset="0"/>
+              </a:endParaRPr>
+            </a:p>
+          </p:txBody>
+        </p:sp>
+        <p:sp>
+          <p:nvSpPr>
+            <p:cNvPr id="45" name="TextBox 44"/>
+            <p:cNvSpPr txBox="1"/>
+            <p:nvPr/>
+          </p:nvSpPr>
+          <p:spPr>
+            <a:xfrm>
+              <a:off x="5706478" y="4255310"/>
+              <a:ext cx="965329" cy="369332"/>
+            </a:xfrm>
+            <a:prstGeom prst="rect">
+              <a:avLst/>
+            </a:prstGeom>
+            <a:noFill/>
+          </p:spPr>
+          <p:txBody>
+            <a:bodyPr wrap="none" rtlCol="0">
+              <a:spAutoFit/>
+            </a:bodyPr>
+            <a:lstStyle/>
+            <a:p>
+              <a:r>
+                <a:rPr lang="en-US" dirty="0" smtClean="0">
+                  <a:latin typeface="Arvo" charset="0"/>
+                  <a:ea typeface="Arvo" charset="0"/>
+                  <a:cs typeface="Arvo" charset="0"/>
+                </a:rPr>
+                <a:t>Boston</a:t>
+              </a:r>
+              <a:endParaRPr lang="en-US" dirty="0" smtClean="0">
+                <a:latin typeface="Arvo" charset="0"/>
+                <a:ea typeface="Arvo" charset="0"/>
+                <a:cs typeface="Arvo" charset="0"/>
+              </a:endParaRPr>
+            </a:p>
+          </p:txBody>
+        </p:sp>
+        <p:sp>
+          <p:nvSpPr>
+            <p:cNvPr id="46" name="TextBox 45"/>
+            <p:cNvSpPr txBox="1"/>
+            <p:nvPr/>
+          </p:nvSpPr>
+          <p:spPr>
+            <a:xfrm>
+              <a:off x="5643962" y="5003086"/>
+              <a:ext cx="1027845" cy="369332"/>
+            </a:xfrm>
+            <a:prstGeom prst="rect">
+              <a:avLst/>
+            </a:prstGeom>
+            <a:noFill/>
+          </p:spPr>
+          <p:txBody>
+            <a:bodyPr wrap="none" rtlCol="0">
+              <a:spAutoFit/>
+            </a:bodyPr>
+            <a:lstStyle/>
+            <a:p>
+              <a:r>
+                <a:rPr lang="en-US" dirty="0" err="1" smtClean="0">
+                  <a:latin typeface="Arvo" charset="0"/>
+                  <a:ea typeface="Arvo" charset="0"/>
+                  <a:cs typeface="Arvo" charset="0"/>
+                </a:rPr>
+                <a:t>Bostain</a:t>
+              </a:r>
+              <a:endParaRPr lang="en-US" dirty="0" smtClean="0">
+                <a:latin typeface="Arvo" charset="0"/>
+                <a:ea typeface="Arvo" charset="0"/>
+                <a:cs typeface="Arvo" charset="0"/>
+              </a:endParaRPr>
+            </a:p>
+          </p:txBody>
+        </p:sp>
+        <p:sp>
+          <p:nvSpPr>
+            <p:cNvPr id="47" name="TextBox 46"/>
+            <p:cNvSpPr txBox="1"/>
+            <p:nvPr/>
+          </p:nvSpPr>
+          <p:spPr>
+            <a:xfrm>
+              <a:off x="6211425" y="4629198"/>
+              <a:ext cx="460382" cy="369332"/>
+            </a:xfrm>
+            <a:prstGeom prst="rect">
+              <a:avLst/>
+            </a:prstGeom>
+            <a:noFill/>
+          </p:spPr>
+          <p:txBody>
+            <a:bodyPr wrap="none" rtlCol="0">
+              <a:spAutoFit/>
+            </a:bodyPr>
+            <a:lstStyle/>
+            <a:p>
+              <a:r>
+                <a:rPr lang="en-US" dirty="0" smtClean="0">
+                  <a:latin typeface="Arvo" charset="0"/>
+                  <a:ea typeface="Arvo" charset="0"/>
+                  <a:cs typeface="Arvo" charset="0"/>
+                </a:rPr>
+                <a:t>SF</a:t>
+              </a:r>
+              <a:endParaRPr lang="en-US" dirty="0" smtClean="0">
+                <a:latin typeface="Arvo" charset="0"/>
+                <a:ea typeface="Arvo" charset="0"/>
+                <a:cs typeface="Arvo" charset="0"/>
+              </a:endParaRPr>
+            </a:p>
+          </p:txBody>
+        </p:sp>
+        <p:cxnSp>
+          <p:nvCxnSpPr>
+            <p:cNvPr id="52" name="Curved Connector 51"/>
+            <p:cNvCxnSpPr>
+              <a:stCxn id="42" idx="1"/>
+              <a:endCxn id="43" idx="1"/>
+            </p:cNvCxnSpPr>
+            <p:nvPr/>
+          </p:nvCxnSpPr>
+          <p:spPr>
+            <a:xfrm rot="10800000" flipV="1">
+              <a:off x="5982195" y="3318312"/>
+              <a:ext cx="169918" cy="373888"/>
+            </a:xfrm>
+            <a:prstGeom prst="curvedConnector3">
+              <a:avLst>
+                <a:gd name="adj1" fmla="val 234535"/>
+              </a:avLst>
+            </a:prstGeom>
+            <a:ln w="28575">
+              <a:solidFill>
+                <a:schemeClr val="bg1">
+                  <a:lumMod val="50000"/>
+                </a:schemeClr>
+              </a:solidFill>
+              <a:prstDash val="sysDash"/>
+              <a:headEnd type="none" w="med" len="med"/>
+              <a:tailEnd type="triangle"/>
+            </a:ln>
+          </p:spPr>
+          <p:style>
+            <a:lnRef idx="1">
+              <a:schemeClr val="accent1"/>
+            </a:lnRef>
+            <a:fillRef idx="0">
+              <a:schemeClr val="accent1"/>
+            </a:fillRef>
+            <a:effectRef idx="0">
+              <a:schemeClr val="accent1"/>
+            </a:effectRef>
+            <a:fontRef idx="minor">
+              <a:schemeClr val="tx1"/>
+            </a:fontRef>
+          </p:style>
+        </p:cxnSp>
+        <p:pic>
+          <p:nvPicPr>
+            <p:cNvPr id="48" name="Picture 47"/>
+            <p:cNvPicPr>
+              <a:picLocks noChangeAspect="1"/>
+            </p:cNvPicPr>
+            <p:nvPr/>
+          </p:nvPicPr>
+          <p:blipFill>
+            <a:blip r:embed="rId2"/>
+            <a:stretch>
+              <a:fillRect/>
+            </a:stretch>
+          </p:blipFill>
+          <p:spPr>
+            <a:xfrm>
+              <a:off x="5921030" y="3603944"/>
+              <a:ext cx="290395" cy="290395"/>
+            </a:xfrm>
+            <a:prstGeom prst="rect">
+              <a:avLst/>
+            </a:prstGeom>
+          </p:spPr>
+        </p:pic>
+      </p:grpSp>
+      <p:grpSp>
+        <p:nvGrpSpPr>
+          <p:cNvPr id="65" name="Group 64"/>
+          <p:cNvGrpSpPr/>
+          <p:nvPr/>
+        </p:nvGrpSpPr>
+        <p:grpSpPr>
+          <a:xfrm>
+            <a:off x="5110517" y="-286638"/>
+            <a:ext cx="2468880" cy="2396328"/>
+            <a:chOff x="2475288" y="2335855"/>
+            <a:chExt cx="2468880" cy="2396328"/>
+          </a:xfrm>
+        </p:grpSpPr>
+        <p:cxnSp>
+          <p:nvCxnSpPr>
+            <p:cNvPr id="4" name="Straight Arrow Connector 3"/>
+            <p:cNvCxnSpPr/>
+            <p:nvPr/>
+          </p:nvCxnSpPr>
+          <p:spPr>
+            <a:xfrm flipV="1">
+              <a:off x="2485920" y="2335855"/>
+              <a:ext cx="0" cy="2016364"/>
+            </a:xfrm>
+            <a:prstGeom prst="straightConnector1">
+              <a:avLst/>
+            </a:prstGeom>
+            <a:ln w="38100">
+              <a:solidFill>
+                <a:schemeClr val="bg1">
+                  <a:lumMod val="50000"/>
+                </a:schemeClr>
+              </a:solidFill>
+              <a:tailEnd type="triangle"/>
+            </a:ln>
+          </p:spPr>
+          <p:style>
+            <a:lnRef idx="1">
+              <a:schemeClr val="accent1"/>
+            </a:lnRef>
+            <a:fillRef idx="0">
+              <a:schemeClr val="accent1"/>
+            </a:fillRef>
+            <a:effectRef idx="0">
+              <a:schemeClr val="accent1"/>
+            </a:effectRef>
+            <a:fontRef idx="minor">
+              <a:schemeClr val="tx1"/>
+            </a:fontRef>
+          </p:style>
+        </p:cxnSp>
+        <p:sp>
+          <p:nvSpPr>
+            <p:cNvPr id="5" name="Rectangle 4"/>
+            <p:cNvSpPr/>
+            <p:nvPr/>
+          </p:nvSpPr>
+          <p:spPr>
+            <a:xfrm>
+              <a:off x="2595198" y="4087504"/>
+              <a:ext cx="154172" cy="254082"/>
+            </a:xfrm>
+            <a:prstGeom prst="rect">
+              <a:avLst/>
+            </a:prstGeom>
+            <a:solidFill>
+              <a:srgbClr val="00B0F0"/>
+            </a:solidFill>
+            <a:ln w="38100">
+              <a:solidFill>
+                <a:srgbClr val="00B0F0"/>
+              </a:solidFill>
+            </a:ln>
+          </p:spPr>
+          <p:style>
+            <a:lnRef idx="2">
+              <a:schemeClr val="accent1">
+                <a:shade val="50000"/>
+              </a:schemeClr>
+            </a:lnRef>
+            <a:fillRef idx="1">
+              <a:schemeClr val="accent1"/>
+            </a:fillRef>
+            <a:effectRef idx="0">
+              <a:schemeClr val="accent1"/>
+            </a:effectRef>
+            <a:fontRef idx="minor">
+              <a:schemeClr val="lt1"/>
+            </a:fontRef>
+          </p:style>
+          <p:txBody>
+            <a:bodyPr rtlCol="0" anchor="ctr"/>
+            <a:lstStyle/>
+            <a:p>
+              <a:pPr algn="ctr"/>
+              <a:endParaRPr lang="en-US" smtClean="0">
+                <a:solidFill>
+                  <a:schemeClr val="bg1">
+                    <a:lumMod val="50000"/>
+                  </a:schemeClr>
+                </a:solidFill>
+                <a:latin typeface="Raleway" charset="0"/>
+                <a:ea typeface="Raleway" charset="0"/>
+                <a:cs typeface="Raleway" charset="0"/>
+              </a:endParaRPr>
+            </a:p>
+          </p:txBody>
+        </p:sp>
+        <p:sp>
+          <p:nvSpPr>
+            <p:cNvPr id="6" name="Rectangle 5"/>
+            <p:cNvSpPr/>
+            <p:nvPr/>
+          </p:nvSpPr>
+          <p:spPr>
+            <a:xfrm>
+              <a:off x="2922512" y="4087504"/>
+              <a:ext cx="154172" cy="254082"/>
+            </a:xfrm>
+            <a:prstGeom prst="rect">
+              <a:avLst/>
+            </a:prstGeom>
+            <a:solidFill>
+              <a:srgbClr val="00B0F0"/>
+            </a:solidFill>
+            <a:ln w="38100">
+              <a:solidFill>
+                <a:srgbClr val="00B0F0"/>
+              </a:solidFill>
+            </a:ln>
+          </p:spPr>
+          <p:style>
+            <a:lnRef idx="2">
+              <a:schemeClr val="accent1">
+                <a:shade val="50000"/>
+              </a:schemeClr>
+            </a:lnRef>
+            <a:fillRef idx="1">
+              <a:schemeClr val="accent1"/>
+            </a:fillRef>
+            <a:effectRef idx="0">
+              <a:schemeClr val="accent1"/>
+            </a:effectRef>
+            <a:fontRef idx="minor">
+              <a:schemeClr val="lt1"/>
+            </a:fontRef>
+          </p:style>
+          <p:txBody>
+            <a:bodyPr rtlCol="0" anchor="ctr"/>
+            <a:lstStyle/>
+            <a:p>
+              <a:pPr algn="ctr"/>
+              <a:endParaRPr lang="en-US" smtClean="0">
+                <a:solidFill>
+                  <a:schemeClr val="bg1">
+                    <a:lumMod val="50000"/>
+                  </a:schemeClr>
+                </a:solidFill>
+                <a:latin typeface="Raleway" charset="0"/>
+                <a:ea typeface="Raleway" charset="0"/>
+                <a:cs typeface="Raleway" charset="0"/>
+              </a:endParaRPr>
+            </a:p>
+          </p:txBody>
+        </p:sp>
+        <p:sp>
+          <p:nvSpPr>
+            <p:cNvPr id="7" name="Rectangle 6"/>
+            <p:cNvSpPr/>
+            <p:nvPr/>
+          </p:nvSpPr>
+          <p:spPr>
+            <a:xfrm>
+              <a:off x="3234518" y="4087504"/>
+              <a:ext cx="154172" cy="254082"/>
+            </a:xfrm>
+            <a:prstGeom prst="rect">
+              <a:avLst/>
+            </a:prstGeom>
+            <a:solidFill>
+              <a:srgbClr val="00B0F0"/>
+            </a:solidFill>
+            <a:ln w="38100">
+              <a:solidFill>
+                <a:srgbClr val="00B0F0"/>
+              </a:solidFill>
+            </a:ln>
+          </p:spPr>
+          <p:style>
+            <a:lnRef idx="2">
+              <a:schemeClr val="accent1">
+                <a:shade val="50000"/>
+              </a:schemeClr>
+            </a:lnRef>
+            <a:fillRef idx="1">
+              <a:schemeClr val="accent1"/>
+            </a:fillRef>
+            <a:effectRef idx="0">
+              <a:schemeClr val="accent1"/>
+            </a:effectRef>
+            <a:fontRef idx="minor">
+              <a:schemeClr val="lt1"/>
+            </a:fontRef>
+          </p:style>
+          <p:txBody>
+            <a:bodyPr rtlCol="0" anchor="ctr"/>
+            <a:lstStyle/>
+            <a:p>
+              <a:pPr algn="ctr"/>
+              <a:endParaRPr lang="en-US" smtClean="0">
+                <a:solidFill>
+                  <a:schemeClr val="bg1">
+                    <a:lumMod val="50000"/>
+                  </a:schemeClr>
+                </a:solidFill>
+                <a:latin typeface="Raleway" charset="0"/>
+                <a:ea typeface="Raleway" charset="0"/>
+                <a:cs typeface="Raleway" charset="0"/>
+              </a:endParaRPr>
+            </a:p>
+          </p:txBody>
+        </p:sp>
+        <p:sp>
+          <p:nvSpPr>
+            <p:cNvPr id="8" name="Rectangle 7"/>
+            <p:cNvSpPr/>
+            <p:nvPr/>
+          </p:nvSpPr>
+          <p:spPr>
+            <a:xfrm>
+              <a:off x="3535214" y="4087504"/>
+              <a:ext cx="154172" cy="254082"/>
+            </a:xfrm>
+            <a:prstGeom prst="rect">
+              <a:avLst/>
+            </a:prstGeom>
+            <a:solidFill>
+              <a:srgbClr val="00B0F0"/>
+            </a:solidFill>
+            <a:ln w="38100">
+              <a:solidFill>
+                <a:srgbClr val="00B0F0"/>
+              </a:solidFill>
+            </a:ln>
+          </p:spPr>
+          <p:style>
+            <a:lnRef idx="2">
+              <a:schemeClr val="accent1">
+                <a:shade val="50000"/>
+              </a:schemeClr>
+            </a:lnRef>
+            <a:fillRef idx="1">
+              <a:schemeClr val="accent1"/>
+            </a:fillRef>
+            <a:effectRef idx="0">
+              <a:schemeClr val="accent1"/>
+            </a:effectRef>
+            <a:fontRef idx="minor">
+              <a:schemeClr val="lt1"/>
+            </a:fontRef>
+          </p:style>
+          <p:txBody>
+            <a:bodyPr rtlCol="0" anchor="ctr"/>
+            <a:lstStyle/>
+            <a:p>
+              <a:pPr algn="ctr"/>
+              <a:endParaRPr lang="en-US" smtClean="0">
+                <a:solidFill>
+                  <a:schemeClr val="bg1">
+                    <a:lumMod val="50000"/>
+                  </a:schemeClr>
+                </a:solidFill>
+                <a:latin typeface="Raleway" charset="0"/>
+                <a:ea typeface="Raleway" charset="0"/>
+                <a:cs typeface="Raleway" charset="0"/>
+              </a:endParaRPr>
+            </a:p>
+          </p:txBody>
+        </p:sp>
+        <p:sp>
+          <p:nvSpPr>
+            <p:cNvPr id="9" name="Rectangle 8"/>
+            <p:cNvSpPr/>
+            <p:nvPr/>
+          </p:nvSpPr>
+          <p:spPr>
+            <a:xfrm>
+              <a:off x="3901709" y="3309582"/>
+              <a:ext cx="154172" cy="1032004"/>
+            </a:xfrm>
+            <a:prstGeom prst="rect">
+              <a:avLst/>
+            </a:prstGeom>
+            <a:solidFill>
+              <a:srgbClr val="00B0F0"/>
+            </a:solidFill>
+            <a:ln w="38100">
+              <a:solidFill>
+                <a:srgbClr val="00B0F0"/>
+              </a:solidFill>
+            </a:ln>
+          </p:spPr>
+          <p:style>
+            <a:lnRef idx="2">
+              <a:schemeClr val="accent1">
+                <a:shade val="50000"/>
+              </a:schemeClr>
+            </a:lnRef>
+            <a:fillRef idx="1">
+              <a:schemeClr val="accent1"/>
+            </a:fillRef>
+            <a:effectRef idx="0">
+              <a:schemeClr val="accent1"/>
+            </a:effectRef>
+            <a:fontRef idx="minor">
+              <a:schemeClr val="lt1"/>
+            </a:fontRef>
+          </p:style>
+          <p:txBody>
+            <a:bodyPr rtlCol="0" anchor="ctr"/>
+            <a:lstStyle/>
+            <a:p>
+              <a:pPr algn="ctr"/>
+              <a:endParaRPr lang="en-US" smtClean="0">
+                <a:solidFill>
+                  <a:schemeClr val="bg1">
+                    <a:lumMod val="50000"/>
+                  </a:schemeClr>
+                </a:solidFill>
+                <a:latin typeface="Raleway" charset="0"/>
+                <a:ea typeface="Raleway" charset="0"/>
+                <a:cs typeface="Raleway" charset="0"/>
+              </a:endParaRPr>
+            </a:p>
+          </p:txBody>
+        </p:sp>
+        <p:sp>
+          <p:nvSpPr>
+            <p:cNvPr id="10" name="Rectangle 9"/>
+            <p:cNvSpPr/>
+            <p:nvPr/>
+          </p:nvSpPr>
+          <p:spPr>
+            <a:xfrm>
+              <a:off x="4271459" y="3432412"/>
+              <a:ext cx="154172" cy="909174"/>
+            </a:xfrm>
+            <a:prstGeom prst="rect">
+              <a:avLst/>
+            </a:prstGeom>
+            <a:solidFill>
+              <a:srgbClr val="00B0F0"/>
+            </a:solidFill>
+            <a:ln w="38100">
+              <a:solidFill>
+                <a:srgbClr val="00B0F0"/>
+              </a:solidFill>
+            </a:ln>
+          </p:spPr>
+          <p:style>
+            <a:lnRef idx="2">
+              <a:schemeClr val="accent1">
+                <a:shade val="50000"/>
+              </a:schemeClr>
+            </a:lnRef>
+            <a:fillRef idx="1">
+              <a:schemeClr val="accent1"/>
+            </a:fillRef>
+            <a:effectRef idx="0">
+              <a:schemeClr val="accent1"/>
+            </a:effectRef>
+            <a:fontRef idx="minor">
+              <a:schemeClr val="lt1"/>
+            </a:fontRef>
+          </p:style>
+          <p:txBody>
+            <a:bodyPr rtlCol="0" anchor="ctr"/>
+            <a:lstStyle/>
+            <a:p>
+              <a:pPr algn="ctr"/>
+              <a:endParaRPr lang="en-US" smtClean="0">
+                <a:solidFill>
+                  <a:schemeClr val="bg1">
+                    <a:lumMod val="50000"/>
+                  </a:schemeClr>
+                </a:solidFill>
+                <a:latin typeface="Raleway" charset="0"/>
+                <a:ea typeface="Raleway" charset="0"/>
+                <a:cs typeface="Raleway" charset="0"/>
+              </a:endParaRPr>
+            </a:p>
+          </p:txBody>
+        </p:sp>
+        <p:sp>
+          <p:nvSpPr>
+            <p:cNvPr id="11" name="Rectangle 10"/>
+            <p:cNvSpPr/>
+            <p:nvPr/>
+          </p:nvSpPr>
+          <p:spPr>
+            <a:xfrm>
+              <a:off x="4595083" y="3073020"/>
+              <a:ext cx="154172" cy="1268565"/>
+            </a:xfrm>
+            <a:prstGeom prst="rect">
+              <a:avLst/>
+            </a:prstGeom>
+            <a:solidFill>
+              <a:srgbClr val="00B0F0"/>
+            </a:solidFill>
+            <a:ln w="38100">
+              <a:solidFill>
+                <a:srgbClr val="00B0F0"/>
+              </a:solidFill>
+            </a:ln>
+          </p:spPr>
+          <p:style>
+            <a:lnRef idx="2">
+              <a:schemeClr val="accent1">
+                <a:shade val="50000"/>
+              </a:schemeClr>
+            </a:lnRef>
+            <a:fillRef idx="1">
+              <a:schemeClr val="accent1"/>
+            </a:fillRef>
+            <a:effectRef idx="0">
+              <a:schemeClr val="accent1"/>
+            </a:effectRef>
+            <a:fontRef idx="minor">
+              <a:schemeClr val="lt1"/>
+            </a:fontRef>
+          </p:style>
+          <p:txBody>
+            <a:bodyPr rtlCol="0" anchor="ctr"/>
+            <a:lstStyle/>
+            <a:p>
+              <a:pPr algn="ctr"/>
+              <a:endParaRPr lang="en-US" smtClean="0">
+                <a:solidFill>
+                  <a:schemeClr val="bg1">
+                    <a:lumMod val="50000"/>
+                  </a:schemeClr>
+                </a:solidFill>
+                <a:latin typeface="Raleway" charset="0"/>
+                <a:ea typeface="Raleway" charset="0"/>
+                <a:cs typeface="Raleway" charset="0"/>
+              </a:endParaRPr>
+            </a:p>
+          </p:txBody>
+        </p:sp>
+        <p:cxnSp>
+          <p:nvCxnSpPr>
+            <p:cNvPr id="12" name="Straight Arrow Connector 11"/>
+            <p:cNvCxnSpPr/>
+            <p:nvPr/>
+          </p:nvCxnSpPr>
+          <p:spPr>
+            <a:xfrm>
+              <a:off x="2475288" y="4341587"/>
+              <a:ext cx="2468880" cy="0"/>
+            </a:xfrm>
+            <a:prstGeom prst="straightConnector1">
+              <a:avLst/>
+            </a:prstGeom>
+            <a:ln w="38100">
+              <a:solidFill>
+                <a:schemeClr val="bg1">
+                  <a:lumMod val="50000"/>
+                </a:schemeClr>
+              </a:solidFill>
+              <a:tailEnd type="triangle"/>
+            </a:ln>
+          </p:spPr>
+          <p:style>
+            <a:lnRef idx="1">
+              <a:schemeClr val="accent1"/>
+            </a:lnRef>
+            <a:fillRef idx="0">
+              <a:schemeClr val="accent1"/>
+            </a:fillRef>
+            <a:effectRef idx="0">
+              <a:schemeClr val="accent1"/>
+            </a:effectRef>
+            <a:fontRef idx="minor">
+              <a:schemeClr val="tx1"/>
+            </a:fontRef>
+          </p:style>
+        </p:cxnSp>
+        <p:sp>
+          <p:nvSpPr>
+            <p:cNvPr id="14" name="TextBox 13"/>
+            <p:cNvSpPr txBox="1"/>
+            <p:nvPr/>
+          </p:nvSpPr>
+          <p:spPr>
+            <a:xfrm>
+              <a:off x="2542253" y="4362851"/>
+              <a:ext cx="284052" cy="369332"/>
+            </a:xfrm>
+            <a:prstGeom prst="rect">
+              <a:avLst/>
+            </a:prstGeom>
+            <a:noFill/>
+          </p:spPr>
+          <p:txBody>
+            <a:bodyPr wrap="none" rtlCol="0" anchor="t">
+              <a:spAutoFit/>
+            </a:bodyPr>
+            <a:lstStyle/>
+            <a:p>
+              <a:r>
+                <a:rPr lang="en-US" dirty="0" smtClean="0">
+                  <a:latin typeface="Arvo" charset="0"/>
+                  <a:ea typeface="Arvo" charset="0"/>
+                  <a:cs typeface="Arvo" charset="0"/>
+                </a:rPr>
+                <a:t>1</a:t>
+              </a:r>
+            </a:p>
+          </p:txBody>
+        </p:sp>
+        <p:sp>
+          <p:nvSpPr>
+            <p:cNvPr id="15" name="TextBox 14"/>
+            <p:cNvSpPr txBox="1"/>
+            <p:nvPr/>
+          </p:nvSpPr>
+          <p:spPr>
+            <a:xfrm>
+              <a:off x="2847030" y="4362851"/>
+              <a:ext cx="308098" cy="369332"/>
+            </a:xfrm>
+            <a:prstGeom prst="rect">
+              <a:avLst/>
+            </a:prstGeom>
+            <a:noFill/>
+          </p:spPr>
+          <p:txBody>
+            <a:bodyPr wrap="none" rtlCol="0" anchor="t">
+              <a:spAutoFit/>
+            </a:bodyPr>
+            <a:lstStyle/>
+            <a:p>
+              <a:r>
+                <a:rPr lang="en-US" dirty="0" smtClean="0">
+                  <a:latin typeface="Arvo" charset="0"/>
+                  <a:ea typeface="Arvo" charset="0"/>
+                  <a:cs typeface="Arvo" charset="0"/>
+                </a:rPr>
+                <a:t>2</a:t>
+              </a:r>
+            </a:p>
+          </p:txBody>
+        </p:sp>
+        <p:sp>
+          <p:nvSpPr>
+            <p:cNvPr id="16" name="TextBox 15"/>
+            <p:cNvSpPr txBox="1"/>
+            <p:nvPr/>
+          </p:nvSpPr>
+          <p:spPr>
+            <a:xfrm>
+              <a:off x="3809453" y="4362851"/>
+              <a:ext cx="357790" cy="369332"/>
+            </a:xfrm>
+            <a:prstGeom prst="rect">
+              <a:avLst/>
+            </a:prstGeom>
+            <a:noFill/>
+          </p:spPr>
+          <p:txBody>
+            <a:bodyPr wrap="none" rtlCol="0" anchor="t">
+              <a:spAutoFit/>
+            </a:bodyPr>
+            <a:lstStyle/>
+            <a:p>
+              <a:r>
+                <a:rPr lang="en-US" dirty="0" smtClean="0">
+                  <a:latin typeface="Arvo" charset="0"/>
+                  <a:ea typeface="Arvo" charset="0"/>
+                  <a:cs typeface="Arvo" charset="0"/>
+                </a:rPr>
+                <a:t>A</a:t>
+              </a:r>
+            </a:p>
+          </p:txBody>
+        </p:sp>
+        <p:sp>
+          <p:nvSpPr>
+            <p:cNvPr id="17" name="TextBox 16"/>
+            <p:cNvSpPr txBox="1"/>
+            <p:nvPr/>
+          </p:nvSpPr>
+          <p:spPr>
+            <a:xfrm>
+              <a:off x="3166235" y="4362851"/>
+              <a:ext cx="308098" cy="369332"/>
+            </a:xfrm>
+            <a:prstGeom prst="rect">
+              <a:avLst/>
+            </a:prstGeom>
+            <a:noFill/>
+          </p:spPr>
+          <p:txBody>
+            <a:bodyPr wrap="none" rtlCol="0" anchor="t">
+              <a:spAutoFit/>
+            </a:bodyPr>
+            <a:lstStyle/>
+            <a:p>
+              <a:r>
+                <a:rPr lang="en-US" dirty="0" smtClean="0">
+                  <a:latin typeface="Arvo" charset="0"/>
+                  <a:ea typeface="Arvo" charset="0"/>
+                  <a:cs typeface="Arvo" charset="0"/>
+                </a:rPr>
+                <a:t>3</a:t>
+              </a:r>
+            </a:p>
+          </p:txBody>
+        </p:sp>
+        <p:sp>
+          <p:nvSpPr>
+            <p:cNvPr id="18" name="TextBox 17"/>
+            <p:cNvSpPr txBox="1"/>
+            <p:nvPr/>
+          </p:nvSpPr>
+          <p:spPr>
+            <a:xfrm>
+              <a:off x="3487042" y="4362851"/>
+              <a:ext cx="325730" cy="369332"/>
+            </a:xfrm>
+            <a:prstGeom prst="rect">
+              <a:avLst/>
+            </a:prstGeom>
+            <a:noFill/>
+          </p:spPr>
+          <p:txBody>
+            <a:bodyPr wrap="none" rtlCol="0" anchor="t">
+              <a:spAutoFit/>
+            </a:bodyPr>
+            <a:lstStyle/>
+            <a:p>
+              <a:r>
+                <a:rPr lang="en-US" dirty="0" smtClean="0">
+                  <a:latin typeface="Arvo" charset="0"/>
+                  <a:ea typeface="Arvo" charset="0"/>
+                  <a:cs typeface="Arvo" charset="0"/>
+                </a:rPr>
+                <a:t>4</a:t>
+              </a:r>
+            </a:p>
+          </p:txBody>
+        </p:sp>
+        <p:sp>
+          <p:nvSpPr>
+            <p:cNvPr id="19" name="TextBox 18"/>
+            <p:cNvSpPr txBox="1"/>
+            <p:nvPr/>
+          </p:nvSpPr>
+          <p:spPr>
+            <a:xfrm>
+              <a:off x="4152702" y="4362851"/>
+              <a:ext cx="338554" cy="369332"/>
+            </a:xfrm>
+            <a:prstGeom prst="rect">
+              <a:avLst/>
+            </a:prstGeom>
+            <a:noFill/>
+          </p:spPr>
+          <p:txBody>
+            <a:bodyPr wrap="none" rtlCol="0" anchor="t">
+              <a:spAutoFit/>
+            </a:bodyPr>
+            <a:lstStyle/>
+            <a:p>
+              <a:r>
+                <a:rPr lang="en-US" dirty="0" smtClean="0">
+                  <a:latin typeface="Arvo" charset="0"/>
+                  <a:ea typeface="Arvo" charset="0"/>
+                  <a:cs typeface="Arvo" charset="0"/>
+                </a:rPr>
+                <a:t>B</a:t>
+              </a:r>
+            </a:p>
+          </p:txBody>
+        </p:sp>
+        <p:sp>
+          <p:nvSpPr>
+            <p:cNvPr id="20" name="TextBox 19"/>
+            <p:cNvSpPr txBox="1"/>
+            <p:nvPr/>
+          </p:nvSpPr>
+          <p:spPr>
+            <a:xfrm>
+              <a:off x="4494351" y="4362851"/>
+              <a:ext cx="354584" cy="369332"/>
+            </a:xfrm>
+            <a:prstGeom prst="rect">
+              <a:avLst/>
+            </a:prstGeom>
+            <a:noFill/>
+          </p:spPr>
+          <p:txBody>
+            <a:bodyPr wrap="none" rtlCol="0" anchor="t">
+              <a:spAutoFit/>
+            </a:bodyPr>
+            <a:lstStyle/>
+            <a:p>
+              <a:r>
+                <a:rPr lang="en-US" dirty="0" smtClean="0">
+                  <a:latin typeface="Arvo" charset="0"/>
+                  <a:ea typeface="Arvo" charset="0"/>
+                  <a:cs typeface="Arvo" charset="0"/>
+                </a:rPr>
+                <a:t>C</a:t>
+              </a:r>
+            </a:p>
+          </p:txBody>
+        </p:sp>
+        <p:pic>
+          <p:nvPicPr>
+            <p:cNvPr id="59" name="Picture 58"/>
+            <p:cNvPicPr>
+              <a:picLocks noChangeAspect="1"/>
+            </p:cNvPicPr>
+            <p:nvPr/>
+          </p:nvPicPr>
+          <p:blipFill>
+            <a:blip r:embed="rId3"/>
+            <a:stretch>
+              <a:fillRect/>
+            </a:stretch>
+          </p:blipFill>
+          <p:spPr>
+            <a:xfrm>
+              <a:off x="3441332" y="3886999"/>
+              <a:ext cx="347847" cy="347847"/>
+            </a:xfrm>
+            <a:prstGeom prst="rect">
+              <a:avLst/>
+            </a:prstGeom>
+          </p:spPr>
+        </p:pic>
+        <p:sp>
+          <p:nvSpPr>
+            <p:cNvPr id="61" name="Rectangle 60"/>
+            <p:cNvSpPr/>
+            <p:nvPr/>
+          </p:nvSpPr>
+          <p:spPr>
+            <a:xfrm>
+              <a:off x="3509346" y="2775836"/>
+              <a:ext cx="208959" cy="1544488"/>
+            </a:xfrm>
+            <a:prstGeom prst="rect">
+              <a:avLst/>
+            </a:prstGeom>
+            <a:noFill/>
+            <a:ln w="38100">
+              <a:solidFill>
+                <a:srgbClr val="00B0F0"/>
+              </a:solidFill>
+              <a:prstDash val="sysDash"/>
+            </a:ln>
+          </p:spPr>
+          <p:style>
+            <a:lnRef idx="2">
+              <a:schemeClr val="accent1">
+                <a:shade val="50000"/>
+              </a:schemeClr>
+            </a:lnRef>
+            <a:fillRef idx="1">
+              <a:schemeClr val="accent1"/>
+            </a:fillRef>
+            <a:effectRef idx="0">
+              <a:schemeClr val="accent1"/>
+            </a:effectRef>
+            <a:fontRef idx="minor">
+              <a:schemeClr val="lt1"/>
+            </a:fontRef>
+          </p:style>
+          <p:txBody>
+            <a:bodyPr rtlCol="0" anchor="ctr"/>
+            <a:lstStyle/>
+            <a:p>
+              <a:pPr algn="ctr"/>
+              <a:endParaRPr lang="en-US" smtClean="0">
+                <a:solidFill>
+                  <a:schemeClr val="bg1">
+                    <a:lumMod val="50000"/>
+                  </a:schemeClr>
+                </a:solidFill>
+                <a:latin typeface="Raleway" charset="0"/>
+                <a:ea typeface="Raleway" charset="0"/>
+                <a:cs typeface="Raleway" charset="0"/>
+              </a:endParaRPr>
+            </a:p>
+          </p:txBody>
+        </p:sp>
+        <p:cxnSp>
+          <p:nvCxnSpPr>
+            <p:cNvPr id="63" name="Straight Arrow Connector 62"/>
+            <p:cNvCxnSpPr/>
+            <p:nvPr/>
+          </p:nvCxnSpPr>
+          <p:spPr>
+            <a:xfrm flipH="1">
+              <a:off x="3612996" y="2775836"/>
+              <a:ext cx="0" cy="1054608"/>
+            </a:xfrm>
+            <a:prstGeom prst="straightConnector1">
+              <a:avLst/>
+            </a:prstGeom>
+            <a:ln w="28575">
+              <a:solidFill>
+                <a:schemeClr val="bg1">
+                  <a:lumMod val="50000"/>
+                </a:schemeClr>
+              </a:solidFill>
+              <a:prstDash val="sysDash"/>
+              <a:headEnd type="none" w="med" len="med"/>
+              <a:tailEnd type="triangle"/>
+            </a:ln>
+          </p:spPr>
+          <p:style>
+            <a:lnRef idx="1">
+              <a:schemeClr val="accent1"/>
+            </a:lnRef>
+            <a:fillRef idx="0">
+              <a:schemeClr val="accent1"/>
+            </a:fillRef>
+            <a:effectRef idx="0">
+              <a:schemeClr val="accent1"/>
+            </a:effectRef>
+            <a:fontRef idx="minor">
+              <a:schemeClr val="tx1"/>
+            </a:fontRef>
+          </p:style>
+        </p:cxnSp>
+      </p:grpSp>
+      <p:grpSp>
+        <p:nvGrpSpPr>
+          <p:cNvPr id="72" name="Group 71"/>
+          <p:cNvGrpSpPr/>
+          <p:nvPr/>
+        </p:nvGrpSpPr>
+        <p:grpSpPr>
+          <a:xfrm>
+            <a:off x="1885634" y="2325723"/>
+            <a:ext cx="2675970" cy="646331"/>
+            <a:chOff x="5237963" y="5806773"/>
+            <a:chExt cx="2675970" cy="646331"/>
+          </a:xfrm>
+        </p:grpSpPr>
+        <p:sp>
+          <p:nvSpPr>
+            <p:cNvPr id="67" name="TextBox 66"/>
+            <p:cNvSpPr txBox="1"/>
+            <p:nvPr/>
+          </p:nvSpPr>
+          <p:spPr>
+            <a:xfrm>
+              <a:off x="5237963" y="5806773"/>
+              <a:ext cx="547022" cy="369332"/>
+            </a:xfrm>
+            <a:prstGeom prst="rect">
+              <a:avLst/>
+            </a:prstGeom>
+            <a:noFill/>
+          </p:spPr>
+          <p:txBody>
+            <a:bodyPr wrap="square" rtlCol="0">
+              <a:spAutoFit/>
+            </a:bodyPr>
+            <a:lstStyle/>
+            <a:p>
+              <a:r>
+                <a:rPr lang="en-US" dirty="0" smtClean="0">
+                  <a:latin typeface="Tinos" charset="0"/>
+                  <a:ea typeface="Tinos" charset="0"/>
+                  <a:cs typeface="Tinos" charset="0"/>
+                </a:rPr>
+                <a:t>(a)</a:t>
+              </a:r>
+              <a:endParaRPr lang="en-US" dirty="0" smtClean="0">
+                <a:latin typeface="Tinos" charset="0"/>
+                <a:ea typeface="Tinos" charset="0"/>
+                <a:cs typeface="Tinos" charset="0"/>
+              </a:endParaRPr>
+            </a:p>
+          </p:txBody>
+        </p:sp>
+        <p:sp>
+          <p:nvSpPr>
+            <p:cNvPr id="69" name="TextBox 68"/>
+            <p:cNvSpPr txBox="1"/>
+            <p:nvPr/>
+          </p:nvSpPr>
+          <p:spPr>
+            <a:xfrm>
+              <a:off x="5604683" y="5806773"/>
+              <a:ext cx="2309250" cy="646331"/>
+            </a:xfrm>
+            <a:prstGeom prst="rect">
+              <a:avLst/>
+            </a:prstGeom>
+            <a:noFill/>
+          </p:spPr>
+          <p:txBody>
+            <a:bodyPr wrap="square" rtlCol="0">
+              <a:spAutoFit/>
+            </a:bodyPr>
+            <a:lstStyle/>
+            <a:p>
+              <a:r>
+                <a:rPr lang="en-US" dirty="0">
+                  <a:latin typeface="Tinos" charset="0"/>
+                  <a:ea typeface="Tinos" charset="0"/>
+                  <a:cs typeface="Tinos" charset="0"/>
+                </a:rPr>
+                <a:t>Drag NY over NYC to </a:t>
+              </a:r>
+              <a:r>
+                <a:rPr lang="en-US">
+                  <a:latin typeface="Tinos" charset="0"/>
+                  <a:ea typeface="Tinos" charset="0"/>
+                  <a:cs typeface="Tinos" charset="0"/>
+                </a:rPr>
+                <a:t>specify </a:t>
+              </a:r>
+              <a:r>
+                <a:rPr lang="en-US" smtClean="0">
+                  <a:latin typeface="Tinos" charset="0"/>
+                  <a:ea typeface="Tinos" charset="0"/>
+                  <a:cs typeface="Tinos" charset="0"/>
+                </a:rPr>
+                <a:t>duplicates</a:t>
+              </a:r>
+              <a:endParaRPr lang="en-US" dirty="0">
+                <a:latin typeface="Tinos" charset="0"/>
+                <a:ea typeface="Tinos" charset="0"/>
+                <a:cs typeface="Tinos" charset="0"/>
+              </a:endParaRPr>
+            </a:p>
+          </p:txBody>
+        </p:sp>
+      </p:grpSp>
+      <p:grpSp>
+        <p:nvGrpSpPr>
+          <p:cNvPr id="71" name="Group 70"/>
+          <p:cNvGrpSpPr/>
+          <p:nvPr/>
+        </p:nvGrpSpPr>
+        <p:grpSpPr>
+          <a:xfrm>
+            <a:off x="4867030" y="2346118"/>
+            <a:ext cx="2955855" cy="655621"/>
+            <a:chOff x="9157590" y="5797483"/>
+            <a:chExt cx="2955855" cy="655621"/>
+          </a:xfrm>
+        </p:grpSpPr>
+        <p:sp>
+          <p:nvSpPr>
+            <p:cNvPr id="68" name="TextBox 67"/>
+            <p:cNvSpPr txBox="1"/>
+            <p:nvPr/>
+          </p:nvSpPr>
+          <p:spPr>
+            <a:xfrm>
+              <a:off x="9157590" y="5797483"/>
+              <a:ext cx="453970" cy="369332"/>
+            </a:xfrm>
+            <a:prstGeom prst="rect">
+              <a:avLst/>
+            </a:prstGeom>
+            <a:noFill/>
+          </p:spPr>
+          <p:txBody>
+            <a:bodyPr wrap="none" rtlCol="0">
+              <a:spAutoFit/>
+            </a:bodyPr>
+            <a:lstStyle/>
+            <a:p>
+              <a:r>
+                <a:rPr lang="en-US" dirty="0" smtClean="0">
+                  <a:latin typeface="Tinos" charset="0"/>
+                  <a:ea typeface="Tinos" charset="0"/>
+                  <a:cs typeface="Tinos" charset="0"/>
+                </a:rPr>
+                <a:t>(b)</a:t>
+              </a:r>
+              <a:endParaRPr lang="en-US" dirty="0" smtClean="0">
+                <a:latin typeface="Tinos" charset="0"/>
+                <a:ea typeface="Tinos" charset="0"/>
+                <a:cs typeface="Tinos" charset="0"/>
+              </a:endParaRPr>
+            </a:p>
+          </p:txBody>
+        </p:sp>
+        <p:sp>
+          <p:nvSpPr>
+            <p:cNvPr id="70" name="TextBox 69"/>
+            <p:cNvSpPr txBox="1"/>
+            <p:nvPr/>
+          </p:nvSpPr>
+          <p:spPr>
+            <a:xfrm>
+              <a:off x="9523199" y="5806773"/>
+              <a:ext cx="2590246" cy="646331"/>
+            </a:xfrm>
+            <a:prstGeom prst="rect">
+              <a:avLst/>
+            </a:prstGeom>
+            <a:noFill/>
+          </p:spPr>
+          <p:txBody>
+            <a:bodyPr wrap="square" rtlCol="0">
+              <a:spAutoFit/>
+            </a:bodyPr>
+            <a:lstStyle/>
+            <a:p>
+              <a:r>
+                <a:rPr lang="en-US" dirty="0" smtClean="0">
+                  <a:latin typeface="Tinos" charset="0"/>
+                  <a:ea typeface="Tinos" charset="0"/>
+                  <a:cs typeface="Tinos" charset="0"/>
+                </a:rPr>
+                <a:t>Drag bar height to specify desired value</a:t>
+              </a:r>
+              <a:endParaRPr lang="en-US" dirty="0">
+                <a:latin typeface="Tinos" charset="0"/>
+                <a:ea typeface="Tinos" charset="0"/>
+                <a:cs typeface="Tinos" charset="0"/>
+              </a:endParaRPr>
+            </a:p>
+          </p:txBody>
+        </p:sp>
+      </p:grpSp>
+      <p:graphicFrame>
+        <p:nvGraphicFramePr>
+          <p:cNvPr id="78" name="Table 77"/>
+          <p:cNvGraphicFramePr>
+            <a:graphicFrameLocks noGrp="1"/>
+          </p:cNvGraphicFramePr>
+          <p:nvPr>
+            <p:extLst>
+              <p:ext uri="{D42A27DB-BD31-4B8C-83A1-F6EECF244321}">
+                <p14:modId xmlns:p14="http://schemas.microsoft.com/office/powerpoint/2010/main" val="1980232210"/>
+              </p:ext>
+            </p:extLst>
+          </p:nvPr>
+        </p:nvGraphicFramePr>
+        <p:xfrm>
+          <a:off x="1799549" y="3404399"/>
+          <a:ext cx="2853627" cy="2401509"/>
+        </p:xfrm>
+        <a:graphic>
+          <a:graphicData uri="http://schemas.openxmlformats.org/drawingml/2006/table">
+            <a:tbl>
+              <a:tblPr firstRow="1" bandRow="1">
+                <a:tableStyleId>{5C22544A-7EE6-4342-B048-85BDC9FD1C3A}</a:tableStyleId>
+              </a:tblPr>
+              <a:tblGrid>
+                <a:gridCol w="370004"/>
+                <a:gridCol w="1484162"/>
+                <a:gridCol w="999461"/>
+              </a:tblGrid>
+              <a:tr h="123302">
+                <a:tc>
+                  <a:txBody>
+                    <a:bodyPr/>
+                    <a:lstStyle/>
+                    <a:p>
+                      <a:pPr algn="ctr"/>
+                      <a:endParaRPr lang="en-US" sz="1600" b="0" dirty="0">
+                        <a:solidFill>
+                          <a:schemeClr val="tx1">
+                            <a:lumMod val="50000"/>
+                            <a:lumOff val="50000"/>
+                          </a:schemeClr>
+                        </a:solidFill>
+                        <a:latin typeface="Gill Sans" charset="0"/>
+                        <a:ea typeface="Gill Sans" charset="0"/>
+                        <a:cs typeface="Gill Sans" charset="0"/>
+                      </a:endParaRPr>
+                    </a:p>
+                  </a:txBody>
+                  <a:tcPr>
+                    <a:solidFill>
+                      <a:schemeClr val="bg1"/>
+                    </a:solidFill>
+                  </a:tcPr>
+                </a:tc>
+                <a:tc>
+                  <a:txBody>
+                    <a:bodyPr/>
+                    <a:lstStyle/>
+                    <a:p>
+                      <a:pPr algn="ctr"/>
+                      <a:r>
+                        <a:rPr lang="en-US" sz="1600" b="0" dirty="0" err="1" smtClean="0">
+                          <a:solidFill>
+                            <a:schemeClr val="tx1">
+                              <a:lumMod val="50000"/>
+                              <a:lumOff val="50000"/>
+                            </a:schemeClr>
+                          </a:solidFill>
+                          <a:latin typeface="Gill Sans" charset="0"/>
+                          <a:ea typeface="Gill Sans" charset="0"/>
+                          <a:cs typeface="Gill Sans" charset="0"/>
+                        </a:rPr>
+                        <a:t>city_name</a:t>
+                      </a:r>
+                      <a:endParaRPr lang="en-US" sz="1600" b="0" dirty="0">
+                        <a:solidFill>
+                          <a:schemeClr val="tx1">
+                            <a:lumMod val="50000"/>
+                            <a:lumOff val="50000"/>
+                          </a:schemeClr>
+                        </a:solidFill>
+                        <a:latin typeface="Gill Sans" charset="0"/>
+                        <a:ea typeface="Gill Sans" charset="0"/>
+                        <a:cs typeface="Gill Sans" charset="0"/>
+                      </a:endParaRPr>
+                    </a:p>
+                  </a:txBody>
+                  <a:tcPr>
+                    <a:solidFill>
+                      <a:schemeClr val="bg1"/>
+                    </a:solidFill>
+                  </a:tcPr>
+                </a:tc>
+                <a:tc>
+                  <a:txBody>
+                    <a:bodyPr/>
+                    <a:lstStyle/>
+                    <a:p>
+                      <a:pPr algn="ctr"/>
+                      <a:r>
+                        <a:rPr lang="en-US" sz="1600" b="0" dirty="0" err="1" smtClean="0">
+                          <a:solidFill>
+                            <a:schemeClr val="tx1">
+                              <a:lumMod val="50000"/>
+                              <a:lumOff val="50000"/>
+                            </a:schemeClr>
+                          </a:solidFill>
+                          <a:latin typeface="Gill Sans" charset="0"/>
+                          <a:ea typeface="Gill Sans" charset="0"/>
+                          <a:cs typeface="Gill Sans" charset="0"/>
+                        </a:rPr>
+                        <a:t>city_code</a:t>
+                      </a:r>
+                      <a:endParaRPr lang="en-US" sz="1600" b="0" dirty="0">
+                        <a:solidFill>
+                          <a:schemeClr val="tx1">
+                            <a:lumMod val="50000"/>
+                            <a:lumOff val="50000"/>
+                          </a:schemeClr>
+                        </a:solidFill>
+                        <a:latin typeface="Gill Sans" charset="0"/>
+                        <a:ea typeface="Gill Sans" charset="0"/>
+                        <a:cs typeface="Gill Sans" charset="0"/>
+                      </a:endParaRPr>
+                    </a:p>
+                  </a:txBody>
+                  <a:tcPr>
+                    <a:solidFill>
+                      <a:schemeClr val="bg1"/>
+                    </a:solidFill>
+                  </a:tcPr>
+                </a:tc>
+              </a:tr>
+              <a:tr h="123302">
+                <a:tc>
+                  <a:txBody>
+                    <a:bodyPr/>
+                    <a:lstStyle/>
+                    <a:p>
+                      <a:pPr algn="ctr">
+                        <a:lnSpc>
+                          <a:spcPct val="80000"/>
+                        </a:lnSpc>
+                      </a:pPr>
+                      <a:r>
+                        <a:rPr lang="en-US" sz="1600" b="0" dirty="0" smtClean="0">
+                          <a:solidFill>
+                            <a:schemeClr val="tx1">
+                              <a:lumMod val="50000"/>
+                              <a:lumOff val="50000"/>
+                            </a:schemeClr>
+                          </a:solidFill>
+                          <a:latin typeface="Gill Sans" charset="0"/>
+                          <a:ea typeface="Gill Sans" charset="0"/>
+                          <a:cs typeface="Gill Sans" charset="0"/>
+                        </a:rPr>
+                        <a:t>1</a:t>
+                      </a:r>
+                      <a:endParaRPr lang="en-US" sz="1600" b="0" dirty="0">
+                        <a:solidFill>
+                          <a:schemeClr val="tx1">
+                            <a:lumMod val="50000"/>
+                            <a:lumOff val="50000"/>
+                          </a:schemeClr>
+                        </a:solidFill>
+                        <a:latin typeface="Gill Sans" charset="0"/>
+                        <a:ea typeface="Gill Sans" charset="0"/>
+                        <a:cs typeface="Gill Sans" charset="0"/>
+                      </a:endParaRPr>
+                    </a:p>
+                  </a:txBody>
+                  <a:tcPr>
+                    <a:noFill/>
+                  </a:tcPr>
+                </a:tc>
+                <a:tc>
+                  <a:txBody>
+                    <a:bodyPr/>
+                    <a:lstStyle/>
+                    <a:p>
+                      <a:pPr algn="ctr">
+                        <a:lnSpc>
+                          <a:spcPct val="80000"/>
+                        </a:lnSpc>
+                      </a:pPr>
+                      <a:r>
+                        <a:rPr lang="en-US" sz="1600" b="0" dirty="0" smtClean="0">
+                          <a:solidFill>
+                            <a:schemeClr val="tx1"/>
+                          </a:solidFill>
+                          <a:latin typeface="Gill Sans" charset="0"/>
+                          <a:ea typeface="Gill Sans" charset="0"/>
+                          <a:cs typeface="Gill Sans" charset="0"/>
+                        </a:rPr>
+                        <a:t>San Francisco</a:t>
+                      </a:r>
+                      <a:endParaRPr lang="en-US" sz="1600" b="0" dirty="0">
+                        <a:solidFill>
+                          <a:schemeClr val="tx1"/>
+                        </a:solidFill>
+                        <a:latin typeface="Gill Sans" charset="0"/>
+                        <a:ea typeface="Gill Sans" charset="0"/>
+                        <a:cs typeface="Gill Sans" charset="0"/>
+                      </a:endParaRPr>
+                    </a:p>
+                  </a:txBody>
+                  <a:tcPr>
+                    <a:solidFill>
+                      <a:schemeClr val="bg1"/>
+                    </a:solidFill>
+                  </a:tcPr>
+                </a:tc>
+                <a:tc>
+                  <a:txBody>
+                    <a:bodyPr/>
+                    <a:lstStyle/>
+                    <a:p>
+                      <a:pPr algn="ctr">
+                        <a:lnSpc>
+                          <a:spcPct val="80000"/>
+                        </a:lnSpc>
+                      </a:pPr>
+                      <a:r>
+                        <a:rPr lang="en-US" sz="1600" b="0" dirty="0" smtClean="0">
+                          <a:solidFill>
+                            <a:schemeClr val="tx1"/>
+                          </a:solidFill>
+                          <a:latin typeface="Gill Sans" charset="0"/>
+                          <a:ea typeface="Gill Sans" charset="0"/>
+                          <a:cs typeface="Gill Sans" charset="0"/>
+                        </a:rPr>
+                        <a:t>SF</a:t>
+                      </a:r>
+                      <a:endParaRPr lang="en-US" sz="1600" b="0" dirty="0">
+                        <a:solidFill>
+                          <a:schemeClr val="tx1"/>
+                        </a:solidFill>
+                        <a:latin typeface="Gill Sans" charset="0"/>
+                        <a:ea typeface="Gill Sans" charset="0"/>
+                        <a:cs typeface="Gill Sans" charset="0"/>
+                      </a:endParaRPr>
+                    </a:p>
+                  </a:txBody>
+                  <a:tcPr>
+                    <a:solidFill>
+                      <a:schemeClr val="bg1"/>
+                    </a:solidFill>
+                  </a:tcPr>
+                </a:tc>
+              </a:tr>
+              <a:tr h="123302">
+                <a:tc>
+                  <a:txBody>
+                    <a:bodyPr/>
+                    <a:lstStyle/>
+                    <a:p>
+                      <a:pPr algn="ctr">
+                        <a:lnSpc>
+                          <a:spcPct val="80000"/>
+                        </a:lnSpc>
+                      </a:pPr>
+                      <a:r>
+                        <a:rPr lang="en-US" sz="1600" b="0" dirty="0" smtClean="0">
+                          <a:solidFill>
+                            <a:schemeClr val="tx1">
+                              <a:lumMod val="50000"/>
+                              <a:lumOff val="50000"/>
+                            </a:schemeClr>
+                          </a:solidFill>
+                          <a:latin typeface="Gill Sans" charset="0"/>
+                          <a:ea typeface="Gill Sans" charset="0"/>
+                          <a:cs typeface="Gill Sans" charset="0"/>
+                        </a:rPr>
+                        <a:t>2</a:t>
+                      </a:r>
+                      <a:endParaRPr lang="en-US" sz="1600" b="0" dirty="0">
+                        <a:solidFill>
+                          <a:schemeClr val="tx1">
+                            <a:lumMod val="50000"/>
+                            <a:lumOff val="50000"/>
+                          </a:schemeClr>
+                        </a:solidFill>
+                        <a:latin typeface="Gill Sans" charset="0"/>
+                        <a:ea typeface="Gill Sans" charset="0"/>
+                        <a:cs typeface="Gill Sans" charset="0"/>
+                      </a:endParaRPr>
+                    </a:p>
+                  </a:txBody>
+                  <a:tcPr>
+                    <a:noFill/>
+                  </a:tcPr>
+                </a:tc>
+                <a:tc>
+                  <a:txBody>
+                    <a:bodyPr/>
+                    <a:lstStyle/>
+                    <a:p>
+                      <a:pPr algn="ctr">
+                        <a:lnSpc>
+                          <a:spcPct val="80000"/>
+                        </a:lnSpc>
+                      </a:pPr>
+                      <a:r>
+                        <a:rPr lang="en-US" sz="1600" b="0" dirty="0" smtClean="0">
+                          <a:solidFill>
+                            <a:schemeClr val="tx1"/>
+                          </a:solidFill>
+                          <a:latin typeface="Gill Sans" charset="0"/>
+                          <a:ea typeface="Gill Sans" charset="0"/>
+                          <a:cs typeface="Gill Sans" charset="0"/>
+                        </a:rPr>
+                        <a:t>New</a:t>
+                      </a:r>
+                      <a:r>
+                        <a:rPr lang="en-US" sz="1600" b="0" baseline="0" dirty="0" smtClean="0">
+                          <a:solidFill>
+                            <a:schemeClr val="tx1"/>
+                          </a:solidFill>
+                          <a:latin typeface="Gill Sans" charset="0"/>
+                          <a:ea typeface="Gill Sans" charset="0"/>
+                          <a:cs typeface="Gill Sans" charset="0"/>
+                        </a:rPr>
+                        <a:t> York</a:t>
+                      </a:r>
+                      <a:endParaRPr lang="en-US" sz="1600" b="0" dirty="0">
+                        <a:solidFill>
+                          <a:schemeClr val="tx1"/>
+                        </a:solidFill>
+                        <a:latin typeface="Gill Sans" charset="0"/>
+                        <a:ea typeface="Gill Sans" charset="0"/>
+                        <a:cs typeface="Gill Sans" charset="0"/>
+                      </a:endParaRPr>
+                    </a:p>
+                  </a:txBody>
+                  <a:tcPr>
+                    <a:solidFill>
+                      <a:schemeClr val="bg1"/>
+                    </a:solidFill>
+                  </a:tcPr>
+                </a:tc>
+                <a:tc>
+                  <a:txBody>
+                    <a:bodyPr/>
+                    <a:lstStyle/>
+                    <a:p>
+                      <a:pPr algn="ctr">
+                        <a:lnSpc>
+                          <a:spcPct val="80000"/>
+                        </a:lnSpc>
+                      </a:pPr>
+                      <a:r>
+                        <a:rPr lang="en-US" sz="1600" b="0" dirty="0" smtClean="0">
+                          <a:solidFill>
+                            <a:schemeClr val="tx1"/>
+                          </a:solidFill>
+                          <a:latin typeface="Gill Sans" charset="0"/>
+                          <a:ea typeface="Gill Sans" charset="0"/>
+                          <a:cs typeface="Gill Sans" charset="0"/>
+                        </a:rPr>
+                        <a:t>NY</a:t>
+                      </a:r>
+                      <a:endParaRPr lang="en-US" sz="1600" b="0" dirty="0">
+                        <a:solidFill>
+                          <a:schemeClr val="tx1"/>
+                        </a:solidFill>
+                        <a:latin typeface="Gill Sans" charset="0"/>
+                        <a:ea typeface="Gill Sans" charset="0"/>
+                        <a:cs typeface="Gill Sans" charset="0"/>
+                      </a:endParaRPr>
+                    </a:p>
+                  </a:txBody>
+                  <a:tcPr>
+                    <a:solidFill>
+                      <a:schemeClr val="bg1"/>
+                    </a:solidFill>
+                  </a:tcPr>
+                </a:tc>
+              </a:tr>
+              <a:tr h="123302">
+                <a:tc>
+                  <a:txBody>
+                    <a:bodyPr/>
+                    <a:lstStyle/>
+                    <a:p>
+                      <a:pPr algn="ctr">
+                        <a:lnSpc>
+                          <a:spcPct val="80000"/>
+                        </a:lnSpc>
+                      </a:pPr>
+                      <a:r>
+                        <a:rPr lang="en-US" sz="1600" b="0" baseline="0" dirty="0" smtClean="0">
+                          <a:solidFill>
+                            <a:schemeClr val="tx1">
+                              <a:lumMod val="50000"/>
+                              <a:lumOff val="50000"/>
+                            </a:schemeClr>
+                          </a:solidFill>
+                          <a:latin typeface="Gill Sans" charset="0"/>
+                          <a:ea typeface="Gill Sans" charset="0"/>
+                          <a:cs typeface="Gill Sans" charset="0"/>
+                        </a:rPr>
+                        <a:t>3</a:t>
+                      </a:r>
+                      <a:endParaRPr lang="en-US" sz="1600" b="0" dirty="0">
+                        <a:solidFill>
+                          <a:schemeClr val="tx1">
+                            <a:lumMod val="50000"/>
+                            <a:lumOff val="50000"/>
+                          </a:schemeClr>
+                        </a:solidFill>
+                        <a:latin typeface="Gill Sans" charset="0"/>
+                        <a:ea typeface="Gill Sans" charset="0"/>
+                        <a:cs typeface="Gill Sans" charset="0"/>
+                      </a:endParaRPr>
+                    </a:p>
+                  </a:txBody>
+                  <a:tcPr>
+                    <a:noFill/>
+                  </a:tcPr>
+                </a:tc>
+                <a:tc>
+                  <a:txBody>
+                    <a:bodyPr/>
+                    <a:lstStyle/>
+                    <a:p>
+                      <a:pPr algn="ctr">
+                        <a:lnSpc>
+                          <a:spcPct val="80000"/>
+                        </a:lnSpc>
+                      </a:pPr>
+                      <a:r>
+                        <a:rPr lang="en-US" sz="1600" b="0" dirty="0" smtClean="0">
+                          <a:solidFill>
+                            <a:schemeClr val="tx1"/>
+                          </a:solidFill>
+                          <a:latin typeface="Gill Sans" charset="0"/>
+                          <a:ea typeface="Gill Sans" charset="0"/>
+                          <a:cs typeface="Gill Sans" charset="0"/>
+                        </a:rPr>
+                        <a:t>New</a:t>
+                      </a:r>
+                      <a:r>
+                        <a:rPr lang="en-US" sz="1600" b="0" baseline="0" dirty="0" smtClean="0">
+                          <a:solidFill>
+                            <a:schemeClr val="tx1"/>
+                          </a:solidFill>
+                          <a:latin typeface="Gill Sans" charset="0"/>
+                          <a:ea typeface="Gill Sans" charset="0"/>
+                          <a:cs typeface="Gill Sans" charset="0"/>
+                        </a:rPr>
+                        <a:t> York City</a:t>
+                      </a:r>
+                      <a:endParaRPr lang="en-US" sz="1600" b="0" dirty="0">
+                        <a:solidFill>
+                          <a:schemeClr val="tx1"/>
+                        </a:solidFill>
+                        <a:latin typeface="Gill Sans" charset="0"/>
+                        <a:ea typeface="Gill Sans" charset="0"/>
+                        <a:cs typeface="Gill Sans" charset="0"/>
+                      </a:endParaRPr>
+                    </a:p>
+                  </a:txBody>
+                  <a:tcPr>
+                    <a:solidFill>
+                      <a:schemeClr val="bg1"/>
+                    </a:solidFill>
+                  </a:tcPr>
+                </a:tc>
+                <a:tc>
+                  <a:txBody>
+                    <a:bodyPr/>
+                    <a:lstStyle/>
+                    <a:p>
+                      <a:pPr algn="ctr">
+                        <a:lnSpc>
+                          <a:spcPct val="80000"/>
+                        </a:lnSpc>
+                      </a:pPr>
+                      <a:r>
+                        <a:rPr lang="en-US" sz="1600" b="0" dirty="0" smtClean="0">
+                          <a:solidFill>
+                            <a:schemeClr val="tx1"/>
+                          </a:solidFill>
+                          <a:latin typeface="Gill Sans" charset="0"/>
+                          <a:ea typeface="Gill Sans" charset="0"/>
+                          <a:cs typeface="Gill Sans" charset="0"/>
+                        </a:rPr>
+                        <a:t>NYC</a:t>
+                      </a:r>
+                      <a:endParaRPr lang="en-US" sz="1600" b="0" dirty="0">
+                        <a:solidFill>
+                          <a:schemeClr val="tx1"/>
+                        </a:solidFill>
+                        <a:latin typeface="Gill Sans" charset="0"/>
+                        <a:ea typeface="Gill Sans" charset="0"/>
+                        <a:cs typeface="Gill Sans" charset="0"/>
+                      </a:endParaRPr>
+                    </a:p>
+                  </a:txBody>
+                  <a:tcPr>
+                    <a:solidFill>
+                      <a:schemeClr val="bg1"/>
+                    </a:solidFill>
+                  </a:tcPr>
+                </a:tc>
+              </a:tr>
+              <a:tr h="138189">
+                <a:tc>
+                  <a:txBody>
+                    <a:bodyPr/>
+                    <a:lstStyle/>
+                    <a:p>
+                      <a:pPr algn="ctr">
+                        <a:lnSpc>
+                          <a:spcPct val="80000"/>
+                        </a:lnSpc>
+                      </a:pPr>
+                      <a:r>
+                        <a:rPr lang="en-US" sz="1600" b="0" dirty="0" smtClean="0">
+                          <a:solidFill>
+                            <a:schemeClr val="tx1">
+                              <a:lumMod val="50000"/>
+                              <a:lumOff val="50000"/>
+                            </a:schemeClr>
+                          </a:solidFill>
+                          <a:latin typeface="Gill Sans" charset="0"/>
+                          <a:ea typeface="Gill Sans" charset="0"/>
+                          <a:cs typeface="Gill Sans" charset="0"/>
+                        </a:rPr>
+                        <a:t>4</a:t>
+                      </a:r>
+                      <a:endParaRPr lang="en-US" sz="1600" b="0" dirty="0">
+                        <a:solidFill>
+                          <a:schemeClr val="tx1">
+                            <a:lumMod val="50000"/>
+                            <a:lumOff val="50000"/>
+                          </a:schemeClr>
+                        </a:solidFill>
+                        <a:latin typeface="Gill Sans" charset="0"/>
+                        <a:ea typeface="Gill Sans" charset="0"/>
+                        <a:cs typeface="Gill Sans" charset="0"/>
+                      </a:endParaRPr>
+                    </a:p>
+                  </a:txBody>
+                  <a:tcPr>
+                    <a:noFill/>
+                  </a:tcPr>
+                </a:tc>
+                <a:tc>
+                  <a:txBody>
+                    <a:bodyPr/>
+                    <a:lstStyle/>
+                    <a:p>
+                      <a:pPr algn="ctr">
+                        <a:lnSpc>
+                          <a:spcPct val="80000"/>
+                        </a:lnSpc>
+                      </a:pPr>
+                      <a:r>
+                        <a:rPr lang="en-US" sz="1600" b="0" dirty="0" smtClean="0">
+                          <a:solidFill>
+                            <a:schemeClr val="tx1"/>
+                          </a:solidFill>
+                          <a:latin typeface="Gill Sans" charset="0"/>
+                          <a:ea typeface="Gill Sans" charset="0"/>
+                          <a:cs typeface="Gill Sans" charset="0"/>
+                        </a:rPr>
+                        <a:t>San </a:t>
+                      </a:r>
+                      <a:r>
+                        <a:rPr lang="en-US" sz="1600" b="0" dirty="0" err="1" smtClean="0">
+                          <a:solidFill>
+                            <a:schemeClr val="tx1"/>
+                          </a:solidFill>
+                          <a:latin typeface="Gill Sans" charset="0"/>
+                          <a:ea typeface="Gill Sans" charset="0"/>
+                          <a:cs typeface="Gill Sans" charset="0"/>
+                        </a:rPr>
+                        <a:t>Francisc</a:t>
+                      </a:r>
+                      <a:endParaRPr lang="en-US" sz="1600" b="0" dirty="0">
+                        <a:solidFill>
+                          <a:schemeClr val="tx1"/>
+                        </a:solidFill>
+                        <a:latin typeface="Gill Sans" charset="0"/>
+                        <a:ea typeface="Gill Sans" charset="0"/>
+                        <a:cs typeface="Gill Sans" charset="0"/>
+                      </a:endParaRPr>
+                    </a:p>
+                  </a:txBody>
+                  <a:tcPr>
+                    <a:solidFill>
+                      <a:schemeClr val="bg1"/>
+                    </a:solidFill>
+                  </a:tcPr>
+                </a:tc>
+                <a:tc>
+                  <a:txBody>
+                    <a:bodyPr/>
+                    <a:lstStyle/>
+                    <a:p>
+                      <a:pPr algn="ctr">
+                        <a:lnSpc>
+                          <a:spcPct val="80000"/>
+                        </a:lnSpc>
+                      </a:pPr>
+                      <a:r>
+                        <a:rPr lang="en-US" sz="1600" b="0" dirty="0" smtClean="0">
+                          <a:solidFill>
+                            <a:schemeClr val="tx1"/>
+                          </a:solidFill>
+                          <a:latin typeface="Gill Sans" charset="0"/>
+                          <a:ea typeface="Gill Sans" charset="0"/>
+                          <a:cs typeface="Gill Sans" charset="0"/>
+                        </a:rPr>
+                        <a:t>SF</a:t>
+                      </a:r>
+                      <a:endParaRPr lang="en-US" sz="1600" b="0" dirty="0">
+                        <a:solidFill>
+                          <a:schemeClr val="tx1"/>
+                        </a:solidFill>
+                        <a:latin typeface="Gill Sans" charset="0"/>
+                        <a:ea typeface="Gill Sans" charset="0"/>
+                        <a:cs typeface="Gill Sans" charset="0"/>
+                      </a:endParaRPr>
+                    </a:p>
+                  </a:txBody>
+                  <a:tcPr>
+                    <a:solidFill>
+                      <a:schemeClr val="bg1"/>
+                    </a:solidFill>
+                  </a:tcPr>
+                </a:tc>
+              </a:tr>
+              <a:tr h="138189">
+                <a:tc>
+                  <a:txBody>
+                    <a:bodyPr/>
+                    <a:lstStyle/>
+                    <a:p>
+                      <a:pPr algn="ctr">
+                        <a:lnSpc>
+                          <a:spcPct val="80000"/>
+                        </a:lnSpc>
+                      </a:pPr>
+                      <a:r>
+                        <a:rPr lang="en-US" sz="1600" b="0" dirty="0" smtClean="0">
+                          <a:solidFill>
+                            <a:schemeClr val="tx1">
+                              <a:lumMod val="50000"/>
+                              <a:lumOff val="50000"/>
+                            </a:schemeClr>
+                          </a:solidFill>
+                          <a:latin typeface="Gill Sans" charset="0"/>
+                          <a:ea typeface="Gill Sans" charset="0"/>
+                          <a:cs typeface="Gill Sans" charset="0"/>
+                        </a:rPr>
+                        <a:t>5</a:t>
+                      </a:r>
+                      <a:endParaRPr lang="en-US" sz="1600" b="0" dirty="0">
+                        <a:solidFill>
+                          <a:schemeClr val="tx1">
+                            <a:lumMod val="50000"/>
+                            <a:lumOff val="50000"/>
+                          </a:schemeClr>
+                        </a:solidFill>
+                        <a:latin typeface="Gill Sans" charset="0"/>
+                        <a:ea typeface="Gill Sans" charset="0"/>
+                        <a:cs typeface="Gill Sans" charset="0"/>
+                      </a:endParaRPr>
+                    </a:p>
+                  </a:txBody>
+                  <a:tcPr>
+                    <a:noFill/>
+                  </a:tcPr>
+                </a:tc>
+                <a:tc>
+                  <a:txBody>
+                    <a:bodyPr/>
+                    <a:lstStyle/>
+                    <a:p>
+                      <a:pPr algn="ctr">
+                        <a:lnSpc>
+                          <a:spcPct val="80000"/>
+                        </a:lnSpc>
+                      </a:pPr>
+                      <a:r>
+                        <a:rPr lang="en-US" dirty="0" smtClean="0"/>
+                        <a:t>San Jose</a:t>
+                      </a:r>
+                      <a:endParaRPr lang="en-US" dirty="0"/>
+                    </a:p>
+                  </a:txBody>
+                  <a:tcPr>
+                    <a:solidFill>
+                      <a:schemeClr val="bg1"/>
+                    </a:solidFill>
+                  </a:tcPr>
+                </a:tc>
+                <a:tc>
+                  <a:txBody>
+                    <a:bodyPr/>
+                    <a:lstStyle/>
+                    <a:p>
+                      <a:pPr algn="ctr">
+                        <a:lnSpc>
+                          <a:spcPct val="80000"/>
+                        </a:lnSpc>
+                      </a:pPr>
+                      <a:r>
+                        <a:rPr lang="en-US" dirty="0" smtClean="0"/>
+                        <a:t>SJ</a:t>
+                      </a:r>
+                      <a:endParaRPr lang="en-US" dirty="0"/>
+                    </a:p>
+                  </a:txBody>
+                  <a:tcPr>
+                    <a:solidFill>
+                      <a:schemeClr val="bg1"/>
+                    </a:solidFill>
+                  </a:tcPr>
+                </a:tc>
+              </a:tr>
+              <a:tr h="138189">
+                <a:tc>
+                  <a:txBody>
+                    <a:bodyPr/>
+                    <a:lstStyle/>
+                    <a:p>
+                      <a:pPr algn="ctr">
+                        <a:lnSpc>
+                          <a:spcPct val="80000"/>
+                        </a:lnSpc>
+                      </a:pPr>
+                      <a:r>
+                        <a:rPr lang="en-US" sz="1600" b="0" baseline="0" dirty="0" smtClean="0">
+                          <a:solidFill>
+                            <a:schemeClr val="tx1">
+                              <a:lumMod val="50000"/>
+                              <a:lumOff val="50000"/>
+                            </a:schemeClr>
+                          </a:solidFill>
+                          <a:latin typeface="Gill Sans" charset="0"/>
+                          <a:ea typeface="Gill Sans" charset="0"/>
+                          <a:cs typeface="Gill Sans" charset="0"/>
+                        </a:rPr>
+                        <a:t>6</a:t>
+                      </a:r>
+                      <a:endParaRPr lang="en-US" sz="1600" b="0" dirty="0">
+                        <a:solidFill>
+                          <a:schemeClr val="tx1">
+                            <a:lumMod val="50000"/>
+                            <a:lumOff val="50000"/>
+                          </a:schemeClr>
+                        </a:solidFill>
+                        <a:latin typeface="Gill Sans" charset="0"/>
+                        <a:ea typeface="Gill Sans" charset="0"/>
+                        <a:cs typeface="Gill Sans" charset="0"/>
+                      </a:endParaRPr>
+                    </a:p>
+                  </a:txBody>
+                  <a:tcPr>
+                    <a:noFill/>
+                  </a:tcPr>
+                </a:tc>
+                <a:tc>
+                  <a:txBody>
+                    <a:bodyPr/>
+                    <a:lstStyle/>
+                    <a:p>
+                      <a:pPr algn="ctr">
+                        <a:lnSpc>
+                          <a:spcPct val="80000"/>
+                        </a:lnSpc>
+                      </a:pPr>
+                      <a:r>
+                        <a:rPr lang="en-US" dirty="0" smtClean="0"/>
+                        <a:t>San Mateo</a:t>
+                      </a:r>
+                      <a:endParaRPr lang="en-US" dirty="0"/>
+                    </a:p>
+                  </a:txBody>
+                  <a:tcPr>
+                    <a:solidFill>
+                      <a:schemeClr val="bg1"/>
+                    </a:solidFill>
+                  </a:tcPr>
+                </a:tc>
+                <a:tc>
+                  <a:txBody>
+                    <a:bodyPr/>
+                    <a:lstStyle/>
+                    <a:p>
+                      <a:pPr algn="ctr">
+                        <a:lnSpc>
+                          <a:spcPct val="80000"/>
+                        </a:lnSpc>
+                      </a:pPr>
+                      <a:r>
+                        <a:rPr lang="en-US" dirty="0" smtClean="0"/>
+                        <a:t>SM</a:t>
+                      </a:r>
+                      <a:endParaRPr lang="en-US" dirty="0"/>
+                    </a:p>
+                  </a:txBody>
+                  <a:tcPr>
+                    <a:solidFill>
+                      <a:schemeClr val="bg1"/>
+                    </a:solidFill>
+                  </a:tcPr>
+                </a:tc>
+              </a:tr>
+              <a:tr h="138189">
+                <a:tc>
+                  <a:txBody>
+                    <a:bodyPr/>
+                    <a:lstStyle/>
+                    <a:p>
+                      <a:pPr algn="ctr">
+                        <a:lnSpc>
+                          <a:spcPct val="80000"/>
+                        </a:lnSpc>
+                      </a:pPr>
+                      <a:r>
+                        <a:rPr lang="en-US" sz="1600" b="0" dirty="0" smtClean="0">
+                          <a:solidFill>
+                            <a:schemeClr val="tx1">
+                              <a:lumMod val="50000"/>
+                              <a:lumOff val="50000"/>
+                            </a:schemeClr>
+                          </a:solidFill>
+                          <a:latin typeface="Gill Sans" charset="0"/>
+                          <a:ea typeface="Gill Sans" charset="0"/>
+                          <a:cs typeface="Gill Sans" charset="0"/>
+                        </a:rPr>
+                        <a:t>7</a:t>
+                      </a:r>
+                      <a:endParaRPr lang="en-US" sz="1600" b="0" dirty="0">
+                        <a:solidFill>
+                          <a:schemeClr val="tx1">
+                            <a:lumMod val="50000"/>
+                            <a:lumOff val="50000"/>
+                          </a:schemeClr>
+                        </a:solidFill>
+                        <a:latin typeface="Gill Sans" charset="0"/>
+                        <a:ea typeface="Gill Sans" charset="0"/>
+                        <a:cs typeface="Gill Sans" charset="0"/>
+                      </a:endParaRPr>
+                    </a:p>
+                  </a:txBody>
+                  <a:tcPr>
+                    <a:noFill/>
+                  </a:tcPr>
+                </a:tc>
+                <a:tc>
+                  <a:txBody>
+                    <a:bodyPr/>
+                    <a:lstStyle/>
+                    <a:p>
+                      <a:pPr algn="ctr">
+                        <a:lnSpc>
+                          <a:spcPct val="80000"/>
+                        </a:lnSpc>
+                      </a:pPr>
+                      <a:r>
+                        <a:rPr lang="en-US" sz="1600" b="0" dirty="0" smtClean="0">
+                          <a:solidFill>
+                            <a:schemeClr val="tx1"/>
+                          </a:solidFill>
+                          <a:latin typeface="Gill Sans" charset="0"/>
+                          <a:ea typeface="Gill Sans" charset="0"/>
+                          <a:cs typeface="Gill Sans" charset="0"/>
+                        </a:rPr>
+                        <a:t>New</a:t>
+                      </a:r>
+                      <a:r>
+                        <a:rPr lang="en-US" sz="1600" b="0" baseline="0" dirty="0" smtClean="0">
+                          <a:solidFill>
+                            <a:schemeClr val="tx1"/>
+                          </a:solidFill>
+                          <a:latin typeface="Gill Sans" charset="0"/>
+                          <a:ea typeface="Gill Sans" charset="0"/>
+                          <a:cs typeface="Gill Sans" charset="0"/>
+                        </a:rPr>
+                        <a:t> York City</a:t>
+                      </a:r>
+                      <a:endParaRPr lang="en-US" sz="1600" b="0" dirty="0">
+                        <a:solidFill>
+                          <a:schemeClr val="tx1"/>
+                        </a:solidFill>
+                        <a:latin typeface="Gill Sans" charset="0"/>
+                        <a:ea typeface="Gill Sans" charset="0"/>
+                        <a:cs typeface="Gill Sans" charset="0"/>
+                      </a:endParaRPr>
+                    </a:p>
+                  </a:txBody>
+                  <a:tcPr>
+                    <a:solidFill>
+                      <a:schemeClr val="bg1"/>
+                    </a:solidFill>
+                  </a:tcPr>
+                </a:tc>
+                <a:tc>
+                  <a:txBody>
+                    <a:bodyPr/>
+                    <a:lstStyle/>
+                    <a:p>
+                      <a:pPr algn="ctr">
+                        <a:lnSpc>
+                          <a:spcPct val="80000"/>
+                        </a:lnSpc>
+                      </a:pPr>
+                      <a:r>
+                        <a:rPr lang="en-US" sz="1600" b="0" dirty="0" smtClean="0">
+                          <a:solidFill>
+                            <a:schemeClr val="tx1"/>
+                          </a:solidFill>
+                          <a:latin typeface="Gill Sans" charset="0"/>
+                          <a:ea typeface="Gill Sans" charset="0"/>
+                          <a:cs typeface="Gill Sans" charset="0"/>
+                        </a:rPr>
+                        <a:t>NY</a:t>
+                      </a:r>
+                      <a:endParaRPr lang="en-US" sz="1600" b="0" dirty="0">
+                        <a:solidFill>
+                          <a:schemeClr val="tx1"/>
+                        </a:solidFill>
+                        <a:latin typeface="Gill Sans" charset="0"/>
+                        <a:ea typeface="Gill Sans" charset="0"/>
+                        <a:cs typeface="Gill Sans" charset="0"/>
+                      </a:endParaRPr>
+                    </a:p>
+                  </a:txBody>
+                  <a:tcPr>
+                    <a:solidFill>
+                      <a:schemeClr val="bg1"/>
+                    </a:solidFill>
+                  </a:tcPr>
+                </a:tc>
+              </a:tr>
+            </a:tbl>
+          </a:graphicData>
+        </a:graphic>
+      </p:graphicFrame>
+      <p:sp>
+        <p:nvSpPr>
+          <p:cNvPr id="79" name="Rectangle 78"/>
+          <p:cNvSpPr/>
+          <p:nvPr/>
+        </p:nvSpPr>
+        <p:spPr>
+          <a:xfrm>
+            <a:off x="3617258" y="3428503"/>
+            <a:ext cx="1118077" cy="309955"/>
+          </a:xfrm>
+          <a:prstGeom prst="rect">
+            <a:avLst/>
+          </a:prstGeom>
+          <a:noFill/>
+          <a:ln w="28575">
+            <a:solidFill>
+              <a:srgbClr val="FF0000"/>
+            </a:solidFill>
+          </a:ln>
+        </p:spPr>
+        <p:style>
+          <a:lnRef idx="2">
+            <a:schemeClr val="accent1">
+              <a:shade val="50000"/>
+            </a:schemeClr>
+          </a:lnRef>
+          <a:fillRef idx="1">
+            <a:schemeClr val="accent1"/>
+          </a:fillRef>
+          <a:effectRef idx="0">
+            <a:schemeClr val="accent1"/>
+          </a:effectRef>
+          <a:fontRef idx="minor">
+            <a:schemeClr val="lt1"/>
+          </a:fontRef>
+        </p:style>
+        <p:txBody>
+          <a:bodyPr rtlCol="0" anchor="ctr"/>
+          <a:lstStyle/>
+          <a:p>
+            <a:pPr algn="ctr"/>
+            <a:endParaRPr lang="en-US" sz="2400" dirty="0" smtClean="0">
+              <a:solidFill>
+                <a:schemeClr val="bg1">
+                  <a:lumMod val="50000"/>
+                </a:schemeClr>
+              </a:solidFill>
+              <a:latin typeface="Avenir Book" charset="0"/>
+              <a:ea typeface="Avenir Book" charset="0"/>
+              <a:cs typeface="Avenir Book" charset="0"/>
+            </a:endParaRPr>
+          </a:p>
+        </p:txBody>
+      </p:sp>
+      <p:sp>
+        <p:nvSpPr>
+          <p:cNvPr id="80" name="Rectangle 79"/>
+          <p:cNvSpPr/>
+          <p:nvPr/>
+        </p:nvSpPr>
+        <p:spPr>
+          <a:xfrm>
+            <a:off x="2480786" y="3428502"/>
+            <a:ext cx="1207812" cy="309955"/>
+          </a:xfrm>
+          <a:prstGeom prst="rect">
+            <a:avLst/>
+          </a:prstGeom>
+          <a:noFill/>
+          <a:ln w="28575">
+            <a:noFill/>
+          </a:ln>
+        </p:spPr>
+        <p:style>
+          <a:lnRef idx="2">
+            <a:schemeClr val="accent1">
+              <a:shade val="50000"/>
+            </a:schemeClr>
+          </a:lnRef>
+          <a:fillRef idx="1">
+            <a:schemeClr val="accent1"/>
+          </a:fillRef>
+          <a:effectRef idx="0">
+            <a:schemeClr val="accent1"/>
+          </a:effectRef>
+          <a:fontRef idx="minor">
+            <a:schemeClr val="lt1"/>
+          </a:fontRef>
+        </p:style>
+        <p:txBody>
+          <a:bodyPr rtlCol="0" anchor="ctr"/>
+          <a:lstStyle/>
+          <a:p>
+            <a:pPr algn="ctr"/>
+            <a:endParaRPr lang="en-US" sz="2400" dirty="0" smtClean="0">
+              <a:solidFill>
+                <a:schemeClr val="bg1">
+                  <a:lumMod val="50000"/>
+                </a:schemeClr>
+              </a:solidFill>
+              <a:latin typeface="Avenir Book" charset="0"/>
+              <a:ea typeface="Avenir Book" charset="0"/>
+              <a:cs typeface="Avenir Book" charset="0"/>
+            </a:endParaRPr>
+          </a:p>
+        </p:txBody>
+      </p:sp>
+      <p:cxnSp>
+        <p:nvCxnSpPr>
+          <p:cNvPr id="82" name="Curved Connector 81"/>
+          <p:cNvCxnSpPr>
+            <a:stCxn id="80" idx="0"/>
+            <a:endCxn id="79" idx="0"/>
+          </p:cNvCxnSpPr>
+          <p:nvPr/>
+        </p:nvCxnSpPr>
+        <p:spPr>
+          <a:xfrm rot="16200000" flipH="1">
+            <a:off x="3630493" y="2882700"/>
+            <a:ext cx="1" cy="1091605"/>
+          </a:xfrm>
+          <a:prstGeom prst="curvedConnector3">
+            <a:avLst>
+              <a:gd name="adj1" fmla="val -22860000000"/>
+            </a:avLst>
+          </a:prstGeom>
+          <a:ln w="28575">
+            <a:solidFill>
+              <a:schemeClr val="bg1">
+                <a:lumMod val="50000"/>
+              </a:schemeClr>
+            </a:solidFill>
+            <a:prstDash val="sysDash"/>
+            <a:headEnd type="none" w="med" len="med"/>
+            <a:tailEnd type="triangle"/>
+          </a:ln>
+        </p:spPr>
+        <p:style>
+          <a:lnRef idx="1">
+            <a:schemeClr val="accent1"/>
+          </a:lnRef>
+          <a:fillRef idx="0">
+            <a:schemeClr val="accent1"/>
+          </a:fillRef>
+          <a:effectRef idx="0">
+            <a:schemeClr val="accent1"/>
+          </a:effectRef>
+          <a:fontRef idx="minor">
+            <a:schemeClr val="tx1"/>
+          </a:fontRef>
+        </p:style>
+      </p:cxnSp>
+      <p:pic>
+        <p:nvPicPr>
+          <p:cNvPr id="83" name="Picture 82"/>
+          <p:cNvPicPr>
+            <a:picLocks noChangeAspect="1"/>
+          </p:cNvPicPr>
+          <p:nvPr/>
+        </p:nvPicPr>
+        <p:blipFill>
+          <a:blip r:embed="rId2"/>
+          <a:stretch>
+            <a:fillRect/>
+          </a:stretch>
+        </p:blipFill>
+        <p:spPr>
+          <a:xfrm>
+            <a:off x="6199760" y="3293573"/>
+            <a:ext cx="290395" cy="290395"/>
+          </a:xfrm>
+          <a:prstGeom prst="rect">
+            <a:avLst/>
+          </a:prstGeom>
+        </p:spPr>
+      </p:pic>
+      <p:grpSp>
+        <p:nvGrpSpPr>
+          <p:cNvPr id="86" name="Group 85"/>
+          <p:cNvGrpSpPr/>
+          <p:nvPr/>
+        </p:nvGrpSpPr>
+        <p:grpSpPr>
+          <a:xfrm>
+            <a:off x="1891562" y="6051626"/>
+            <a:ext cx="2669601" cy="655621"/>
+            <a:chOff x="9157590" y="5797483"/>
+            <a:chExt cx="2669601" cy="655621"/>
+          </a:xfrm>
+        </p:grpSpPr>
+        <p:sp>
+          <p:nvSpPr>
+            <p:cNvPr id="87" name="TextBox 86"/>
+            <p:cNvSpPr txBox="1"/>
+            <p:nvPr/>
+          </p:nvSpPr>
+          <p:spPr>
+            <a:xfrm>
+              <a:off x="9157590" y="5797483"/>
+              <a:ext cx="441146" cy="369332"/>
+            </a:xfrm>
+            <a:prstGeom prst="rect">
+              <a:avLst/>
+            </a:prstGeom>
+            <a:noFill/>
+          </p:spPr>
+          <p:txBody>
+            <a:bodyPr wrap="none" rtlCol="0">
+              <a:spAutoFit/>
+            </a:bodyPr>
+            <a:lstStyle/>
+            <a:p>
+              <a:r>
+                <a:rPr lang="en-US" dirty="0" smtClean="0">
+                  <a:latin typeface="Tinos" charset="0"/>
+                  <a:ea typeface="Tinos" charset="0"/>
+                  <a:cs typeface="Tinos" charset="0"/>
+                </a:rPr>
+                <a:t>(c)</a:t>
+              </a:r>
+              <a:endParaRPr lang="en-US" dirty="0" smtClean="0">
+                <a:latin typeface="Tinos" charset="0"/>
+                <a:ea typeface="Tinos" charset="0"/>
+                <a:cs typeface="Tinos" charset="0"/>
+              </a:endParaRPr>
+            </a:p>
+          </p:txBody>
+        </p:sp>
+        <p:sp>
+          <p:nvSpPr>
+            <p:cNvPr id="88" name="TextBox 87"/>
+            <p:cNvSpPr txBox="1"/>
+            <p:nvPr/>
+          </p:nvSpPr>
+          <p:spPr>
+            <a:xfrm>
+              <a:off x="9523198" y="5806773"/>
+              <a:ext cx="2303993" cy="646331"/>
+            </a:xfrm>
+            <a:prstGeom prst="rect">
+              <a:avLst/>
+            </a:prstGeom>
+            <a:noFill/>
+          </p:spPr>
+          <p:txBody>
+            <a:bodyPr wrap="square" rtlCol="0">
+              <a:spAutoFit/>
+            </a:bodyPr>
+            <a:lstStyle/>
+            <a:p>
+              <a:r>
+                <a:rPr lang="en-US" dirty="0" smtClean="0">
+                  <a:latin typeface="Tinos" charset="0"/>
+                  <a:ea typeface="Tinos" charset="0"/>
+                  <a:cs typeface="Tinos" charset="0"/>
+                </a:rPr>
+                <a:t>Drag </a:t>
+              </a:r>
+              <a:r>
+                <a:rPr lang="en-US" dirty="0" err="1" smtClean="0">
+                  <a:latin typeface="Tinos" charset="0"/>
+                  <a:ea typeface="Tinos" charset="0"/>
+                  <a:cs typeface="Tinos" charset="0"/>
+                </a:rPr>
+                <a:t>city_name</a:t>
+              </a:r>
+              <a:r>
+                <a:rPr lang="en-US" dirty="0" smtClean="0">
+                  <a:latin typeface="Tinos" charset="0"/>
+                  <a:ea typeface="Tinos" charset="0"/>
+                  <a:cs typeface="Tinos" charset="0"/>
+                </a:rPr>
+                <a:t> over </a:t>
+              </a:r>
+              <a:r>
+                <a:rPr lang="en-US" dirty="0" err="1" smtClean="0">
+                  <a:latin typeface="Tinos" charset="0"/>
+                  <a:ea typeface="Tinos" charset="0"/>
+                  <a:cs typeface="Tinos" charset="0"/>
+                </a:rPr>
+                <a:t>city_code</a:t>
+              </a:r>
+              <a:r>
+                <a:rPr lang="en-US" dirty="0" smtClean="0">
+                  <a:latin typeface="Tinos" charset="0"/>
+                  <a:ea typeface="Tinos" charset="0"/>
+                  <a:cs typeface="Tinos" charset="0"/>
+                </a:rPr>
+                <a:t> to define FD</a:t>
+              </a:r>
+              <a:endParaRPr lang="en-US" dirty="0">
+                <a:latin typeface="Tinos" charset="0"/>
+                <a:ea typeface="Tinos" charset="0"/>
+                <a:cs typeface="Tinos" charset="0"/>
+              </a:endParaRPr>
+            </a:p>
+          </p:txBody>
+        </p:sp>
+      </p:grpSp>
+      <p:grpSp>
+        <p:nvGrpSpPr>
+          <p:cNvPr id="2" name="Group 1"/>
+          <p:cNvGrpSpPr/>
+          <p:nvPr/>
+        </p:nvGrpSpPr>
+        <p:grpSpPr>
+          <a:xfrm>
+            <a:off x="4867030" y="3410815"/>
+            <a:ext cx="2955855" cy="3288377"/>
+            <a:chOff x="5194520" y="3267938"/>
+            <a:chExt cx="2955855" cy="3288377"/>
+          </a:xfrm>
+        </p:grpSpPr>
+        <p:cxnSp>
+          <p:nvCxnSpPr>
+            <p:cNvPr id="114" name="Straight Arrow Connector 113"/>
+            <p:cNvCxnSpPr/>
+            <p:nvPr/>
+          </p:nvCxnSpPr>
+          <p:spPr>
+            <a:xfrm flipV="1">
+              <a:off x="5448639" y="3267938"/>
+              <a:ext cx="0" cy="2016364"/>
+            </a:xfrm>
+            <a:prstGeom prst="straightConnector1">
+              <a:avLst/>
+            </a:prstGeom>
+            <a:ln w="38100">
+              <a:solidFill>
+                <a:schemeClr val="bg1">
+                  <a:lumMod val="50000"/>
+                </a:schemeClr>
+              </a:solidFill>
+              <a:tailEnd type="triangle"/>
+            </a:ln>
+          </p:spPr>
+          <p:style>
+            <a:lnRef idx="1">
+              <a:schemeClr val="accent1"/>
+            </a:lnRef>
+            <a:fillRef idx="0">
+              <a:schemeClr val="accent1"/>
+            </a:fillRef>
+            <a:effectRef idx="0">
+              <a:schemeClr val="accent1"/>
+            </a:effectRef>
+            <a:fontRef idx="minor">
+              <a:schemeClr val="tx1"/>
+            </a:fontRef>
+          </p:style>
+        </p:cxnSp>
+        <p:sp>
+          <p:nvSpPr>
+            <p:cNvPr id="115" name="Rectangle 114"/>
+            <p:cNvSpPr/>
+            <p:nvPr/>
+          </p:nvSpPr>
+          <p:spPr>
+            <a:xfrm>
+              <a:off x="5557917" y="5019587"/>
+              <a:ext cx="154172" cy="254082"/>
+            </a:xfrm>
+            <a:prstGeom prst="rect">
+              <a:avLst/>
+            </a:prstGeom>
+            <a:solidFill>
+              <a:srgbClr val="00B0F0"/>
+            </a:solidFill>
+            <a:ln w="38100">
+              <a:solidFill>
+                <a:srgbClr val="00B0F0"/>
+              </a:solidFill>
+            </a:ln>
+          </p:spPr>
+          <p:style>
+            <a:lnRef idx="2">
+              <a:schemeClr val="accent1">
+                <a:shade val="50000"/>
+              </a:schemeClr>
+            </a:lnRef>
+            <a:fillRef idx="1">
+              <a:schemeClr val="accent1"/>
+            </a:fillRef>
+            <a:effectRef idx="0">
+              <a:schemeClr val="accent1"/>
+            </a:effectRef>
+            <a:fontRef idx="minor">
+              <a:schemeClr val="lt1"/>
+            </a:fontRef>
+          </p:style>
+          <p:txBody>
+            <a:bodyPr rtlCol="0" anchor="ctr"/>
+            <a:lstStyle/>
+            <a:p>
+              <a:pPr algn="ctr"/>
+              <a:endParaRPr lang="en-US" smtClean="0">
+                <a:solidFill>
+                  <a:schemeClr val="bg1">
+                    <a:lumMod val="50000"/>
+                  </a:schemeClr>
+                </a:solidFill>
+                <a:latin typeface="Raleway" charset="0"/>
+                <a:ea typeface="Raleway" charset="0"/>
+                <a:cs typeface="Raleway" charset="0"/>
+              </a:endParaRPr>
+            </a:p>
+          </p:txBody>
+        </p:sp>
+        <p:sp>
+          <p:nvSpPr>
+            <p:cNvPr id="116" name="Rectangle 115"/>
+            <p:cNvSpPr/>
+            <p:nvPr/>
+          </p:nvSpPr>
+          <p:spPr>
+            <a:xfrm>
+              <a:off x="5885231" y="5019587"/>
+              <a:ext cx="154172" cy="254082"/>
+            </a:xfrm>
+            <a:prstGeom prst="rect">
+              <a:avLst/>
+            </a:prstGeom>
+            <a:solidFill>
+              <a:srgbClr val="00B0F0"/>
+            </a:solidFill>
+            <a:ln w="38100">
+              <a:solidFill>
+                <a:srgbClr val="00B0F0"/>
+              </a:solidFill>
+            </a:ln>
+          </p:spPr>
+          <p:style>
+            <a:lnRef idx="2">
+              <a:schemeClr val="accent1">
+                <a:shade val="50000"/>
+              </a:schemeClr>
+            </a:lnRef>
+            <a:fillRef idx="1">
+              <a:schemeClr val="accent1"/>
+            </a:fillRef>
+            <a:effectRef idx="0">
+              <a:schemeClr val="accent1"/>
+            </a:effectRef>
+            <a:fontRef idx="minor">
+              <a:schemeClr val="lt1"/>
+            </a:fontRef>
+          </p:style>
+          <p:txBody>
+            <a:bodyPr rtlCol="0" anchor="ctr"/>
+            <a:lstStyle/>
+            <a:p>
+              <a:pPr algn="ctr"/>
+              <a:endParaRPr lang="en-US" smtClean="0">
+                <a:solidFill>
+                  <a:schemeClr val="bg1">
+                    <a:lumMod val="50000"/>
+                  </a:schemeClr>
+                </a:solidFill>
+                <a:latin typeface="Raleway" charset="0"/>
+                <a:ea typeface="Raleway" charset="0"/>
+                <a:cs typeface="Raleway" charset="0"/>
+              </a:endParaRPr>
+            </a:p>
+          </p:txBody>
+        </p:sp>
+        <p:sp>
+          <p:nvSpPr>
+            <p:cNvPr id="117" name="Rectangle 116"/>
+            <p:cNvSpPr/>
+            <p:nvPr/>
+          </p:nvSpPr>
+          <p:spPr>
+            <a:xfrm>
+              <a:off x="6197237" y="5019587"/>
+              <a:ext cx="154172" cy="254082"/>
+            </a:xfrm>
+            <a:prstGeom prst="rect">
+              <a:avLst/>
+            </a:prstGeom>
+            <a:solidFill>
+              <a:srgbClr val="00B0F0"/>
+            </a:solidFill>
+            <a:ln w="38100">
+              <a:solidFill>
+                <a:srgbClr val="00B0F0"/>
+              </a:solidFill>
+            </a:ln>
+          </p:spPr>
+          <p:style>
+            <a:lnRef idx="2">
+              <a:schemeClr val="accent1">
+                <a:shade val="50000"/>
+              </a:schemeClr>
+            </a:lnRef>
+            <a:fillRef idx="1">
+              <a:schemeClr val="accent1"/>
+            </a:fillRef>
+            <a:effectRef idx="0">
+              <a:schemeClr val="accent1"/>
+            </a:effectRef>
+            <a:fontRef idx="minor">
+              <a:schemeClr val="lt1"/>
+            </a:fontRef>
+          </p:style>
+          <p:txBody>
+            <a:bodyPr rtlCol="0" anchor="ctr"/>
+            <a:lstStyle/>
+            <a:p>
+              <a:pPr algn="ctr"/>
+              <a:endParaRPr lang="en-US" smtClean="0">
+                <a:solidFill>
+                  <a:schemeClr val="bg1">
+                    <a:lumMod val="50000"/>
+                  </a:schemeClr>
+                </a:solidFill>
+                <a:latin typeface="Raleway" charset="0"/>
+                <a:ea typeface="Raleway" charset="0"/>
+                <a:cs typeface="Raleway" charset="0"/>
+              </a:endParaRPr>
+            </a:p>
+          </p:txBody>
+        </p:sp>
+        <p:sp>
+          <p:nvSpPr>
+            <p:cNvPr id="119" name="Rectangle 118"/>
+            <p:cNvSpPr/>
+            <p:nvPr/>
+          </p:nvSpPr>
+          <p:spPr>
+            <a:xfrm>
+              <a:off x="6864428" y="4241665"/>
+              <a:ext cx="154172" cy="1032004"/>
+            </a:xfrm>
+            <a:prstGeom prst="rect">
+              <a:avLst/>
+            </a:prstGeom>
+            <a:solidFill>
+              <a:srgbClr val="00B0F0"/>
+            </a:solidFill>
+            <a:ln w="38100">
+              <a:solidFill>
+                <a:srgbClr val="00B0F0"/>
+              </a:solidFill>
+            </a:ln>
+          </p:spPr>
+          <p:style>
+            <a:lnRef idx="2">
+              <a:schemeClr val="accent1">
+                <a:shade val="50000"/>
+              </a:schemeClr>
+            </a:lnRef>
+            <a:fillRef idx="1">
+              <a:schemeClr val="accent1"/>
+            </a:fillRef>
+            <a:effectRef idx="0">
+              <a:schemeClr val="accent1"/>
+            </a:effectRef>
+            <a:fontRef idx="minor">
+              <a:schemeClr val="lt1"/>
+            </a:fontRef>
+          </p:style>
+          <p:txBody>
+            <a:bodyPr rtlCol="0" anchor="ctr"/>
+            <a:lstStyle/>
+            <a:p>
+              <a:pPr algn="ctr"/>
+              <a:endParaRPr lang="en-US" smtClean="0">
+                <a:solidFill>
+                  <a:schemeClr val="bg1">
+                    <a:lumMod val="50000"/>
+                  </a:schemeClr>
+                </a:solidFill>
+                <a:latin typeface="Raleway" charset="0"/>
+                <a:ea typeface="Raleway" charset="0"/>
+                <a:cs typeface="Raleway" charset="0"/>
+              </a:endParaRPr>
+            </a:p>
+          </p:txBody>
+        </p:sp>
+        <p:sp>
+          <p:nvSpPr>
+            <p:cNvPr id="120" name="Rectangle 119"/>
+            <p:cNvSpPr/>
+            <p:nvPr/>
+          </p:nvSpPr>
+          <p:spPr>
+            <a:xfrm>
+              <a:off x="7234178" y="4364495"/>
+              <a:ext cx="154172" cy="909174"/>
+            </a:xfrm>
+            <a:prstGeom prst="rect">
+              <a:avLst/>
+            </a:prstGeom>
+            <a:solidFill>
+              <a:srgbClr val="00B0F0"/>
+            </a:solidFill>
+            <a:ln w="38100">
+              <a:solidFill>
+                <a:srgbClr val="00B0F0"/>
+              </a:solidFill>
+            </a:ln>
+          </p:spPr>
+          <p:style>
+            <a:lnRef idx="2">
+              <a:schemeClr val="accent1">
+                <a:shade val="50000"/>
+              </a:schemeClr>
+            </a:lnRef>
+            <a:fillRef idx="1">
+              <a:schemeClr val="accent1"/>
+            </a:fillRef>
+            <a:effectRef idx="0">
+              <a:schemeClr val="accent1"/>
+            </a:effectRef>
+            <a:fontRef idx="minor">
+              <a:schemeClr val="lt1"/>
+            </a:fontRef>
+          </p:style>
+          <p:txBody>
+            <a:bodyPr rtlCol="0" anchor="ctr"/>
+            <a:lstStyle/>
+            <a:p>
+              <a:pPr algn="ctr"/>
+              <a:endParaRPr lang="en-US" smtClean="0">
+                <a:solidFill>
+                  <a:schemeClr val="bg1">
+                    <a:lumMod val="50000"/>
+                  </a:schemeClr>
+                </a:solidFill>
+                <a:latin typeface="Raleway" charset="0"/>
+                <a:ea typeface="Raleway" charset="0"/>
+                <a:cs typeface="Raleway" charset="0"/>
+              </a:endParaRPr>
+            </a:p>
+          </p:txBody>
+        </p:sp>
+        <p:sp>
+          <p:nvSpPr>
+            <p:cNvPr id="121" name="Rectangle 120"/>
+            <p:cNvSpPr/>
+            <p:nvPr/>
+          </p:nvSpPr>
+          <p:spPr>
+            <a:xfrm>
+              <a:off x="7557802" y="4005103"/>
+              <a:ext cx="154172" cy="1268565"/>
+            </a:xfrm>
+            <a:prstGeom prst="rect">
+              <a:avLst/>
+            </a:prstGeom>
+            <a:solidFill>
+              <a:srgbClr val="00B0F0"/>
+            </a:solidFill>
+            <a:ln w="38100">
+              <a:solidFill>
+                <a:srgbClr val="00B0F0"/>
+              </a:solidFill>
+            </a:ln>
+          </p:spPr>
+          <p:style>
+            <a:lnRef idx="2">
+              <a:schemeClr val="accent1">
+                <a:shade val="50000"/>
+              </a:schemeClr>
+            </a:lnRef>
+            <a:fillRef idx="1">
+              <a:schemeClr val="accent1"/>
+            </a:fillRef>
+            <a:effectRef idx="0">
+              <a:schemeClr val="accent1"/>
+            </a:effectRef>
+            <a:fontRef idx="minor">
+              <a:schemeClr val="lt1"/>
+            </a:fontRef>
+          </p:style>
+          <p:txBody>
+            <a:bodyPr rtlCol="0" anchor="ctr"/>
+            <a:lstStyle/>
+            <a:p>
+              <a:pPr algn="ctr"/>
+              <a:endParaRPr lang="en-US" smtClean="0">
+                <a:solidFill>
+                  <a:schemeClr val="bg1">
+                    <a:lumMod val="50000"/>
+                  </a:schemeClr>
+                </a:solidFill>
+                <a:latin typeface="Raleway" charset="0"/>
+                <a:ea typeface="Raleway" charset="0"/>
+                <a:cs typeface="Raleway" charset="0"/>
+              </a:endParaRPr>
+            </a:p>
+          </p:txBody>
+        </p:sp>
+        <p:cxnSp>
+          <p:nvCxnSpPr>
+            <p:cNvPr id="122" name="Straight Arrow Connector 121"/>
+            <p:cNvCxnSpPr/>
+            <p:nvPr/>
+          </p:nvCxnSpPr>
+          <p:spPr>
+            <a:xfrm>
+              <a:off x="5438007" y="5273670"/>
+              <a:ext cx="2468880" cy="0"/>
+            </a:xfrm>
+            <a:prstGeom prst="straightConnector1">
+              <a:avLst/>
+            </a:prstGeom>
+            <a:ln w="38100">
+              <a:solidFill>
+                <a:schemeClr val="bg1">
+                  <a:lumMod val="50000"/>
+                </a:schemeClr>
+              </a:solidFill>
+              <a:tailEnd type="triangle"/>
+            </a:ln>
+          </p:spPr>
+          <p:style>
+            <a:lnRef idx="1">
+              <a:schemeClr val="accent1"/>
+            </a:lnRef>
+            <a:fillRef idx="0">
+              <a:schemeClr val="accent1"/>
+            </a:fillRef>
+            <a:effectRef idx="0">
+              <a:schemeClr val="accent1"/>
+            </a:effectRef>
+            <a:fontRef idx="minor">
+              <a:schemeClr val="tx1"/>
+            </a:fontRef>
+          </p:style>
+        </p:cxnSp>
+        <p:sp>
+          <p:nvSpPr>
+            <p:cNvPr id="123" name="TextBox 122"/>
+            <p:cNvSpPr txBox="1"/>
+            <p:nvPr/>
+          </p:nvSpPr>
+          <p:spPr>
+            <a:xfrm>
+              <a:off x="5504972" y="5294934"/>
+              <a:ext cx="284052" cy="369332"/>
+            </a:xfrm>
+            <a:prstGeom prst="rect">
+              <a:avLst/>
+            </a:prstGeom>
+            <a:noFill/>
+          </p:spPr>
+          <p:txBody>
+            <a:bodyPr wrap="none" rtlCol="0" anchor="t">
+              <a:spAutoFit/>
+            </a:bodyPr>
+            <a:lstStyle/>
+            <a:p>
+              <a:r>
+                <a:rPr lang="en-US" dirty="0" smtClean="0">
+                  <a:latin typeface="Arvo" charset="0"/>
+                  <a:ea typeface="Arvo" charset="0"/>
+                  <a:cs typeface="Arvo" charset="0"/>
+                </a:rPr>
+                <a:t>1</a:t>
+              </a:r>
+            </a:p>
+          </p:txBody>
+        </p:sp>
+        <p:sp>
+          <p:nvSpPr>
+            <p:cNvPr id="124" name="TextBox 123"/>
+            <p:cNvSpPr txBox="1"/>
+            <p:nvPr/>
+          </p:nvSpPr>
+          <p:spPr>
+            <a:xfrm>
+              <a:off x="5809749" y="5294934"/>
+              <a:ext cx="308098" cy="369332"/>
+            </a:xfrm>
+            <a:prstGeom prst="rect">
+              <a:avLst/>
+            </a:prstGeom>
+            <a:noFill/>
+          </p:spPr>
+          <p:txBody>
+            <a:bodyPr wrap="none" rtlCol="0" anchor="t">
+              <a:spAutoFit/>
+            </a:bodyPr>
+            <a:lstStyle/>
+            <a:p>
+              <a:r>
+                <a:rPr lang="en-US" dirty="0" smtClean="0">
+                  <a:latin typeface="Arvo" charset="0"/>
+                  <a:ea typeface="Arvo" charset="0"/>
+                  <a:cs typeface="Arvo" charset="0"/>
+                </a:rPr>
+                <a:t>2</a:t>
+              </a:r>
+            </a:p>
+          </p:txBody>
+        </p:sp>
+        <p:sp>
+          <p:nvSpPr>
+            <p:cNvPr id="125" name="TextBox 124"/>
+            <p:cNvSpPr txBox="1"/>
+            <p:nvPr/>
+          </p:nvSpPr>
+          <p:spPr>
+            <a:xfrm>
+              <a:off x="6772172" y="5294934"/>
+              <a:ext cx="357790" cy="369332"/>
+            </a:xfrm>
+            <a:prstGeom prst="rect">
+              <a:avLst/>
+            </a:prstGeom>
+            <a:noFill/>
+          </p:spPr>
+          <p:txBody>
+            <a:bodyPr wrap="none" rtlCol="0" anchor="t">
+              <a:spAutoFit/>
+            </a:bodyPr>
+            <a:lstStyle/>
+            <a:p>
+              <a:r>
+                <a:rPr lang="en-US" dirty="0" smtClean="0">
+                  <a:latin typeface="Arvo" charset="0"/>
+                  <a:ea typeface="Arvo" charset="0"/>
+                  <a:cs typeface="Arvo" charset="0"/>
+                </a:rPr>
+                <a:t>A</a:t>
+              </a:r>
+            </a:p>
+          </p:txBody>
+        </p:sp>
+        <p:sp>
+          <p:nvSpPr>
+            <p:cNvPr id="126" name="TextBox 125"/>
+            <p:cNvSpPr txBox="1"/>
+            <p:nvPr/>
+          </p:nvSpPr>
+          <p:spPr>
+            <a:xfrm>
+              <a:off x="6128954" y="5294934"/>
+              <a:ext cx="308098" cy="369332"/>
+            </a:xfrm>
+            <a:prstGeom prst="rect">
+              <a:avLst/>
+            </a:prstGeom>
+            <a:noFill/>
+          </p:spPr>
+          <p:txBody>
+            <a:bodyPr wrap="none" rtlCol="0" anchor="t">
+              <a:spAutoFit/>
+            </a:bodyPr>
+            <a:lstStyle/>
+            <a:p>
+              <a:r>
+                <a:rPr lang="en-US" dirty="0" smtClean="0">
+                  <a:latin typeface="Arvo" charset="0"/>
+                  <a:ea typeface="Arvo" charset="0"/>
+                  <a:cs typeface="Arvo" charset="0"/>
+                </a:rPr>
+                <a:t>3</a:t>
+              </a:r>
+            </a:p>
+          </p:txBody>
+        </p:sp>
+        <p:sp>
+          <p:nvSpPr>
+            <p:cNvPr id="127" name="TextBox 126"/>
+            <p:cNvSpPr txBox="1"/>
+            <p:nvPr/>
+          </p:nvSpPr>
+          <p:spPr>
+            <a:xfrm>
+              <a:off x="6449761" y="5294934"/>
+              <a:ext cx="325730" cy="369332"/>
+            </a:xfrm>
+            <a:prstGeom prst="rect">
+              <a:avLst/>
+            </a:prstGeom>
+            <a:noFill/>
+          </p:spPr>
+          <p:txBody>
+            <a:bodyPr wrap="none" rtlCol="0" anchor="t">
+              <a:spAutoFit/>
+            </a:bodyPr>
+            <a:lstStyle/>
+            <a:p>
+              <a:r>
+                <a:rPr lang="en-US" dirty="0" smtClean="0">
+                  <a:latin typeface="Arvo" charset="0"/>
+                  <a:ea typeface="Arvo" charset="0"/>
+                  <a:cs typeface="Arvo" charset="0"/>
+                </a:rPr>
+                <a:t>4</a:t>
+              </a:r>
+            </a:p>
+          </p:txBody>
+        </p:sp>
+        <p:sp>
+          <p:nvSpPr>
+            <p:cNvPr id="128" name="TextBox 127"/>
+            <p:cNvSpPr txBox="1"/>
+            <p:nvPr/>
+          </p:nvSpPr>
+          <p:spPr>
+            <a:xfrm>
+              <a:off x="7115421" y="5294934"/>
+              <a:ext cx="338554" cy="369332"/>
+            </a:xfrm>
+            <a:prstGeom prst="rect">
+              <a:avLst/>
+            </a:prstGeom>
+            <a:noFill/>
+          </p:spPr>
+          <p:txBody>
+            <a:bodyPr wrap="none" rtlCol="0" anchor="t">
+              <a:spAutoFit/>
+            </a:bodyPr>
+            <a:lstStyle/>
+            <a:p>
+              <a:r>
+                <a:rPr lang="en-US" dirty="0" smtClean="0">
+                  <a:latin typeface="Arvo" charset="0"/>
+                  <a:ea typeface="Arvo" charset="0"/>
+                  <a:cs typeface="Arvo" charset="0"/>
+                </a:rPr>
+                <a:t>B</a:t>
+              </a:r>
+            </a:p>
+          </p:txBody>
+        </p:sp>
+        <p:sp>
+          <p:nvSpPr>
+            <p:cNvPr id="129" name="TextBox 128"/>
+            <p:cNvSpPr txBox="1"/>
+            <p:nvPr/>
+          </p:nvSpPr>
+          <p:spPr>
+            <a:xfrm>
+              <a:off x="7457070" y="5294934"/>
+              <a:ext cx="354584" cy="369332"/>
+            </a:xfrm>
+            <a:prstGeom prst="rect">
+              <a:avLst/>
+            </a:prstGeom>
+            <a:noFill/>
+          </p:spPr>
+          <p:txBody>
+            <a:bodyPr wrap="none" rtlCol="0" anchor="t">
+              <a:spAutoFit/>
+            </a:bodyPr>
+            <a:lstStyle/>
+            <a:p>
+              <a:r>
+                <a:rPr lang="en-US" dirty="0" smtClean="0">
+                  <a:latin typeface="Arvo" charset="0"/>
+                  <a:ea typeface="Arvo" charset="0"/>
+                  <a:cs typeface="Arvo" charset="0"/>
+                </a:rPr>
+                <a:t>C</a:t>
+              </a:r>
+            </a:p>
+          </p:txBody>
+        </p:sp>
+        <p:grpSp>
+          <p:nvGrpSpPr>
+            <p:cNvPr id="133" name="Group 132"/>
+            <p:cNvGrpSpPr/>
+            <p:nvPr/>
+          </p:nvGrpSpPr>
+          <p:grpSpPr>
+            <a:xfrm>
+              <a:off x="5194520" y="5900694"/>
+              <a:ext cx="2955855" cy="655621"/>
+              <a:chOff x="9157590" y="5797483"/>
+              <a:chExt cx="2955855" cy="655621"/>
+            </a:xfrm>
+          </p:grpSpPr>
+          <p:sp>
+            <p:nvSpPr>
+              <p:cNvPr id="134" name="TextBox 133"/>
+              <p:cNvSpPr txBox="1"/>
+              <p:nvPr/>
+            </p:nvSpPr>
+            <p:spPr>
+              <a:xfrm>
+                <a:off x="9157590" y="5797483"/>
+                <a:ext cx="453970" cy="369332"/>
+              </a:xfrm>
+              <a:prstGeom prst="rect">
+                <a:avLst/>
+              </a:prstGeom>
+              <a:noFill/>
+            </p:spPr>
+            <p:txBody>
+              <a:bodyPr wrap="none" rtlCol="0">
+                <a:spAutoFit/>
+              </a:bodyPr>
+              <a:lstStyle/>
+              <a:p>
+                <a:r>
+                  <a:rPr lang="en-US" dirty="0" smtClean="0">
+                    <a:latin typeface="Tinos" charset="0"/>
+                    <a:ea typeface="Tinos" charset="0"/>
+                    <a:cs typeface="Tinos" charset="0"/>
+                  </a:rPr>
+                  <a:t>(d)</a:t>
+                </a:r>
+                <a:endParaRPr lang="en-US" dirty="0" smtClean="0">
+                  <a:latin typeface="Tinos" charset="0"/>
+                  <a:ea typeface="Tinos" charset="0"/>
+                  <a:cs typeface="Tinos" charset="0"/>
+                </a:endParaRPr>
+              </a:p>
+            </p:txBody>
+          </p:sp>
+          <p:sp>
+            <p:nvSpPr>
+              <p:cNvPr id="135" name="TextBox 134"/>
+              <p:cNvSpPr txBox="1"/>
+              <p:nvPr/>
+            </p:nvSpPr>
+            <p:spPr>
+              <a:xfrm>
+                <a:off x="9523199" y="5806773"/>
+                <a:ext cx="2590246" cy="646331"/>
+              </a:xfrm>
+              <a:prstGeom prst="rect">
+                <a:avLst/>
+              </a:prstGeom>
+              <a:noFill/>
+            </p:spPr>
+            <p:txBody>
+              <a:bodyPr wrap="square" rtlCol="0">
+                <a:spAutoFit/>
+              </a:bodyPr>
+              <a:lstStyle/>
+              <a:p>
+                <a:r>
+                  <a:rPr lang="en-US" dirty="0" smtClean="0">
+                    <a:latin typeface="Tinos" charset="0"/>
+                    <a:ea typeface="Tinos" charset="0"/>
+                    <a:cs typeface="Tinos" charset="0"/>
+                  </a:rPr>
+                  <a:t>Drag a region that values should fall within</a:t>
+                </a:r>
+                <a:endParaRPr lang="en-US" dirty="0">
+                  <a:latin typeface="Tinos" charset="0"/>
+                  <a:ea typeface="Tinos" charset="0"/>
+                  <a:cs typeface="Tinos" charset="0"/>
+                </a:endParaRPr>
+              </a:p>
+            </p:txBody>
+          </p:sp>
+        </p:grpSp>
+        <p:sp>
+          <p:nvSpPr>
+            <p:cNvPr id="136" name="Rectangle 135"/>
+            <p:cNvSpPr/>
+            <p:nvPr/>
+          </p:nvSpPr>
+          <p:spPr>
+            <a:xfrm>
+              <a:off x="6497933" y="3706684"/>
+              <a:ext cx="154172" cy="1566985"/>
+            </a:xfrm>
+            <a:prstGeom prst="rect">
+              <a:avLst/>
+            </a:prstGeom>
+            <a:solidFill>
+              <a:srgbClr val="00B0F0"/>
+            </a:solidFill>
+            <a:ln w="38100">
+              <a:solidFill>
+                <a:srgbClr val="00B0F0"/>
+              </a:solidFill>
+            </a:ln>
+          </p:spPr>
+          <p:style>
+            <a:lnRef idx="2">
+              <a:schemeClr val="accent1">
+                <a:shade val="50000"/>
+              </a:schemeClr>
+            </a:lnRef>
+            <a:fillRef idx="1">
+              <a:schemeClr val="accent1"/>
+            </a:fillRef>
+            <a:effectRef idx="0">
+              <a:schemeClr val="accent1"/>
+            </a:effectRef>
+            <a:fontRef idx="minor">
+              <a:schemeClr val="lt1"/>
+            </a:fontRef>
+          </p:style>
+          <p:txBody>
+            <a:bodyPr rtlCol="0" anchor="ctr"/>
+            <a:lstStyle/>
+            <a:p>
+              <a:pPr algn="ctr"/>
+              <a:endParaRPr lang="en-US" smtClean="0">
+                <a:solidFill>
+                  <a:schemeClr val="bg1">
+                    <a:lumMod val="50000"/>
+                  </a:schemeClr>
+                </a:solidFill>
+                <a:latin typeface="Raleway" charset="0"/>
+                <a:ea typeface="Raleway" charset="0"/>
+                <a:cs typeface="Raleway" charset="0"/>
+              </a:endParaRPr>
+            </a:p>
+          </p:txBody>
+        </p:sp>
+        <p:sp>
+          <p:nvSpPr>
+            <p:cNvPr id="137" name="Rectangle 136"/>
+            <p:cNvSpPr/>
+            <p:nvPr/>
+          </p:nvSpPr>
+          <p:spPr>
+            <a:xfrm>
+              <a:off x="5504971" y="3905728"/>
+              <a:ext cx="2401915" cy="912119"/>
+            </a:xfrm>
+            <a:prstGeom prst="rect">
+              <a:avLst/>
+            </a:prstGeom>
+            <a:noFill/>
+            <a:ln w="38100">
+              <a:solidFill>
+                <a:srgbClr val="FF0000"/>
+              </a:solidFill>
+              <a:prstDash val="sysDash"/>
+            </a:ln>
+          </p:spPr>
+          <p:style>
+            <a:lnRef idx="2">
+              <a:schemeClr val="accent1">
+                <a:shade val="50000"/>
+              </a:schemeClr>
+            </a:lnRef>
+            <a:fillRef idx="1">
+              <a:schemeClr val="accent1"/>
+            </a:fillRef>
+            <a:effectRef idx="0">
+              <a:schemeClr val="accent1"/>
+            </a:effectRef>
+            <a:fontRef idx="minor">
+              <a:schemeClr val="lt1"/>
+            </a:fontRef>
+          </p:style>
+          <p:txBody>
+            <a:bodyPr rtlCol="0" anchor="ctr"/>
+            <a:lstStyle/>
+            <a:p>
+              <a:pPr algn="ctr"/>
+              <a:endParaRPr lang="en-US" smtClean="0">
+                <a:solidFill>
+                  <a:schemeClr val="bg1">
+                    <a:lumMod val="50000"/>
+                  </a:schemeClr>
+                </a:solidFill>
+                <a:latin typeface="Raleway" charset="0"/>
+                <a:ea typeface="Raleway" charset="0"/>
+                <a:cs typeface="Raleway" charset="0"/>
+              </a:endParaRPr>
+            </a:p>
+          </p:txBody>
+        </p:sp>
+        <p:pic>
+          <p:nvPicPr>
+            <p:cNvPr id="130" name="Picture 129"/>
+            <p:cNvPicPr>
+              <a:picLocks noChangeAspect="1"/>
+            </p:cNvPicPr>
+            <p:nvPr/>
+          </p:nvPicPr>
+          <p:blipFill>
+            <a:blip r:embed="rId3"/>
+            <a:stretch>
+              <a:fillRect/>
+            </a:stretch>
+          </p:blipFill>
+          <p:spPr>
+            <a:xfrm rot="18905204">
+              <a:off x="7717108" y="4629530"/>
+              <a:ext cx="347847" cy="347847"/>
+            </a:xfrm>
+            <a:prstGeom prst="rect">
+              <a:avLst/>
+            </a:prstGeom>
+          </p:spPr>
+        </p:pic>
+      </p:grpSp>
+    </p:spTree>
+    <p:extLst>
+      <p:ext uri="{BB962C8B-B14F-4D97-AF65-F5344CB8AC3E}">
+        <p14:creationId xmlns:p14="http://schemas.microsoft.com/office/powerpoint/2010/main" val="82675726"/>
+      </p:ext>
+    </p:extLst>
+  </p:cSld>
+  <p:clrMapOvr>
+    <a:masterClrMapping/>
+  </p:clrMapOvr>
+</p:sld>
+</file>
+
+<file path=ppt/slides/slide5.xml><?xml version="1.0" encoding="utf-8"?>
+<p:sld xmlns:a="http://schemas.openxmlformats.org/drawingml/2006/main" xmlns:r="http://schemas.openxmlformats.org/officeDocument/2006/relationships" xmlns:p="http://schemas.openxmlformats.org/presentationml/2006/main">
+  <p:cSld>
+    <p:spTree>
+      <p:nvGrpSpPr>
+        <p:cNvPr id="1" name=""/>
+        <p:cNvGrpSpPr/>
+        <p:nvPr/>
+      </p:nvGrpSpPr>
+      <p:grpSpPr>
+        <a:xfrm>
+          <a:off x="0" y="0"/>
+          <a:ext cx="0" cy="0"/>
+          <a:chOff x="0" y="0"/>
+          <a:chExt cx="0" cy="0"/>
+        </a:xfrm>
+      </p:grpSpPr>
+      <p:pic>
+        <p:nvPicPr>
+          <p:cNvPr id="4" name="Picture 3"/>
+          <p:cNvPicPr>
+            <a:picLocks noChangeAspect="1"/>
+          </p:cNvPicPr>
+          <p:nvPr/>
+        </p:nvPicPr>
+        <p:blipFill>
+          <a:blip r:embed="rId3"/>
+          <a:stretch>
+            <a:fillRect/>
+          </a:stretch>
+        </p:blipFill>
+        <p:spPr>
+          <a:xfrm>
+            <a:off x="0" y="296333"/>
+            <a:ext cx="6477000" cy="4470400"/>
+          </a:xfrm>
+          <a:prstGeom prst="rect">
+            <a:avLst/>
+          </a:prstGeom>
+        </p:spPr>
+      </p:pic>
+      <p:pic>
+        <p:nvPicPr>
+          <p:cNvPr id="5" name="Picture 4"/>
+          <p:cNvPicPr>
+            <a:picLocks noChangeAspect="1"/>
+          </p:cNvPicPr>
+          <p:nvPr/>
+        </p:nvPicPr>
+        <p:blipFill>
+          <a:blip r:embed="rId4"/>
+          <a:stretch>
+            <a:fillRect/>
+          </a:stretch>
+        </p:blipFill>
+        <p:spPr>
+          <a:xfrm>
+            <a:off x="4615204" y="3607173"/>
+            <a:ext cx="550577" cy="550577"/>
+          </a:xfrm>
+          <a:prstGeom prst="rect">
+            <a:avLst/>
+          </a:prstGeom>
+        </p:spPr>
+      </p:pic>
+      <p:cxnSp>
+        <p:nvCxnSpPr>
+          <p:cNvPr id="6" name="Straight Arrow Connector 5"/>
+          <p:cNvCxnSpPr/>
+          <p:nvPr/>
+        </p:nvCxnSpPr>
+        <p:spPr>
+          <a:xfrm>
+            <a:off x="4890493" y="730618"/>
+            <a:ext cx="0" cy="2908065"/>
+          </a:xfrm>
+          <a:prstGeom prst="straightConnector1">
+            <a:avLst/>
+          </a:prstGeom>
+          <a:ln w="57150">
+            <a:solidFill>
+              <a:schemeClr val="bg1">
+                <a:lumMod val="50000"/>
+              </a:schemeClr>
+            </a:solidFill>
+            <a:prstDash val="sysDash"/>
+            <a:headEnd type="none" w="med" len="med"/>
+            <a:tailEnd type="triangle"/>
+          </a:ln>
+        </p:spPr>
+        <p:style>
+          <a:lnRef idx="1">
+            <a:schemeClr val="accent1"/>
+          </a:lnRef>
+          <a:fillRef idx="0">
+            <a:schemeClr val="accent1"/>
+          </a:fillRef>
+          <a:effectRef idx="0">
+            <a:schemeClr val="accent1"/>
+          </a:effectRef>
+          <a:fontRef idx="minor">
+            <a:schemeClr val="tx1"/>
+          </a:fontRef>
+        </p:style>
+      </p:cxnSp>
+      <p:sp>
+        <p:nvSpPr>
+          <p:cNvPr id="8" name="Oval 7"/>
+          <p:cNvSpPr/>
+          <p:nvPr/>
+        </p:nvSpPr>
+        <p:spPr>
+          <a:xfrm>
+            <a:off x="4808977" y="3787707"/>
+            <a:ext cx="148856" cy="148856"/>
+          </a:xfrm>
+          <a:prstGeom prst="ellipse">
+            <a:avLst/>
+          </a:prstGeom>
+          <a:solidFill>
+            <a:schemeClr val="bg1"/>
+          </a:solidFill>
+          <a:ln w="76200">
+            <a:solidFill>
+              <a:srgbClr val="FF0000"/>
+            </a:solidFill>
+          </a:ln>
+        </p:spPr>
+        <p:style>
+          <a:lnRef idx="2">
+            <a:schemeClr val="accent1">
+              <a:shade val="50000"/>
+            </a:schemeClr>
+          </a:lnRef>
+          <a:fillRef idx="1">
+            <a:schemeClr val="accent1"/>
+          </a:fillRef>
+          <a:effectRef idx="0">
+            <a:schemeClr val="accent1"/>
+          </a:effectRef>
+          <a:fontRef idx="minor">
+            <a:schemeClr val="lt1"/>
+          </a:fontRef>
+        </p:style>
+        <p:txBody>
+          <a:bodyPr rtlCol="0" anchor="ctr"/>
+          <a:lstStyle/>
+          <a:p>
+            <a:pPr algn="ctr"/>
+            <a:endParaRPr lang="en-US" sz="2400" dirty="0" smtClean="0">
+              <a:solidFill>
+                <a:schemeClr val="bg1">
+                  <a:lumMod val="50000"/>
+                </a:schemeClr>
+              </a:solidFill>
+              <a:latin typeface="Avenir Book" charset="0"/>
+              <a:ea typeface="Avenir Book" charset="0"/>
+              <a:cs typeface="Avenir Book" charset="0"/>
+            </a:endParaRPr>
+          </a:p>
+        </p:txBody>
+      </p:sp>
+    </p:spTree>
+    <p:extLst>
+      <p:ext uri="{BB962C8B-B14F-4D97-AF65-F5344CB8AC3E}">
+        <p14:creationId xmlns:p14="http://schemas.microsoft.com/office/powerpoint/2010/main" val="1030657034"/>
+      </p:ext>
+    </p:extLst>
+  </p:cSld>
+  <p:clrMapOvr>
+    <a:masterClrMapping/>
+  </p:clrMapOvr>
+</p:sld>
+</file>
+
+<file path=ppt/slides/slide6.xml><?xml version="1.0" encoding="utf-8"?>
+<p:sld xmlns:a="http://schemas.openxmlformats.org/drawingml/2006/main" xmlns:r="http://schemas.openxmlformats.org/officeDocument/2006/relationships" xmlns:p="http://schemas.openxmlformats.org/presentationml/2006/main">
+  <p:cSld>
+    <p:spTree>
+      <p:nvGrpSpPr>
+        <p:cNvPr id="1" name=""/>
+        <p:cNvGrpSpPr/>
+        <p:nvPr/>
+      </p:nvGrpSpPr>
+      <p:grpSpPr>
+        <a:xfrm>
+          <a:off x="0" y="0"/>
+          <a:ext cx="0" cy="0"/>
+          <a:chOff x="0" y="0"/>
+          <a:chExt cx="0" cy="0"/>
+        </a:xfrm>
+      </p:grpSpPr>
+      <p:pic>
+        <p:nvPicPr>
+          <p:cNvPr id="4" name="Picture 3"/>
+          <p:cNvPicPr>
+            <a:picLocks noChangeAspect="1"/>
+          </p:cNvPicPr>
+          <p:nvPr/>
+        </p:nvPicPr>
+        <p:blipFill>
+          <a:blip r:embed="rId2"/>
+          <a:stretch>
+            <a:fillRect/>
+          </a:stretch>
+        </p:blipFill>
+        <p:spPr>
+          <a:xfrm>
+            <a:off x="1179529" y="954259"/>
+            <a:ext cx="3477815" cy="2400374"/>
+          </a:xfrm>
+          <a:prstGeom prst="rect">
+            <a:avLst/>
+          </a:prstGeom>
+        </p:spPr>
+      </p:pic>
+      <p:graphicFrame>
+        <p:nvGraphicFramePr>
+          <p:cNvPr id="5" name="Table 4"/>
+          <p:cNvGraphicFramePr>
+            <a:graphicFrameLocks noGrp="1"/>
+          </p:cNvGraphicFramePr>
+          <p:nvPr>
+            <p:extLst>
+              <p:ext uri="{D42A27DB-BD31-4B8C-83A1-F6EECF244321}">
+                <p14:modId xmlns:p14="http://schemas.microsoft.com/office/powerpoint/2010/main" val="1892044604"/>
+              </p:ext>
+            </p:extLst>
+          </p:nvPr>
+        </p:nvGraphicFramePr>
+        <p:xfrm>
+          <a:off x="5069048" y="965000"/>
+          <a:ext cx="3572189" cy="2390396"/>
+        </p:xfrm>
+        <a:graphic>
+          <a:graphicData uri="http://schemas.openxmlformats.org/drawingml/2006/table">
+            <a:tbl>
+              <a:tblPr firstRow="1" bandRow="1">
+                <a:tableStyleId>{5C22544A-7EE6-4342-B048-85BDC9FD1C3A}</a:tableStyleId>
+              </a:tblPr>
+              <a:tblGrid>
+                <a:gridCol w="343029"/>
+                <a:gridCol w="1504055"/>
+                <a:gridCol w="798507"/>
+                <a:gridCol w="926598"/>
+              </a:tblGrid>
+              <a:tr h="0">
+                <a:tc>
+                  <a:txBody>
+                    <a:bodyPr/>
+                    <a:lstStyle/>
+                    <a:p>
+                      <a:pPr algn="ctr"/>
+                      <a:endParaRPr lang="en-US" sz="1600" b="0" dirty="0">
+                        <a:solidFill>
+                          <a:schemeClr val="tx1">
+                            <a:lumMod val="50000"/>
+                            <a:lumOff val="50000"/>
+                          </a:schemeClr>
+                        </a:solidFill>
+                        <a:latin typeface="Gill Sans" charset="0"/>
+                        <a:ea typeface="Gill Sans" charset="0"/>
+                        <a:cs typeface="Gill Sans" charset="0"/>
+                      </a:endParaRPr>
+                    </a:p>
+                  </a:txBody>
+                  <a:tcPr>
+                    <a:solidFill>
+                      <a:schemeClr val="bg1"/>
+                    </a:solidFill>
+                  </a:tcPr>
+                </a:tc>
+                <a:tc>
+                  <a:txBody>
+                    <a:bodyPr/>
+                    <a:lstStyle/>
+                    <a:p>
+                      <a:pPr algn="ctr"/>
+                      <a:r>
+                        <a:rPr lang="en-US" sz="1600" b="0" dirty="0" err="1" smtClean="0">
+                          <a:solidFill>
+                            <a:schemeClr val="tx1">
+                              <a:lumMod val="50000"/>
+                              <a:lumOff val="50000"/>
+                            </a:schemeClr>
+                          </a:solidFill>
+                          <a:latin typeface="Gill Sans" charset="0"/>
+                          <a:ea typeface="Gill Sans" charset="0"/>
+                          <a:cs typeface="Gill Sans" charset="0"/>
+                        </a:rPr>
+                        <a:t>loc</a:t>
+                      </a:r>
+                      <a:endParaRPr lang="en-US" sz="1600" b="0" dirty="0">
+                        <a:solidFill>
+                          <a:schemeClr val="tx1">
+                            <a:lumMod val="50000"/>
+                            <a:lumOff val="50000"/>
+                          </a:schemeClr>
+                        </a:solidFill>
+                        <a:latin typeface="Gill Sans" charset="0"/>
+                        <a:ea typeface="Gill Sans" charset="0"/>
+                        <a:cs typeface="Gill Sans" charset="0"/>
+                      </a:endParaRPr>
+                    </a:p>
+                  </a:txBody>
+                  <a:tcPr>
+                    <a:solidFill>
+                      <a:schemeClr val="bg1"/>
+                    </a:solidFill>
+                  </a:tcPr>
+                </a:tc>
+                <a:tc>
+                  <a:txBody>
+                    <a:bodyPr/>
+                    <a:lstStyle/>
+                    <a:p>
+                      <a:pPr algn="ctr"/>
+                      <a:r>
+                        <a:rPr lang="en-US" sz="1600" b="0" dirty="0" smtClean="0">
+                          <a:solidFill>
+                            <a:schemeClr val="tx1">
+                              <a:lumMod val="50000"/>
+                              <a:lumOff val="50000"/>
+                            </a:schemeClr>
+                          </a:solidFill>
+                          <a:latin typeface="Gill Sans" charset="0"/>
+                          <a:ea typeface="Gill Sans" charset="0"/>
+                          <a:cs typeface="Gill Sans" charset="0"/>
+                        </a:rPr>
+                        <a:t>date</a:t>
+                      </a:r>
+                      <a:endParaRPr lang="en-US" sz="1600" b="0" dirty="0">
+                        <a:solidFill>
+                          <a:schemeClr val="tx1">
+                            <a:lumMod val="50000"/>
+                            <a:lumOff val="50000"/>
+                          </a:schemeClr>
+                        </a:solidFill>
+                        <a:latin typeface="Gill Sans" charset="0"/>
+                        <a:ea typeface="Gill Sans" charset="0"/>
+                        <a:cs typeface="Gill Sans" charset="0"/>
+                      </a:endParaRPr>
+                    </a:p>
+                  </a:txBody>
+                  <a:tcPr>
+                    <a:solidFill>
+                      <a:schemeClr val="bg1"/>
+                    </a:solidFill>
+                  </a:tcPr>
+                </a:tc>
+                <a:tc>
+                  <a:txBody>
+                    <a:bodyPr/>
+                    <a:lstStyle/>
+                    <a:p>
+                      <a:pPr algn="ctr"/>
+                      <a:r>
+                        <a:rPr lang="en-US" sz="1600" b="0" dirty="0" err="1" smtClean="0">
+                          <a:solidFill>
+                            <a:schemeClr val="tx1">
+                              <a:lumMod val="50000"/>
+                              <a:lumOff val="50000"/>
+                            </a:schemeClr>
+                          </a:solidFill>
+                          <a:latin typeface="Gill Sans" charset="0"/>
+                          <a:ea typeface="Gill Sans" charset="0"/>
+                          <a:cs typeface="Gill Sans" charset="0"/>
+                        </a:rPr>
+                        <a:t>n_fatal</a:t>
+                      </a:r>
+                      <a:endParaRPr lang="en-US" sz="1600" b="0" dirty="0">
+                        <a:solidFill>
+                          <a:schemeClr val="tx1">
+                            <a:lumMod val="50000"/>
+                            <a:lumOff val="50000"/>
+                          </a:schemeClr>
+                        </a:solidFill>
+                        <a:latin typeface="Gill Sans" charset="0"/>
+                        <a:ea typeface="Gill Sans" charset="0"/>
+                        <a:cs typeface="Gill Sans" charset="0"/>
+                      </a:endParaRPr>
+                    </a:p>
+                  </a:txBody>
+                  <a:tcPr>
+                    <a:solidFill>
+                      <a:schemeClr val="bg1"/>
+                    </a:solidFill>
+                  </a:tcPr>
+                </a:tc>
+              </a:tr>
+              <a:tr h="0">
+                <a:tc>
+                  <a:txBody>
+                    <a:bodyPr/>
+                    <a:lstStyle/>
+                    <a:p>
+                      <a:pPr algn="ctr">
+                        <a:lnSpc>
+                          <a:spcPct val="80000"/>
+                        </a:lnSpc>
+                      </a:pPr>
+                      <a:r>
+                        <a:rPr lang="en-US" sz="1600" b="0" dirty="0" smtClean="0">
+                          <a:solidFill>
+                            <a:schemeClr val="tx1">
+                              <a:lumMod val="50000"/>
+                              <a:lumOff val="50000"/>
+                            </a:schemeClr>
+                          </a:solidFill>
+                          <a:latin typeface="Gill Sans" charset="0"/>
+                          <a:ea typeface="Gill Sans" charset="0"/>
+                          <a:cs typeface="Gill Sans" charset="0"/>
+                        </a:rPr>
+                        <a:t>1</a:t>
+                      </a:r>
+                      <a:endParaRPr lang="en-US" sz="1600" b="0" dirty="0">
+                        <a:solidFill>
+                          <a:schemeClr val="tx1">
+                            <a:lumMod val="50000"/>
+                            <a:lumOff val="50000"/>
+                          </a:schemeClr>
+                        </a:solidFill>
+                        <a:latin typeface="Gill Sans" charset="0"/>
+                        <a:ea typeface="Gill Sans" charset="0"/>
+                        <a:cs typeface="Gill Sans" charset="0"/>
+                      </a:endParaRPr>
+                    </a:p>
+                  </a:txBody>
+                  <a:tcPr>
+                    <a:noFill/>
+                  </a:tcPr>
+                </a:tc>
+                <a:tc>
+                  <a:txBody>
+                    <a:bodyPr/>
+                    <a:lstStyle/>
+                    <a:p>
+                      <a:pPr algn="ctr">
+                        <a:lnSpc>
+                          <a:spcPct val="80000"/>
+                        </a:lnSpc>
+                      </a:pPr>
+                      <a:r>
+                        <a:rPr lang="en-US" sz="1600" b="0" dirty="0" smtClean="0">
+                          <a:solidFill>
+                            <a:srgbClr val="FF0000"/>
+                          </a:solidFill>
+                          <a:latin typeface="Gill Sans" charset="0"/>
+                          <a:ea typeface="Gill Sans" charset="0"/>
+                          <a:cs typeface="Gill Sans" charset="0"/>
+                        </a:rPr>
+                        <a:t>New York</a:t>
+                      </a:r>
+                      <a:endParaRPr lang="en-US" sz="1600" b="0" dirty="0">
+                        <a:solidFill>
+                          <a:srgbClr val="FF0000"/>
+                        </a:solidFill>
+                        <a:latin typeface="Gill Sans" charset="0"/>
+                        <a:ea typeface="Gill Sans" charset="0"/>
+                        <a:cs typeface="Gill Sans" charset="0"/>
+                      </a:endParaRPr>
+                    </a:p>
+                  </a:txBody>
+                  <a:tcPr>
+                    <a:solidFill>
+                      <a:schemeClr val="bg1"/>
+                    </a:solidFill>
+                  </a:tcPr>
+                </a:tc>
+                <a:tc>
+                  <a:txBody>
+                    <a:bodyPr/>
+                    <a:lstStyle/>
+                    <a:p>
+                      <a:pPr algn="ctr">
+                        <a:lnSpc>
+                          <a:spcPct val="80000"/>
+                        </a:lnSpc>
+                      </a:pPr>
+                      <a:r>
+                        <a:rPr lang="en-US" sz="1600" b="0" dirty="0" smtClean="0">
+                          <a:solidFill>
+                            <a:schemeClr val="tx1"/>
+                          </a:solidFill>
+                          <a:latin typeface="Gill Sans" charset="0"/>
+                          <a:ea typeface="Gill Sans" charset="0"/>
+                          <a:cs typeface="Gill Sans" charset="0"/>
+                        </a:rPr>
+                        <a:t>9-11</a:t>
+                      </a:r>
+                      <a:endParaRPr lang="en-US" sz="1600" b="0" dirty="0">
+                        <a:solidFill>
+                          <a:schemeClr val="tx1"/>
+                        </a:solidFill>
+                        <a:latin typeface="Gill Sans" charset="0"/>
+                        <a:ea typeface="Gill Sans" charset="0"/>
+                        <a:cs typeface="Gill Sans" charset="0"/>
+                      </a:endParaRPr>
+                    </a:p>
+                  </a:txBody>
+                  <a:tcPr>
+                    <a:solidFill>
+                      <a:schemeClr val="bg1"/>
+                    </a:solidFill>
+                  </a:tcPr>
+                </a:tc>
+                <a:tc>
+                  <a:txBody>
+                    <a:bodyPr/>
+                    <a:lstStyle/>
+                    <a:p>
+                      <a:pPr algn="ctr">
+                        <a:lnSpc>
+                          <a:spcPct val="80000"/>
+                        </a:lnSpc>
+                      </a:pPr>
+                      <a:r>
+                        <a:rPr lang="en-US" sz="1600" b="0" dirty="0" smtClean="0">
+                          <a:solidFill>
+                            <a:schemeClr val="tx1"/>
+                          </a:solidFill>
+                          <a:latin typeface="Gill Sans" charset="0"/>
+                          <a:ea typeface="Gill Sans" charset="0"/>
+                          <a:cs typeface="Gill Sans" charset="0"/>
+                        </a:rPr>
+                        <a:t>0</a:t>
+                      </a:r>
+                      <a:endParaRPr lang="en-US" sz="1600" b="0" dirty="0">
+                        <a:solidFill>
+                          <a:schemeClr val="tx1"/>
+                        </a:solidFill>
+                        <a:latin typeface="Gill Sans" charset="0"/>
+                        <a:ea typeface="Gill Sans" charset="0"/>
+                        <a:cs typeface="Gill Sans" charset="0"/>
+                      </a:endParaRPr>
+                    </a:p>
+                  </a:txBody>
+                  <a:tcPr>
+                    <a:solidFill>
+                      <a:schemeClr val="bg1"/>
+                    </a:solidFill>
+                  </a:tcPr>
+                </a:tc>
+              </a:tr>
+              <a:tr h="0">
+                <a:tc>
+                  <a:txBody>
+                    <a:bodyPr/>
+                    <a:lstStyle/>
+                    <a:p>
+                      <a:pPr algn="ctr">
+                        <a:lnSpc>
+                          <a:spcPct val="80000"/>
+                        </a:lnSpc>
+                      </a:pPr>
+                      <a:r>
+                        <a:rPr lang="en-US" sz="1600" b="0" dirty="0" smtClean="0">
+                          <a:solidFill>
+                            <a:schemeClr val="tx1">
+                              <a:lumMod val="50000"/>
+                              <a:lumOff val="50000"/>
+                            </a:schemeClr>
+                          </a:solidFill>
+                          <a:latin typeface="Gill Sans" charset="0"/>
+                          <a:ea typeface="Gill Sans" charset="0"/>
+                          <a:cs typeface="Gill Sans" charset="0"/>
+                        </a:rPr>
+                        <a:t>2</a:t>
+                      </a:r>
+                      <a:endParaRPr lang="en-US" sz="1600" b="0" dirty="0">
+                        <a:solidFill>
+                          <a:schemeClr val="tx1">
+                            <a:lumMod val="50000"/>
+                            <a:lumOff val="50000"/>
+                          </a:schemeClr>
+                        </a:solidFill>
+                        <a:latin typeface="Gill Sans" charset="0"/>
+                        <a:ea typeface="Gill Sans" charset="0"/>
+                        <a:cs typeface="Gill Sans" charset="0"/>
+                      </a:endParaRPr>
+                    </a:p>
+                  </a:txBody>
+                  <a:tcPr>
+                    <a:noFill/>
+                  </a:tcPr>
+                </a:tc>
+                <a:tc>
+                  <a:txBody>
+                    <a:bodyPr/>
+                    <a:lstStyle/>
+                    <a:p>
+                      <a:pPr algn="ctr">
+                        <a:lnSpc>
+                          <a:spcPct val="80000"/>
+                        </a:lnSpc>
+                      </a:pPr>
+                      <a:r>
+                        <a:rPr lang="en-US" sz="1600" b="0" dirty="0" smtClean="0">
+                          <a:solidFill>
+                            <a:srgbClr val="FF0000"/>
+                          </a:solidFill>
+                          <a:latin typeface="Gill Sans" charset="0"/>
+                          <a:ea typeface="Gill Sans" charset="0"/>
+                          <a:cs typeface="Gill Sans" charset="0"/>
+                        </a:rPr>
+                        <a:t>NY</a:t>
+                      </a:r>
+                      <a:endParaRPr lang="en-US" sz="1600" b="0" dirty="0">
+                        <a:solidFill>
+                          <a:srgbClr val="FF0000"/>
+                        </a:solidFill>
+                        <a:latin typeface="Gill Sans" charset="0"/>
+                        <a:ea typeface="Gill Sans" charset="0"/>
+                        <a:cs typeface="Gill Sans" charset="0"/>
+                      </a:endParaRPr>
+                    </a:p>
+                  </a:txBody>
+                  <a:tcPr>
+                    <a:solidFill>
+                      <a:schemeClr val="bg1"/>
+                    </a:solidFill>
+                  </a:tcPr>
+                </a:tc>
+                <a:tc>
+                  <a:txBody>
+                    <a:bodyPr/>
+                    <a:lstStyle/>
+                    <a:p>
+                      <a:pPr algn="ctr">
+                        <a:lnSpc>
+                          <a:spcPct val="80000"/>
+                        </a:lnSpc>
+                      </a:pPr>
+                      <a:r>
+                        <a:rPr lang="en-US" sz="1600" b="0" dirty="0" smtClean="0">
+                          <a:solidFill>
+                            <a:schemeClr val="tx1"/>
+                          </a:solidFill>
+                          <a:latin typeface="Gill Sans" charset="0"/>
+                          <a:ea typeface="Gill Sans" charset="0"/>
+                          <a:cs typeface="Gill Sans" charset="0"/>
+                        </a:rPr>
+                        <a:t>9/11</a:t>
+                      </a:r>
+                      <a:endParaRPr lang="en-US" sz="1600" b="0" dirty="0">
+                        <a:solidFill>
+                          <a:schemeClr val="tx1"/>
+                        </a:solidFill>
+                        <a:latin typeface="Gill Sans" charset="0"/>
+                        <a:ea typeface="Gill Sans" charset="0"/>
+                        <a:cs typeface="Gill Sans" charset="0"/>
+                      </a:endParaRPr>
+                    </a:p>
+                  </a:txBody>
+                  <a:tcPr>
+                    <a:solidFill>
+                      <a:schemeClr val="bg1"/>
+                    </a:solidFill>
+                  </a:tcPr>
+                </a:tc>
+                <a:tc>
+                  <a:txBody>
+                    <a:bodyPr/>
+                    <a:lstStyle/>
+                    <a:p>
+                      <a:pPr algn="ctr">
+                        <a:lnSpc>
+                          <a:spcPct val="80000"/>
+                        </a:lnSpc>
+                      </a:pPr>
+                      <a:r>
+                        <a:rPr lang="en-US" sz="1600" b="0" dirty="0" smtClean="0">
+                          <a:solidFill>
+                            <a:schemeClr val="tx1"/>
+                          </a:solidFill>
+                          <a:latin typeface="Gill Sans" charset="0"/>
+                          <a:ea typeface="Gill Sans" charset="0"/>
+                          <a:cs typeface="Gill Sans" charset="0"/>
+                        </a:rPr>
+                        <a:t>101</a:t>
+                      </a:r>
+                      <a:endParaRPr lang="en-US" sz="1600" b="0" dirty="0">
+                        <a:solidFill>
+                          <a:schemeClr val="tx1"/>
+                        </a:solidFill>
+                        <a:latin typeface="Gill Sans" charset="0"/>
+                        <a:ea typeface="Gill Sans" charset="0"/>
+                        <a:cs typeface="Gill Sans" charset="0"/>
+                      </a:endParaRPr>
+                    </a:p>
+                  </a:txBody>
+                  <a:tcPr>
+                    <a:solidFill>
+                      <a:schemeClr val="bg1"/>
+                    </a:solidFill>
+                  </a:tcPr>
+                </a:tc>
+              </a:tr>
+              <a:tr h="0">
+                <a:tc>
+                  <a:txBody>
+                    <a:bodyPr/>
+                    <a:lstStyle/>
+                    <a:p>
+                      <a:pPr algn="ctr">
+                        <a:lnSpc>
+                          <a:spcPct val="80000"/>
+                        </a:lnSpc>
+                      </a:pPr>
+                      <a:r>
+                        <a:rPr lang="en-US" sz="1600" b="0" baseline="0" dirty="0" smtClean="0">
+                          <a:solidFill>
+                            <a:schemeClr val="tx1">
+                              <a:lumMod val="50000"/>
+                              <a:lumOff val="50000"/>
+                            </a:schemeClr>
+                          </a:solidFill>
+                          <a:latin typeface="Gill Sans" charset="0"/>
+                          <a:ea typeface="Gill Sans" charset="0"/>
+                          <a:cs typeface="Gill Sans" charset="0"/>
+                        </a:rPr>
+                        <a:t>3</a:t>
+                      </a:r>
+                      <a:endParaRPr lang="en-US" sz="1600" b="0" dirty="0">
+                        <a:solidFill>
+                          <a:schemeClr val="tx1">
+                            <a:lumMod val="50000"/>
+                            <a:lumOff val="50000"/>
+                          </a:schemeClr>
+                        </a:solidFill>
+                        <a:latin typeface="Gill Sans" charset="0"/>
+                        <a:ea typeface="Gill Sans" charset="0"/>
+                        <a:cs typeface="Gill Sans" charset="0"/>
+                      </a:endParaRPr>
+                    </a:p>
+                  </a:txBody>
+                  <a:tcPr>
+                    <a:noFill/>
+                  </a:tcPr>
+                </a:tc>
+                <a:tc>
+                  <a:txBody>
+                    <a:bodyPr/>
+                    <a:lstStyle/>
+                    <a:p>
+                      <a:pPr algn="ctr">
+                        <a:lnSpc>
+                          <a:spcPct val="80000"/>
+                        </a:lnSpc>
+                      </a:pPr>
+                      <a:r>
+                        <a:rPr lang="en-US" sz="1600" b="0" dirty="0" smtClean="0">
+                          <a:solidFill>
+                            <a:srgbClr val="FF0000"/>
+                          </a:solidFill>
+                          <a:latin typeface="Gill Sans" charset="0"/>
+                          <a:ea typeface="Gill Sans" charset="0"/>
+                          <a:cs typeface="Gill Sans" charset="0"/>
+                        </a:rPr>
+                        <a:t>New</a:t>
+                      </a:r>
+                      <a:r>
+                        <a:rPr lang="en-US" sz="1600" b="0" baseline="0" dirty="0" smtClean="0">
+                          <a:solidFill>
+                            <a:srgbClr val="FF0000"/>
+                          </a:solidFill>
+                          <a:latin typeface="Gill Sans" charset="0"/>
+                          <a:ea typeface="Gill Sans" charset="0"/>
+                          <a:cs typeface="Gill Sans" charset="0"/>
+                        </a:rPr>
+                        <a:t> </a:t>
+                      </a:r>
+                      <a:r>
+                        <a:rPr lang="en-US" sz="1600" b="0" baseline="0" dirty="0" err="1" smtClean="0">
+                          <a:solidFill>
+                            <a:srgbClr val="FF0000"/>
+                          </a:solidFill>
+                          <a:latin typeface="Gill Sans" charset="0"/>
+                          <a:ea typeface="Gill Sans" charset="0"/>
+                          <a:cs typeface="Gill Sans" charset="0"/>
+                        </a:rPr>
+                        <a:t>YYork</a:t>
+                      </a:r>
+                      <a:endParaRPr lang="en-US" sz="1600" b="0" dirty="0">
+                        <a:solidFill>
+                          <a:srgbClr val="FF0000"/>
+                        </a:solidFill>
+                        <a:latin typeface="Gill Sans" charset="0"/>
+                        <a:ea typeface="Gill Sans" charset="0"/>
+                        <a:cs typeface="Gill Sans" charset="0"/>
+                      </a:endParaRPr>
+                    </a:p>
+                  </a:txBody>
+                  <a:tcPr>
+                    <a:solidFill>
+                      <a:schemeClr val="bg1"/>
+                    </a:solidFill>
+                  </a:tcPr>
+                </a:tc>
+                <a:tc>
+                  <a:txBody>
+                    <a:bodyPr/>
+                    <a:lstStyle/>
+                    <a:p>
+                      <a:pPr algn="ctr">
+                        <a:lnSpc>
+                          <a:spcPct val="80000"/>
+                        </a:lnSpc>
+                      </a:pPr>
+                      <a:r>
+                        <a:rPr lang="en-US" sz="1600" b="0" dirty="0" smtClean="0">
+                          <a:solidFill>
+                            <a:schemeClr val="tx1"/>
+                          </a:solidFill>
+                          <a:latin typeface="Gill Sans" charset="0"/>
+                          <a:ea typeface="Gill Sans" charset="0"/>
+                          <a:cs typeface="Gill Sans" charset="0"/>
+                        </a:rPr>
+                        <a:t>9/11</a:t>
+                      </a:r>
+                      <a:endParaRPr lang="en-US" sz="1600" b="0" dirty="0">
+                        <a:solidFill>
+                          <a:schemeClr val="tx1"/>
+                        </a:solidFill>
+                        <a:latin typeface="Gill Sans" charset="0"/>
+                        <a:ea typeface="Gill Sans" charset="0"/>
+                        <a:cs typeface="Gill Sans" charset="0"/>
+                      </a:endParaRPr>
+                    </a:p>
+                  </a:txBody>
+                  <a:tcPr>
+                    <a:solidFill>
+                      <a:schemeClr val="bg1"/>
+                    </a:solidFill>
+                  </a:tcPr>
+                </a:tc>
+                <a:tc>
+                  <a:txBody>
+                    <a:bodyPr/>
+                    <a:lstStyle/>
+                    <a:p>
+                      <a:pPr algn="ctr">
+                        <a:lnSpc>
+                          <a:spcPct val="80000"/>
+                        </a:lnSpc>
+                      </a:pPr>
+                      <a:r>
+                        <a:rPr lang="en-US" sz="1600" b="0" dirty="0" smtClean="0">
+                          <a:solidFill>
+                            <a:schemeClr val="tx1"/>
+                          </a:solidFill>
+                          <a:latin typeface="Gill Sans" charset="0"/>
+                          <a:ea typeface="Gill Sans" charset="0"/>
+                          <a:cs typeface="Gill Sans" charset="0"/>
+                        </a:rPr>
+                        <a:t>101</a:t>
+                      </a:r>
+                      <a:endParaRPr lang="en-US" sz="1600" b="0" dirty="0">
+                        <a:solidFill>
+                          <a:schemeClr val="tx1"/>
+                        </a:solidFill>
+                        <a:latin typeface="Gill Sans" charset="0"/>
+                        <a:ea typeface="Gill Sans" charset="0"/>
+                        <a:cs typeface="Gill Sans" charset="0"/>
+                      </a:endParaRPr>
+                    </a:p>
+                  </a:txBody>
+                  <a:tcPr>
+                    <a:solidFill>
+                      <a:schemeClr val="bg1"/>
+                    </a:solidFill>
+                  </a:tcPr>
+                </a:tc>
+              </a:tr>
+              <a:tr h="0">
+                <a:tc>
+                  <a:txBody>
+                    <a:bodyPr/>
+                    <a:lstStyle/>
+                    <a:p>
+                      <a:pPr algn="ctr">
+                        <a:lnSpc>
+                          <a:spcPct val="80000"/>
+                        </a:lnSpc>
+                      </a:pPr>
+                      <a:r>
+                        <a:rPr lang="en-US" sz="1600" b="0" dirty="0" smtClean="0">
+                          <a:solidFill>
+                            <a:schemeClr val="tx1">
+                              <a:lumMod val="50000"/>
+                              <a:lumOff val="50000"/>
+                            </a:schemeClr>
+                          </a:solidFill>
+                          <a:latin typeface="Gill Sans" charset="0"/>
+                          <a:ea typeface="Gill Sans" charset="0"/>
+                          <a:cs typeface="Gill Sans" charset="0"/>
+                        </a:rPr>
+                        <a:t>4</a:t>
+                      </a:r>
+                      <a:endParaRPr lang="en-US" sz="1600" b="0" dirty="0">
+                        <a:solidFill>
+                          <a:schemeClr val="tx1">
+                            <a:lumMod val="50000"/>
+                            <a:lumOff val="50000"/>
+                          </a:schemeClr>
+                        </a:solidFill>
+                        <a:latin typeface="Gill Sans" charset="0"/>
+                        <a:ea typeface="Gill Sans" charset="0"/>
+                        <a:cs typeface="Gill Sans" charset="0"/>
+                      </a:endParaRPr>
+                    </a:p>
+                  </a:txBody>
+                  <a:tcPr>
+                    <a:noFill/>
+                  </a:tcPr>
+                </a:tc>
+                <a:tc>
+                  <a:txBody>
+                    <a:bodyPr/>
+                    <a:lstStyle/>
+                    <a:p>
+                      <a:pPr algn="ctr">
+                        <a:lnSpc>
+                          <a:spcPct val="80000"/>
+                        </a:lnSpc>
+                      </a:pPr>
+                      <a:r>
+                        <a:rPr lang="en-US" sz="1600" b="0" dirty="0" smtClean="0">
+                          <a:solidFill>
+                            <a:schemeClr val="tx1"/>
+                          </a:solidFill>
+                          <a:latin typeface="Gill Sans" charset="0"/>
+                          <a:ea typeface="Gill Sans" charset="0"/>
+                          <a:cs typeface="Gill Sans" charset="0"/>
+                        </a:rPr>
+                        <a:t>San </a:t>
+                      </a:r>
+                      <a:r>
+                        <a:rPr lang="en-US" sz="1600" b="0" dirty="0" err="1" smtClean="0">
+                          <a:solidFill>
+                            <a:schemeClr val="tx1"/>
+                          </a:solidFill>
+                          <a:latin typeface="Gill Sans" charset="0"/>
+                          <a:ea typeface="Gill Sans" charset="0"/>
+                          <a:cs typeface="Gill Sans" charset="0"/>
+                        </a:rPr>
+                        <a:t>Francisc</a:t>
+                      </a:r>
+                      <a:endParaRPr lang="en-US" sz="1600" b="0" dirty="0">
+                        <a:solidFill>
+                          <a:schemeClr val="tx1"/>
+                        </a:solidFill>
+                        <a:latin typeface="Gill Sans" charset="0"/>
+                        <a:ea typeface="Gill Sans" charset="0"/>
+                        <a:cs typeface="Gill Sans" charset="0"/>
+                      </a:endParaRPr>
+                    </a:p>
+                  </a:txBody>
+                  <a:tcPr>
+                    <a:solidFill>
+                      <a:schemeClr val="bg1"/>
+                    </a:solidFill>
+                  </a:tcPr>
+                </a:tc>
+                <a:tc>
+                  <a:txBody>
+                    <a:bodyPr/>
+                    <a:lstStyle/>
+                    <a:p>
+                      <a:pPr algn="ctr">
+                        <a:lnSpc>
+                          <a:spcPct val="80000"/>
+                        </a:lnSpc>
+                      </a:pPr>
+                      <a:r>
+                        <a:rPr lang="en-US" sz="1600" b="0" dirty="0" smtClean="0">
+                          <a:solidFill>
+                            <a:schemeClr val="tx1"/>
+                          </a:solidFill>
+                          <a:latin typeface="Gill Sans" charset="0"/>
+                          <a:ea typeface="Gill Sans" charset="0"/>
+                          <a:cs typeface="Gill Sans" charset="0"/>
+                        </a:rPr>
+                        <a:t>10/12</a:t>
+                      </a:r>
+                      <a:endParaRPr lang="en-US" sz="1600" b="0" dirty="0">
+                        <a:solidFill>
+                          <a:schemeClr val="tx1"/>
+                        </a:solidFill>
+                        <a:latin typeface="Gill Sans" charset="0"/>
+                        <a:ea typeface="Gill Sans" charset="0"/>
+                        <a:cs typeface="Gill Sans" charset="0"/>
+                      </a:endParaRPr>
+                    </a:p>
+                  </a:txBody>
+                  <a:tcPr>
+                    <a:solidFill>
+                      <a:schemeClr val="bg1"/>
+                    </a:solidFill>
+                  </a:tcPr>
+                </a:tc>
+                <a:tc>
+                  <a:txBody>
+                    <a:bodyPr/>
+                    <a:lstStyle/>
+                    <a:p>
+                      <a:pPr algn="ctr">
+                        <a:lnSpc>
+                          <a:spcPct val="80000"/>
+                        </a:lnSpc>
+                      </a:pPr>
+                      <a:r>
+                        <a:rPr lang="en-US" sz="1600" b="0" dirty="0" smtClean="0">
+                          <a:solidFill>
+                            <a:schemeClr val="tx1"/>
+                          </a:solidFill>
+                          <a:latin typeface="Gill Sans" charset="0"/>
+                          <a:ea typeface="Gill Sans" charset="0"/>
+                          <a:cs typeface="Gill Sans" charset="0"/>
+                        </a:rPr>
+                        <a:t>2</a:t>
+                      </a:r>
+                      <a:endParaRPr lang="en-US" sz="1600" b="0" dirty="0">
+                        <a:solidFill>
+                          <a:schemeClr val="tx1"/>
+                        </a:solidFill>
+                        <a:latin typeface="Gill Sans" charset="0"/>
+                        <a:ea typeface="Gill Sans" charset="0"/>
+                        <a:cs typeface="Gill Sans" charset="0"/>
+                      </a:endParaRPr>
+                    </a:p>
+                  </a:txBody>
+                  <a:tcPr>
+                    <a:solidFill>
+                      <a:schemeClr val="bg1"/>
+                    </a:solidFill>
+                  </a:tcPr>
+                </a:tc>
+              </a:tr>
+              <a:tr h="0">
+                <a:tc>
+                  <a:txBody>
+                    <a:bodyPr/>
+                    <a:lstStyle/>
+                    <a:p>
+                      <a:pPr algn="ctr">
+                        <a:lnSpc>
+                          <a:spcPct val="80000"/>
+                        </a:lnSpc>
+                      </a:pPr>
+                      <a:r>
+                        <a:rPr lang="en-US" sz="1600" b="0" dirty="0" smtClean="0">
+                          <a:solidFill>
+                            <a:schemeClr val="tx1">
+                              <a:lumMod val="50000"/>
+                              <a:lumOff val="50000"/>
+                            </a:schemeClr>
+                          </a:solidFill>
+                          <a:latin typeface="Gill Sans" charset="0"/>
+                          <a:ea typeface="Gill Sans" charset="0"/>
+                          <a:cs typeface="Gill Sans" charset="0"/>
+                        </a:rPr>
+                        <a:t>5</a:t>
+                      </a:r>
+                      <a:endParaRPr lang="en-US" sz="1600" b="0" dirty="0">
+                        <a:solidFill>
+                          <a:schemeClr val="tx1">
+                            <a:lumMod val="50000"/>
+                            <a:lumOff val="50000"/>
+                          </a:schemeClr>
+                        </a:solidFill>
+                        <a:latin typeface="Gill Sans" charset="0"/>
+                        <a:ea typeface="Gill Sans" charset="0"/>
+                        <a:cs typeface="Gill Sans" charset="0"/>
+                      </a:endParaRPr>
+                    </a:p>
+                  </a:txBody>
+                  <a:tcPr>
+                    <a:noFill/>
+                  </a:tcPr>
+                </a:tc>
+                <a:tc>
+                  <a:txBody>
+                    <a:bodyPr/>
+                    <a:lstStyle/>
+                    <a:p>
+                      <a:pPr algn="ctr">
+                        <a:lnSpc>
+                          <a:spcPct val="80000"/>
+                        </a:lnSpc>
+                      </a:pPr>
+                      <a:r>
+                        <a:rPr lang="en-US" dirty="0" smtClean="0"/>
+                        <a:t>San Jose</a:t>
+                      </a:r>
+                      <a:endParaRPr lang="en-US" dirty="0"/>
+                    </a:p>
+                  </a:txBody>
+                  <a:tcPr>
+                    <a:solidFill>
+                      <a:schemeClr val="bg1"/>
+                    </a:solidFill>
+                  </a:tcPr>
+                </a:tc>
+                <a:tc>
+                  <a:txBody>
+                    <a:bodyPr/>
+                    <a:lstStyle/>
+                    <a:p>
+                      <a:pPr algn="ctr">
+                        <a:lnSpc>
+                          <a:spcPct val="80000"/>
+                        </a:lnSpc>
+                      </a:pPr>
+                      <a:r>
+                        <a:rPr lang="en-US" dirty="0" smtClean="0"/>
+                        <a:t>8/10</a:t>
+                      </a:r>
+                      <a:endParaRPr lang="en-US" dirty="0"/>
+                    </a:p>
+                  </a:txBody>
+                  <a:tcPr>
+                    <a:solidFill>
+                      <a:schemeClr val="bg1"/>
+                    </a:solidFill>
+                  </a:tcPr>
+                </a:tc>
+                <a:tc>
+                  <a:txBody>
+                    <a:bodyPr/>
+                    <a:lstStyle/>
+                    <a:p>
+                      <a:pPr algn="ctr">
+                        <a:lnSpc>
+                          <a:spcPct val="80000"/>
+                        </a:lnSpc>
+                      </a:pPr>
+                      <a:r>
+                        <a:rPr lang="en-US" dirty="0" smtClean="0"/>
+                        <a:t>5</a:t>
+                      </a:r>
+                      <a:endParaRPr lang="en-US" dirty="0"/>
+                    </a:p>
+                  </a:txBody>
+                  <a:tcPr>
+                    <a:solidFill>
+                      <a:schemeClr val="bg1"/>
+                    </a:solidFill>
+                  </a:tcPr>
+                </a:tc>
+              </a:tr>
+              <a:tr h="178238">
+                <a:tc>
+                  <a:txBody>
+                    <a:bodyPr/>
+                    <a:lstStyle/>
+                    <a:p>
+                      <a:pPr algn="ctr">
+                        <a:lnSpc>
+                          <a:spcPct val="80000"/>
+                        </a:lnSpc>
+                      </a:pPr>
+                      <a:r>
+                        <a:rPr lang="en-US" sz="1600" b="0" baseline="0" dirty="0" smtClean="0">
+                          <a:solidFill>
+                            <a:schemeClr val="tx1">
+                              <a:lumMod val="50000"/>
+                              <a:lumOff val="50000"/>
+                            </a:schemeClr>
+                          </a:solidFill>
+                          <a:latin typeface="Gill Sans" charset="0"/>
+                          <a:ea typeface="Gill Sans" charset="0"/>
+                          <a:cs typeface="Gill Sans" charset="0"/>
+                        </a:rPr>
+                        <a:t>6</a:t>
+                      </a:r>
+                      <a:endParaRPr lang="en-US" sz="1600" b="0" dirty="0">
+                        <a:solidFill>
+                          <a:schemeClr val="tx1">
+                            <a:lumMod val="50000"/>
+                            <a:lumOff val="50000"/>
+                          </a:schemeClr>
+                        </a:solidFill>
+                        <a:latin typeface="Gill Sans" charset="0"/>
+                        <a:ea typeface="Gill Sans" charset="0"/>
+                        <a:cs typeface="Gill Sans" charset="0"/>
+                      </a:endParaRPr>
+                    </a:p>
+                  </a:txBody>
+                  <a:tcPr>
+                    <a:noFill/>
+                  </a:tcPr>
+                </a:tc>
+                <a:tc>
+                  <a:txBody>
+                    <a:bodyPr/>
+                    <a:lstStyle/>
+                    <a:p>
+                      <a:pPr algn="ctr">
+                        <a:lnSpc>
+                          <a:spcPct val="80000"/>
+                        </a:lnSpc>
+                      </a:pPr>
+                      <a:r>
+                        <a:rPr lang="en-US" dirty="0" smtClean="0"/>
+                        <a:t>San Mateo</a:t>
+                      </a:r>
+                      <a:endParaRPr lang="en-US" dirty="0"/>
+                    </a:p>
+                  </a:txBody>
+                  <a:tcPr>
+                    <a:solidFill>
+                      <a:schemeClr val="bg1"/>
+                    </a:solidFill>
+                  </a:tcPr>
+                </a:tc>
+                <a:tc>
+                  <a:txBody>
+                    <a:bodyPr/>
+                    <a:lstStyle/>
+                    <a:p>
+                      <a:pPr algn="ctr">
+                        <a:lnSpc>
+                          <a:spcPct val="80000"/>
+                        </a:lnSpc>
+                      </a:pPr>
+                      <a:r>
+                        <a:rPr lang="en-US" dirty="0" smtClean="0"/>
+                        <a:t>6/02</a:t>
+                      </a:r>
+                      <a:endParaRPr lang="en-US" dirty="0"/>
+                    </a:p>
+                  </a:txBody>
+                  <a:tcPr>
+                    <a:solidFill>
+                      <a:schemeClr val="bg1"/>
+                    </a:solidFill>
+                  </a:tcPr>
+                </a:tc>
+                <a:tc>
+                  <a:txBody>
+                    <a:bodyPr/>
+                    <a:lstStyle/>
+                    <a:p>
+                      <a:pPr algn="ctr">
+                        <a:lnSpc>
+                          <a:spcPct val="80000"/>
+                        </a:lnSpc>
+                      </a:pPr>
+                      <a:r>
+                        <a:rPr lang="en-US" dirty="0" smtClean="0"/>
+                        <a:t>22</a:t>
+                      </a:r>
+                      <a:endParaRPr lang="en-US" dirty="0"/>
+                    </a:p>
+                  </a:txBody>
+                  <a:tcPr>
+                    <a:solidFill>
+                      <a:schemeClr val="bg1"/>
+                    </a:solidFill>
+                  </a:tcPr>
+                </a:tc>
+              </a:tr>
+              <a:tr h="0">
+                <a:tc>
+                  <a:txBody>
+                    <a:bodyPr/>
+                    <a:lstStyle/>
+                    <a:p>
+                      <a:pPr algn="ctr">
+                        <a:lnSpc>
+                          <a:spcPct val="80000"/>
+                        </a:lnSpc>
+                      </a:pPr>
+                      <a:r>
+                        <a:rPr lang="en-US" sz="1600" b="0" dirty="0" smtClean="0">
+                          <a:solidFill>
+                            <a:schemeClr val="tx1">
+                              <a:lumMod val="50000"/>
+                              <a:lumOff val="50000"/>
+                            </a:schemeClr>
+                          </a:solidFill>
+                          <a:latin typeface="Gill Sans" charset="0"/>
+                          <a:ea typeface="Gill Sans" charset="0"/>
+                          <a:cs typeface="Gill Sans" charset="0"/>
+                        </a:rPr>
+                        <a:t>7</a:t>
+                      </a:r>
+                      <a:endParaRPr lang="en-US" sz="1600" b="0" dirty="0">
+                        <a:solidFill>
+                          <a:schemeClr val="tx1">
+                            <a:lumMod val="50000"/>
+                            <a:lumOff val="50000"/>
+                          </a:schemeClr>
+                        </a:solidFill>
+                        <a:latin typeface="Gill Sans" charset="0"/>
+                        <a:ea typeface="Gill Sans" charset="0"/>
+                        <a:cs typeface="Gill Sans" charset="0"/>
+                      </a:endParaRPr>
+                    </a:p>
+                  </a:txBody>
+                  <a:tcPr>
+                    <a:noFill/>
+                  </a:tcPr>
+                </a:tc>
+                <a:tc>
+                  <a:txBody>
+                    <a:bodyPr/>
+                    <a:lstStyle/>
+                    <a:p>
+                      <a:pPr algn="ctr">
+                        <a:lnSpc>
+                          <a:spcPct val="80000"/>
+                        </a:lnSpc>
+                      </a:pPr>
+                      <a:r>
+                        <a:rPr lang="en-US" sz="1600" b="0" dirty="0" smtClean="0">
+                          <a:solidFill>
+                            <a:srgbClr val="FF0000"/>
+                          </a:solidFill>
+                          <a:latin typeface="Gill Sans" charset="0"/>
+                          <a:ea typeface="Gill Sans" charset="0"/>
+                          <a:cs typeface="Gill Sans" charset="0"/>
+                        </a:rPr>
+                        <a:t>New</a:t>
+                      </a:r>
+                      <a:r>
+                        <a:rPr lang="en-US" sz="1600" b="0" baseline="0" dirty="0" smtClean="0">
+                          <a:solidFill>
+                            <a:srgbClr val="FF0000"/>
+                          </a:solidFill>
+                          <a:latin typeface="Gill Sans" charset="0"/>
+                          <a:ea typeface="Gill Sans" charset="0"/>
+                          <a:cs typeface="Gill Sans" charset="0"/>
+                        </a:rPr>
+                        <a:t> York City</a:t>
+                      </a:r>
+                      <a:endParaRPr lang="en-US" sz="1600" b="0" dirty="0">
+                        <a:solidFill>
+                          <a:srgbClr val="FF0000"/>
+                        </a:solidFill>
+                        <a:latin typeface="Gill Sans" charset="0"/>
+                        <a:ea typeface="Gill Sans" charset="0"/>
+                        <a:cs typeface="Gill Sans" charset="0"/>
+                      </a:endParaRPr>
+                    </a:p>
+                  </a:txBody>
+                  <a:tcPr>
+                    <a:solidFill>
+                      <a:schemeClr val="bg1"/>
+                    </a:solidFill>
+                  </a:tcPr>
+                </a:tc>
+                <a:tc>
+                  <a:txBody>
+                    <a:bodyPr/>
+                    <a:lstStyle/>
+                    <a:p>
+                      <a:pPr algn="ctr">
+                        <a:lnSpc>
+                          <a:spcPct val="80000"/>
+                        </a:lnSpc>
+                      </a:pPr>
+                      <a:r>
+                        <a:rPr lang="en-US" sz="1600" b="0" dirty="0" smtClean="0">
+                          <a:solidFill>
+                            <a:schemeClr val="tx1"/>
+                          </a:solidFill>
+                          <a:latin typeface="Gill Sans" charset="0"/>
+                          <a:ea typeface="Gill Sans" charset="0"/>
+                          <a:cs typeface="Gill Sans" charset="0"/>
+                        </a:rPr>
+                        <a:t>9-11</a:t>
+                      </a:r>
+                      <a:endParaRPr lang="en-US" sz="1600" b="0" dirty="0">
+                        <a:solidFill>
+                          <a:schemeClr val="tx1"/>
+                        </a:solidFill>
+                        <a:latin typeface="Gill Sans" charset="0"/>
+                        <a:ea typeface="Gill Sans" charset="0"/>
+                        <a:cs typeface="Gill Sans" charset="0"/>
+                      </a:endParaRPr>
+                    </a:p>
+                  </a:txBody>
+                  <a:tcPr>
+                    <a:solidFill>
+                      <a:schemeClr val="bg1"/>
+                    </a:solidFill>
+                  </a:tcPr>
+                </a:tc>
+                <a:tc>
+                  <a:txBody>
+                    <a:bodyPr/>
+                    <a:lstStyle/>
+                    <a:p>
+                      <a:pPr algn="ctr">
+                        <a:lnSpc>
+                          <a:spcPct val="80000"/>
+                        </a:lnSpc>
+                      </a:pPr>
+                      <a:r>
+                        <a:rPr lang="en-US" sz="1600" b="0" dirty="0" smtClean="0">
+                          <a:solidFill>
+                            <a:schemeClr val="tx1"/>
+                          </a:solidFill>
+                          <a:latin typeface="Gill Sans" charset="0"/>
+                          <a:ea typeface="Gill Sans" charset="0"/>
+                          <a:cs typeface="Gill Sans" charset="0"/>
+                        </a:rPr>
+                        <a:t>102</a:t>
+                      </a:r>
+                      <a:endParaRPr lang="en-US" sz="1600" b="0" dirty="0">
+                        <a:solidFill>
+                          <a:schemeClr val="tx1"/>
+                        </a:solidFill>
+                        <a:latin typeface="Gill Sans" charset="0"/>
+                        <a:ea typeface="Gill Sans" charset="0"/>
+                        <a:cs typeface="Gill Sans" charset="0"/>
+                      </a:endParaRPr>
+                    </a:p>
+                  </a:txBody>
+                  <a:tcPr>
+                    <a:solidFill>
+                      <a:schemeClr val="bg1"/>
+                    </a:solidFill>
+                  </a:tcPr>
+                </a:tc>
+              </a:tr>
+            </a:tbl>
+          </a:graphicData>
+        </a:graphic>
+      </p:graphicFrame>
+    </p:spTree>
+    <p:extLst>
+      <p:ext uri="{BB962C8B-B14F-4D97-AF65-F5344CB8AC3E}">
+        <p14:creationId xmlns:p14="http://schemas.microsoft.com/office/powerpoint/2010/main" val="1070988830"/>
+      </p:ext>
+    </p:extLst>
+  </p:cSld>
+  <p:clrMapOvr>
+    <a:masterClrMapping/>
+  </p:clrMapOvr>
+</p:sld>
+</file>
+
+<file path=ppt/slides/slide7.xml><?xml version="1.0" encoding="utf-8"?>
 <p:sld xmlns:a="http://schemas.openxmlformats.org/drawingml/2006/main" xmlns:r="http://schemas.openxmlformats.org/officeDocument/2006/relationships" xmlns:p="http://schemas.openxmlformats.org/presentationml/2006/main">
   <p:cSld>
     <p:spTree>
@@ -12541,4 +20657,265 @@
     </a:ext>
   </a:extLst>
 </a:theme>
+</file>
+
+<file path=ppt/theme/theme2.xml><?xml version="1.0" encoding="utf-8"?>
+<a:theme xmlns:a="http://schemas.openxmlformats.org/drawingml/2006/main" name="Office Theme">
+  <a:themeElements>
+    <a:clrScheme name="Office">
+      <a:dk1>
+        <a:sysClr val="windowText" lastClr="000000"/>
+      </a:dk1>
+      <a:lt1>
+        <a:sysClr val="window" lastClr="FFFFFF"/>
+      </a:lt1>
+      <a:dk2>
+        <a:srgbClr val="44546A"/>
+      </a:dk2>
+      <a:lt2>
+        <a:srgbClr val="E7E6E6"/>
+      </a:lt2>
+      <a:accent1>
+        <a:srgbClr val="5B9BD5"/>
+      </a:accent1>
+      <a:accent2>
+        <a:srgbClr val="ED7D31"/>
+      </a:accent2>
+      <a:accent3>
+        <a:srgbClr val="A5A5A5"/>
+      </a:accent3>
+      <a:accent4>
+        <a:srgbClr val="FFC000"/>
+      </a:accent4>
+      <a:accent5>
+        <a:srgbClr val="4472C4"/>
+      </a:accent5>
+      <a:accent6>
+        <a:srgbClr val="70AD47"/>
+      </a:accent6>
+      <a:hlink>
+        <a:srgbClr val="0563C1"/>
+      </a:hlink>
+      <a:folHlink>
+        <a:srgbClr val="954F72"/>
+      </a:folHlink>
+    </a:clrScheme>
+    <a:fontScheme name="Office">
+      <a:majorFont>
+        <a:latin typeface="Calibri Light" panose="020F0302020204030204"/>
+        <a:ea typeface=""/>
+        <a:cs typeface=""/>
+        <a:font script="Jpan" typeface="Yu Gothic Light"/>
+        <a:font script="Hang" typeface="맑은 고딕"/>
+        <a:font script="Hans" typeface="DengXian Light"/>
+        <a:font script="Hant" typeface="新細明體"/>
+        <a:font script="Arab" typeface="Times New Roman"/>
+        <a:font script="Hebr" typeface="Times New Roman"/>
+        <a:font script="Thai" typeface="Angsana New"/>
+        <a:font script="Ethi" typeface="Nyala"/>
+        <a:font script="Beng" typeface="Vrinda"/>
+        <a:font script="Gujr" typeface="Shruti"/>
+        <a:font script="Khmr" typeface="MoolBoran"/>
+        <a:font script="Knda" typeface="Tunga"/>
+        <a:font script="Guru" typeface="Raavi"/>
+        <a:font script="Cans" typeface="Euphemia"/>
+        <a:font script="Cher" typeface="Plantagenet Cherokee"/>
+        <a:font script="Yiii" typeface="Microsoft Yi Baiti"/>
+        <a:font script="Tibt" typeface="Microsoft Himalaya"/>
+        <a:font script="Thaa" typeface="MV Boli"/>
+        <a:font script="Deva" typeface="Mangal"/>
+        <a:font script="Telu" typeface="Gautami"/>
+        <a:font script="Taml" typeface="Latha"/>
+        <a:font script="Syrc" typeface="Estrangelo Edessa"/>
+        <a:font script="Orya" typeface="Kalinga"/>
+        <a:font script="Mlym" typeface="Kartika"/>
+        <a:font script="Laoo" typeface="DokChampa"/>
+        <a:font script="Sinh" typeface="Iskoola Pota"/>
+        <a:font script="Mong" typeface="Mongolian Baiti"/>
+        <a:font script="Viet" typeface="Times New Roman"/>
+        <a:font script="Uigh" typeface="Microsoft Uighur"/>
+        <a:font script="Geor" typeface="Sylfaen"/>
+      </a:majorFont>
+      <a:minorFont>
+        <a:latin typeface="Calibri" panose="020F0502020204030204"/>
+        <a:ea typeface=""/>
+        <a:cs typeface=""/>
+        <a:font script="Jpan" typeface="Yu Gothic"/>
+        <a:font script="Hang" typeface="맑은 고딕"/>
+        <a:font script="Hans" typeface="DengXian"/>
+        <a:font script="Hant" typeface="新細明體"/>
+        <a:font script="Arab" typeface="Arial"/>
+        <a:font script="Hebr" typeface="Arial"/>
+        <a:font script="Thai" typeface="Cordia New"/>
+        <a:font script="Ethi" typeface="Nyala"/>
+        <a:font script="Beng" typeface="Vrinda"/>
+        <a:font script="Gujr" typeface="Shruti"/>
+        <a:font script="Khmr" typeface="DaunPenh"/>
+        <a:font script="Knda" typeface="Tunga"/>
+        <a:font script="Guru" typeface="Raavi"/>
+        <a:font script="Cans" typeface="Euphemia"/>
+        <a:font script="Cher" typeface="Plantagenet Cherokee"/>
+        <a:font script="Yiii" typeface="Microsoft Yi Baiti"/>
+        <a:font script="Tibt" typeface="Microsoft Himalaya"/>
+        <a:font script="Thaa" typeface="MV Boli"/>
+        <a:font script="Deva" typeface="Mangal"/>
+        <a:font script="Telu" typeface="Gautami"/>
+        <a:font script="Taml" typeface="Latha"/>
+        <a:font script="Syrc" typeface="Estrangelo Edessa"/>
+        <a:font script="Orya" typeface="Kalinga"/>
+        <a:font script="Mlym" typeface="Kartika"/>
+        <a:font script="Laoo" typeface="DokChampa"/>
+        <a:font script="Sinh" typeface="Iskoola Pota"/>
+        <a:font script="Mong" typeface="Mongolian Baiti"/>
+        <a:font script="Viet" typeface="Arial"/>
+        <a:font script="Uigh" typeface="Microsoft Uighur"/>
+        <a:font script="Geor" typeface="Sylfaen"/>
+      </a:minorFont>
+    </a:fontScheme>
+    <a:fmtScheme name="Office">
+      <a:fillStyleLst>
+        <a:solidFill>
+          <a:schemeClr val="phClr"/>
+        </a:solidFill>
+        <a:gradFill rotWithShape="1">
+          <a:gsLst>
+            <a:gs pos="0">
+              <a:schemeClr val="phClr">
+                <a:lumMod val="110000"/>
+                <a:satMod val="105000"/>
+                <a:tint val="67000"/>
+              </a:schemeClr>
+            </a:gs>
+            <a:gs pos="50000">
+              <a:schemeClr val="phClr">
+                <a:lumMod val="105000"/>
+                <a:satMod val="103000"/>
+                <a:tint val="73000"/>
+              </a:schemeClr>
+            </a:gs>
+            <a:gs pos="100000">
+              <a:schemeClr val="phClr">
+                <a:lumMod val="105000"/>
+                <a:satMod val="109000"/>
+                <a:tint val="81000"/>
+              </a:schemeClr>
+            </a:gs>
+          </a:gsLst>
+          <a:lin ang="5400000" scaled="0"/>
+        </a:gradFill>
+        <a:gradFill rotWithShape="1">
+          <a:gsLst>
+            <a:gs pos="0">
+              <a:schemeClr val="phClr">
+                <a:satMod val="103000"/>
+                <a:lumMod val="102000"/>
+                <a:tint val="94000"/>
+              </a:schemeClr>
+            </a:gs>
+            <a:gs pos="50000">
+              <a:schemeClr val="phClr">
+                <a:satMod val="110000"/>
+                <a:lumMod val="100000"/>
+                <a:shade val="100000"/>
+              </a:schemeClr>
+            </a:gs>
+            <a:gs pos="100000">
+              <a:schemeClr val="phClr">
+                <a:lumMod val="99000"/>
+                <a:satMod val="120000"/>
+                <a:shade val="78000"/>
+              </a:schemeClr>
+            </a:gs>
+          </a:gsLst>
+          <a:lin ang="5400000" scaled="0"/>
+        </a:gradFill>
+      </a:fillStyleLst>
+      <a:lnStyleLst>
+        <a:ln w="6350" cap="flat" cmpd="sng" algn="ctr">
+          <a:solidFill>
+            <a:schemeClr val="phClr"/>
+          </a:solidFill>
+          <a:prstDash val="solid"/>
+          <a:miter lim="800000"/>
+        </a:ln>
+        <a:ln w="12700" cap="flat" cmpd="sng" algn="ctr">
+          <a:solidFill>
+            <a:schemeClr val="phClr"/>
+          </a:solidFill>
+          <a:prstDash val="solid"/>
+          <a:miter lim="800000"/>
+        </a:ln>
+        <a:ln w="19050" cap="flat" cmpd="sng" algn="ctr">
+          <a:solidFill>
+            <a:schemeClr val="phClr"/>
+          </a:solidFill>
+          <a:prstDash val="solid"/>
+          <a:miter lim="800000"/>
+        </a:ln>
+      </a:lnStyleLst>
+      <a:effectStyleLst>
+        <a:effectStyle>
+          <a:effectLst/>
+        </a:effectStyle>
+        <a:effectStyle>
+          <a:effectLst/>
+        </a:effectStyle>
+        <a:effectStyle>
+          <a:effectLst>
+            <a:outerShdw blurRad="57150" dist="19050" dir="5400000" algn="ctr" rotWithShape="0">
+              <a:srgbClr val="000000">
+                <a:alpha val="63000"/>
+              </a:srgbClr>
+            </a:outerShdw>
+          </a:effectLst>
+        </a:effectStyle>
+      </a:effectStyleLst>
+      <a:bgFillStyleLst>
+        <a:solidFill>
+          <a:schemeClr val="phClr"/>
+        </a:solidFill>
+        <a:solidFill>
+          <a:schemeClr val="phClr">
+            <a:tint val="95000"/>
+            <a:satMod val="170000"/>
+          </a:schemeClr>
+        </a:solidFill>
+        <a:gradFill rotWithShape="1">
+          <a:gsLst>
+            <a:gs pos="0">
+              <a:schemeClr val="phClr">
+                <a:tint val="93000"/>
+                <a:satMod val="150000"/>
+                <a:shade val="98000"/>
+                <a:lumMod val="102000"/>
+              </a:schemeClr>
+            </a:gs>
+            <a:gs pos="50000">
+              <a:schemeClr val="phClr">
+                <a:tint val="98000"/>
+                <a:satMod val="130000"/>
+                <a:shade val="90000"/>
+                <a:lumMod val="103000"/>
+              </a:schemeClr>
+            </a:gs>
+            <a:gs pos="100000">
+              <a:schemeClr val="phClr">
+                <a:shade val="63000"/>
+                <a:satMod val="120000"/>
+              </a:schemeClr>
+            </a:gs>
+          </a:gsLst>
+          <a:lin ang="5400000" scaled="0"/>
+        </a:gradFill>
+      </a:bgFillStyleLst>
+    </a:fmtScheme>
+  </a:themeElements>
+  <a:objectDefaults/>
+  <a:extraClrSchemeLst/>
+  <a:extLst>
+    <a:ext uri="{05A4C25C-085E-4340-85A3-A5531E510DB2}">
+      <thm15:themeFamily xmlns:thm15="http://schemas.microsoft.com/office/thememl/2012/main" name="Office Theme" id="{62F939B6-93AF-4DB8-9C6B-D6C7DFDC589F}" vid="{4A3C46E8-61CC-4603-A589-7422A47A8E4A}"/>
+    </a:ext>
+  </a:extLst>
+</a:theme>
 </file>